--- a/Databases/10. Entity Framework Code First/Entity-Framework-Code-First.pptx
+++ b/Databases/10. Entity Framework Code First/Entity-Framework-Code-First.pptx
@@ -5,10 +5,10 @@
     <p:sldMasterId id="2147483672" r:id="rId1"/>
   </p:sldMasterIdLst>
   <p:notesMasterIdLst>
-    <p:notesMasterId r:id="rId41"/>
+    <p:notesMasterId r:id="rId45"/>
   </p:notesMasterIdLst>
   <p:handoutMasterIdLst>
-    <p:handoutMasterId r:id="rId42"/>
+    <p:handoutMasterId r:id="rId46"/>
   </p:handoutMasterIdLst>
   <p:sldIdLst>
     <p:sldId id="570" r:id="rId2"/>
@@ -32,29 +32,33 @@
     <p:sldId id="828" r:id="rId20"/>
     <p:sldId id="830" r:id="rId21"/>
     <p:sldId id="834" r:id="rId22"/>
-    <p:sldId id="827" r:id="rId23"/>
-    <p:sldId id="836" r:id="rId24"/>
-    <p:sldId id="837" r:id="rId25"/>
-    <p:sldId id="838" r:id="rId26"/>
-    <p:sldId id="839" r:id="rId27"/>
-    <p:sldId id="840" r:id="rId28"/>
-    <p:sldId id="841" r:id="rId29"/>
-    <p:sldId id="843" r:id="rId30"/>
-    <p:sldId id="842" r:id="rId31"/>
-    <p:sldId id="844" r:id="rId32"/>
-    <p:sldId id="845" r:id="rId33"/>
-    <p:sldId id="846" r:id="rId34"/>
-    <p:sldId id="847" r:id="rId35"/>
-    <p:sldId id="849" r:id="rId36"/>
-    <p:sldId id="848" r:id="rId37"/>
-    <p:sldId id="460" r:id="rId38"/>
-    <p:sldId id="812" r:id="rId39"/>
-    <p:sldId id="333" r:id="rId40"/>
+    <p:sldId id="837" r:id="rId23"/>
+    <p:sldId id="838" r:id="rId24"/>
+    <p:sldId id="839" r:id="rId25"/>
+    <p:sldId id="840" r:id="rId26"/>
+    <p:sldId id="841" r:id="rId27"/>
+    <p:sldId id="843" r:id="rId28"/>
+    <p:sldId id="842" r:id="rId29"/>
+    <p:sldId id="844" r:id="rId30"/>
+    <p:sldId id="845" r:id="rId31"/>
+    <p:sldId id="846" r:id="rId32"/>
+    <p:sldId id="847" r:id="rId33"/>
+    <p:sldId id="849" r:id="rId34"/>
+    <p:sldId id="848" r:id="rId35"/>
+    <p:sldId id="854" r:id="rId36"/>
+    <p:sldId id="855" r:id="rId37"/>
+    <p:sldId id="856" r:id="rId38"/>
+    <p:sldId id="850" r:id="rId39"/>
+    <p:sldId id="853" r:id="rId40"/>
+    <p:sldId id="852" r:id="rId41"/>
+    <p:sldId id="460" r:id="rId42"/>
+    <p:sldId id="812" r:id="rId43"/>
+    <p:sldId id="333" r:id="rId44"/>
   </p:sldIdLst>
   <p:sldSz cx="9144000" cy="6858000" type="screen4x3"/>
   <p:notesSz cx="6881813" cy="9296400"/>
   <p:custDataLst>
-    <p:tags r:id="rId43"/>
+    <p:tags r:id="rId47"/>
   </p:custDataLst>
   <p:defaultTextStyle>
     <a:defPPr>
@@ -217,12 +221,6 @@
             <p14:sldId id="834"/>
           </p14:sldIdLst>
         </p14:section>
-        <p14:section name="Entity Framework Power Tools" id="{6CAC9B12-CE6E-424B-A2F9-901B597EF933}">
-          <p14:sldIdLst>
-            <p14:sldId id="827"/>
-            <p14:sldId id="836"/>
-          </p14:sldIdLst>
-        </p14:section>
         <p14:section name="Using Code First Migrations" id="{C9623C25-5817-4ED2-B52A-7BF43FA6450E}">
           <p14:sldIdLst>
             <p14:sldId id="837"/>
@@ -244,6 +242,20 @@
             <p14:sldId id="848"/>
           </p14:sldIdLst>
         </p14:section>
+        <p14:section name="LINQPad" id="{C150D08D-D3E1-41CD-BD0C-AEF54B2EEE32}">
+          <p14:sldIdLst>
+            <p14:sldId id="854"/>
+            <p14:sldId id="855"/>
+            <p14:sldId id="856"/>
+          </p14:sldIdLst>
+        </p14:section>
+        <p14:section name="Repository Pattern" id="{03BC86C1-AB79-4F10-91F1-083265C6E394}">
+          <p14:sldIdLst>
+            <p14:sldId id="850"/>
+            <p14:sldId id="853"/>
+            <p14:sldId id="852"/>
+          </p14:sldIdLst>
+        </p14:section>
         <p14:section name="Questions and Homework" id="{582018E1-BCD4-4B64-9021-AA7DC827860A}">
           <p14:sldIdLst>
             <p14:sldId id="460"/>
@@ -254,7 +266,7 @@
       </p14:sectionLst>
     </p:ext>
     <p:ext uri="{EFAFB233-063F-42B5-8137-9DF3F51BA10A}">
-      <p15:sldGuideLst xmlns:p15="http://schemas.microsoft.com/office/powerpoint/2012/main">
+      <p15:sldGuideLst xmlns:p15="http://schemas.microsoft.com/office/powerpoint/2012/main" xmlns="">
         <p15:guide id="1" orient="horz" pos="2160">
           <p15:clr>
             <a:srgbClr val="A4A3A4"/>
@@ -268,7 +280,7 @@
       </p15:sldGuideLst>
     </p:ext>
     <p:ext uri="{2D200454-40CA-4A62-9FC3-DE9A4176ACB9}">
-      <p15:notesGuideLst xmlns:p15="http://schemas.microsoft.com/office/powerpoint/2012/main">
+      <p15:notesGuideLst xmlns:p15="http://schemas.microsoft.com/office/powerpoint/2012/main" xmlns="">
         <p15:guide id="1" orient="horz" pos="2928">
           <p15:clr>
             <a:srgbClr val="A4A3A4"/>
@@ -400,7 +412,7 @@
             <a:fld id="{3BF7C7B5-275F-4D1F-9AB4-9255447DBC73}" type="datetimeFigureOut">
               <a:rPr lang="en-US"/>
               <a:pPr/>
-              <a:t>7/15/2013</a:t>
+              <a:t>8/27/2014</a:t>
             </a:fld>
             <a:endParaRPr lang="en-US" dirty="0"/>
           </a:p>
@@ -631,7 +643,7 @@
             <a:fld id="{9B46F231-FB2B-4655-A644-E2477325E686}" type="datetimeFigureOut">
               <a:rPr lang="en-US"/>
               <a:pPr/>
-              <a:t>7/15/2013</a:t>
+              <a:t>8/27/2014</a:t>
             </a:fld>
             <a:endParaRPr lang="en-US" dirty="0"/>
           </a:p>
@@ -1210,7 +1222,7 @@
             <a:fld id="{6FB4F6EA-423E-42DF-9292-215E7D886C4E}" type="slidenum">
               <a:rPr lang="en-US" smtClean="0"/>
               <a:pPr/>
-              <a:t>32</a:t>
+              <a:t>30</a:t>
             </a:fld>
             <a:endParaRPr lang="en-US" dirty="0"/>
           </a:p>
@@ -1295,7 +1307,7 @@
             <a:fld id="{6FB4F6EA-423E-42DF-9292-215E7D886C4E}" type="slidenum">
               <a:rPr lang="en-US" smtClean="0"/>
               <a:pPr/>
-              <a:t>38</a:t>
+              <a:t>42</a:t>
             </a:fld>
             <a:endParaRPr lang="en-US" dirty="0"/>
           </a:p>
@@ -6261,166 +6273,6 @@
           </a:p>
         </p:txBody>
       </p:sp>
-      <p:sp>
-        <p:nvSpPr>
-          <p:cNvPr id="14" name="Text Placeholder 4"/>
-          <p:cNvSpPr>
-            <a:spLocks noGrp="1"/>
-          </p:cNvSpPr>
-          <p:nvPr>
-            <p:ph type="body" sz="quarter" idx="10"/>
-          </p:nvPr>
-        </p:nvSpPr>
-        <p:spPr>
-          <a:xfrm>
-            <a:off x="419099" y="4495800"/>
-            <a:ext cx="3853295" cy="533400"/>
-          </a:xfrm>
-        </p:spPr>
-        <p:txBody>
-          <a:bodyPr/>
-          <a:lstStyle/>
-          <a:p>
-            <a:r>
-              <a:rPr lang="en-US" dirty="0" smtClean="0"/>
-              <a:t>Nikolay </a:t>
-            </a:r>
-            <a:r>
-              <a:rPr lang="en-US" noProof="1" smtClean="0"/>
-              <a:t>Kostov</a:t>
-            </a:r>
-            <a:endParaRPr lang="en-US" noProof="1"/>
-          </a:p>
-        </p:txBody>
-      </p:sp>
-      <p:sp>
-        <p:nvSpPr>
-          <p:cNvPr id="15" name="Text Placeholder 5"/>
-          <p:cNvSpPr>
-            <a:spLocks noGrp="1"/>
-          </p:cNvSpPr>
-          <p:nvPr>
-            <p:ph type="body" sz="quarter" idx="11"/>
-          </p:nvPr>
-        </p:nvSpPr>
-        <p:spPr>
-          <a:xfrm>
-            <a:off x="457200" y="5955268"/>
-            <a:ext cx="3810000" cy="369332"/>
-          </a:xfrm>
-        </p:spPr>
-        <p:txBody>
-          <a:bodyPr/>
-          <a:lstStyle/>
-          <a:p>
-            <a:r>
-              <a:rPr lang="en-US" dirty="0" smtClean="0"/>
-              <a:t>Telerik Software Academy</a:t>
-            </a:r>
-            <a:endParaRPr lang="en-US" dirty="0"/>
-          </a:p>
-        </p:txBody>
-      </p:sp>
-      <p:sp>
-        <p:nvSpPr>
-          <p:cNvPr id="16" name="Text Placeholder 6"/>
-          <p:cNvSpPr>
-            <a:spLocks noGrp="1"/>
-          </p:cNvSpPr>
-          <p:nvPr>
-            <p:ph type="body" sz="quarter" idx="12"/>
-          </p:nvPr>
-        </p:nvSpPr>
-        <p:spPr>
-          <a:xfrm>
-            <a:off x="457200" y="6214646"/>
-            <a:ext cx="3810000" cy="338554"/>
-          </a:xfrm>
-        </p:spPr>
-        <p:txBody>
-          <a:bodyPr/>
-          <a:lstStyle/>
-          <a:p>
-            <a:r>
-              <a:rPr lang="en-US" dirty="0" smtClean="0">
-                <a:hlinkClick r:id="rId3"/>
-              </a:rPr>
-              <a:t>academy.telerik.com</a:t>
-            </a:r>
-            <a:r>
-              <a:rPr lang="en-US" dirty="0" smtClean="0"/>
-              <a:t>   </a:t>
-            </a:r>
-            <a:endParaRPr lang="en-US" dirty="0"/>
-          </a:p>
-        </p:txBody>
-      </p:sp>
-      <p:sp>
-        <p:nvSpPr>
-          <p:cNvPr id="4" name="Text Placeholder 3"/>
-          <p:cNvSpPr>
-            <a:spLocks noGrp="1"/>
-          </p:cNvSpPr>
-          <p:nvPr>
-            <p:ph type="body" sz="quarter" idx="13"/>
-          </p:nvPr>
-        </p:nvSpPr>
-        <p:spPr>
-          <a:xfrm>
-            <a:off x="431800" y="4914781"/>
-            <a:ext cx="3838864" cy="800219"/>
-          </a:xfrm>
-        </p:spPr>
-        <p:txBody>
-          <a:bodyPr/>
-          <a:lstStyle/>
-          <a:p>
-            <a:pPr marL="0" indent="0"/>
-            <a:r>
-              <a:rPr lang="en-US" dirty="0" smtClean="0"/>
-              <a:t>Senior Software Developer</a:t>
-            </a:r>
-            <a:br>
-              <a:rPr lang="en-US" dirty="0" smtClean="0"/>
-            </a:br>
-            <a:r>
-              <a:rPr lang="en-US" dirty="0" smtClean="0"/>
-              <a:t>and Technical Trainer</a:t>
-            </a:r>
-            <a:endParaRPr lang="en-US" dirty="0"/>
-          </a:p>
-        </p:txBody>
-      </p:sp>
-      <p:sp>
-        <p:nvSpPr>
-          <p:cNvPr id="6" name="Text Placeholder 5"/>
-          <p:cNvSpPr>
-            <a:spLocks noGrp="1"/>
-          </p:cNvSpPr>
-          <p:nvPr>
-            <p:ph type="body" sz="quarter" idx="14"/>
-          </p:nvPr>
-        </p:nvSpPr>
-        <p:spPr>
-          <a:xfrm>
-            <a:off x="457200" y="5650468"/>
-            <a:ext cx="3810000" cy="369332"/>
-          </a:xfrm>
-        </p:spPr>
-        <p:txBody>
-          <a:bodyPr/>
-          <a:lstStyle/>
-          <a:p>
-            <a:r>
-              <a:rPr lang="en-US" sz="1800" dirty="0" smtClean="0">
-                <a:hlinkClick r:id="rId4"/>
-              </a:rPr>
-              <a:t>http://Nikolay.IT</a:t>
-            </a:r>
-            <a:endParaRPr lang="en-US" sz="1800" dirty="0"/>
-          </a:p>
-        </p:txBody>
-      </p:sp>
       <p:pic>
         <p:nvPicPr>
           <p:cNvPr id="17" name="Picture 5"/>
@@ -6430,7 +6282,7 @@
           <p:nvPr/>
         </p:nvPicPr>
         <p:blipFill>
-          <a:blip r:embed="rId5">
+          <a:blip r:embed="rId3">
             <a:extLst>
               <a:ext uri="{28A0092B-C50C-407E-A947-70E740481C1C}">
                 <a14:useLocalDpi xmlns:a14="http://schemas.microsoft.com/office/drawing/2010/main"/>
@@ -6490,7 +6342,7 @@
           <p:nvPr/>
         </p:nvPicPr>
         <p:blipFill>
-          <a:blip r:embed="rId6" cstate="print">
+          <a:blip r:embed="rId4" cstate="print">
             <a:extLst>
               <a:ext uri="{28A0092B-C50C-407E-A947-70E740481C1C}">
                 <a14:useLocalDpi xmlns:a14="http://schemas.microsoft.com/office/drawing/2010/main" val="0"/>
@@ -6540,7 +6392,7 @@
           <p:nvPr/>
         </p:nvPicPr>
         <p:blipFill>
-          <a:blip r:embed="rId7"/>
+          <a:blip r:embed="rId5"/>
           <a:stretch>
             <a:fillRect/>
           </a:stretch>
@@ -6590,7 +6442,7 @@
           <p:nvPr/>
         </p:nvPicPr>
         <p:blipFill>
-          <a:blip r:embed="rId8"/>
+          <a:blip r:embed="rId6"/>
           <a:stretch>
             <a:fillRect/>
           </a:stretch>
@@ -6628,7 +6480,7 @@
           <p:nvPr/>
         </p:nvPicPr>
         <p:blipFill>
-          <a:blip r:embed="rId9"/>
+          <a:blip r:embed="rId7"/>
           <a:stretch>
             <a:fillRect/>
           </a:stretch>
@@ -6673,6 +6525,817 @@
           </a:sp3d>
         </p:spPr>
       </p:pic>
+      <p:sp>
+        <p:nvSpPr>
+          <p:cNvPr id="18" name="Text Placeholder 6"/>
+          <p:cNvSpPr>
+            <a:spLocks noGrp="1"/>
+          </p:cNvSpPr>
+          <p:nvPr/>
+        </p:nvSpPr>
+        <p:spPr>
+          <a:xfrm>
+            <a:off x="429086" y="5726668"/>
+            <a:ext cx="3990513" cy="400110"/>
+          </a:xfrm>
+          <a:prstGeom prst="rect">
+            <a:avLst/>
+          </a:prstGeom>
+          <a:noFill/>
+        </p:spPr>
+        <p:txBody>
+          <a:bodyPr wrap="square" rtlCol="0">
+            <a:spAutoFit/>
+          </a:bodyPr>
+          <a:lstStyle>
+            <a:lvl1pPr marL="319088" indent="-319088" algn="l" rtl="0" eaLnBrk="0" fontAlgn="base" hangingPunct="0">
+              <a:spcBef>
+                <a:spcPct val="20000"/>
+              </a:spcBef>
+              <a:spcAft>
+                <a:spcPct val="0"/>
+              </a:spcAft>
+              <a:buClr>
+                <a:schemeClr val="accent5">
+                  <a:lumMod val="40000"/>
+                  <a:lumOff val="60000"/>
+                </a:schemeClr>
+              </a:buClr>
+              <a:buSzPct val="70000"/>
+              <a:buFont typeface="Wingdings 2" pitchFamily="18" charset="2"/>
+              <a:buNone/>
+              <a:defRPr lang="en-US" sz="2000" b="1" kern="1200" dirty="0">
+                <a:solidFill>
+                  <a:schemeClr val="tx2">
+                    <a:lumMod val="20000"/>
+                    <a:lumOff val="80000"/>
+                  </a:schemeClr>
+                </a:solidFill>
+                <a:effectLst>
+                  <a:outerShdw blurRad="38100" dist="38100" dir="2700000" algn="tl">
+                    <a:srgbClr val="000000">
+                      <a:alpha val="43137"/>
+                    </a:srgbClr>
+                  </a:outerShdw>
+                </a:effectLst>
+                <a:latin typeface="Corbel" pitchFamily="34" charset="0"/>
+                <a:ea typeface="+mn-ea"/>
+                <a:cs typeface="+mn-cs"/>
+              </a:defRPr>
+            </a:lvl1pPr>
+            <a:lvl2pPr marL="630238" indent="-273050" algn="l" rtl="0" eaLnBrk="0" fontAlgn="base" hangingPunct="0">
+              <a:spcBef>
+                <a:spcPct val="20000"/>
+              </a:spcBef>
+              <a:spcAft>
+                <a:spcPct val="0"/>
+              </a:spcAft>
+              <a:buClr>
+                <a:schemeClr val="accent2">
+                  <a:lumMod val="60000"/>
+                  <a:lumOff val="40000"/>
+                </a:schemeClr>
+              </a:buClr>
+              <a:buFont typeface="Wingdings 2" pitchFamily="18" charset="2"/>
+              <a:buChar char=""/>
+              <a:defRPr sz="3000" b="1" kern="1200">
+                <a:solidFill>
+                  <a:schemeClr val="tx1">
+                    <a:lumMod val="20000"/>
+                    <a:lumOff val="80000"/>
+                  </a:schemeClr>
+                </a:solidFill>
+                <a:effectLst>
+                  <a:outerShdw blurRad="38100" dist="38100" dir="2700000" algn="tl">
+                    <a:srgbClr val="000000">
+                      <a:alpha val="43137"/>
+                    </a:srgbClr>
+                  </a:outerShdw>
+                </a:effectLst>
+                <a:latin typeface="+mn-lt"/>
+                <a:ea typeface="+mn-ea"/>
+                <a:cs typeface="+mn-cs"/>
+              </a:defRPr>
+            </a:lvl2pPr>
+            <a:lvl3pPr marL="922338" indent="-273050" algn="l" rtl="0" eaLnBrk="0" fontAlgn="base" hangingPunct="0">
+              <a:spcBef>
+                <a:spcPct val="20000"/>
+              </a:spcBef>
+              <a:spcAft>
+                <a:spcPct val="0"/>
+              </a:spcAft>
+              <a:buClr>
+                <a:schemeClr val="tx1">
+                  <a:lumMod val="50000"/>
+                </a:schemeClr>
+              </a:buClr>
+              <a:buFont typeface="Wingdings 2" pitchFamily="18" charset="2"/>
+              <a:buChar char=""/>
+              <a:defRPr sz="2800" b="1" kern="1200">
+                <a:solidFill>
+                  <a:schemeClr val="tx1">
+                    <a:lumMod val="20000"/>
+                    <a:lumOff val="80000"/>
+                  </a:schemeClr>
+                </a:solidFill>
+                <a:effectLst>
+                  <a:outerShdw blurRad="38100" dist="38100" dir="2700000" algn="tl">
+                    <a:srgbClr val="000000">
+                      <a:alpha val="43137"/>
+                    </a:srgbClr>
+                  </a:outerShdw>
+                </a:effectLst>
+                <a:latin typeface="+mn-lt"/>
+                <a:ea typeface="+mn-ea"/>
+                <a:cs typeface="+mn-cs"/>
+              </a:defRPr>
+            </a:lvl3pPr>
+            <a:lvl4pPr marL="1187450" indent="-228600" algn="l" rtl="0" eaLnBrk="0" fontAlgn="base" hangingPunct="0">
+              <a:spcBef>
+                <a:spcPct val="20000"/>
+              </a:spcBef>
+              <a:spcAft>
+                <a:spcPct val="0"/>
+              </a:spcAft>
+              <a:buClr>
+                <a:srgbClr val="F8BD52"/>
+              </a:buClr>
+              <a:buFont typeface="Wingdings 2" pitchFamily="18" charset="2"/>
+              <a:buChar char=""/>
+              <a:defRPr sz="2600" b="1" kern="1200">
+                <a:solidFill>
+                  <a:schemeClr val="tx1">
+                    <a:lumMod val="20000"/>
+                    <a:lumOff val="80000"/>
+                  </a:schemeClr>
+                </a:solidFill>
+                <a:effectLst>
+                  <a:outerShdw blurRad="38100" dist="38100" dir="2700000" algn="tl">
+                    <a:srgbClr val="000000">
+                      <a:alpha val="43137"/>
+                    </a:srgbClr>
+                  </a:outerShdw>
+                </a:effectLst>
+                <a:latin typeface="+mn-lt"/>
+                <a:ea typeface="+mn-ea"/>
+                <a:cs typeface="+mn-cs"/>
+              </a:defRPr>
+            </a:lvl4pPr>
+            <a:lvl5pPr marL="1425575" indent="-228600" algn="l" rtl="0" eaLnBrk="0" fontAlgn="base" hangingPunct="0">
+              <a:spcBef>
+                <a:spcPct val="20000"/>
+              </a:spcBef>
+              <a:spcAft>
+                <a:spcPct val="0"/>
+              </a:spcAft>
+              <a:buClr>
+                <a:srgbClr val="46A6BD"/>
+              </a:buClr>
+              <a:buFont typeface="Wingdings 2" pitchFamily="18" charset="2"/>
+              <a:buChar char=""/>
+              <a:defRPr sz="2400" b="1" kern="1200">
+                <a:solidFill>
+                  <a:schemeClr val="tx1">
+                    <a:lumMod val="20000"/>
+                    <a:lumOff val="80000"/>
+                  </a:schemeClr>
+                </a:solidFill>
+                <a:effectLst>
+                  <a:outerShdw blurRad="38100" dist="38100" dir="2700000" algn="tl">
+                    <a:srgbClr val="000000">
+                      <a:alpha val="43137"/>
+                    </a:srgbClr>
+                  </a:outerShdw>
+                </a:effectLst>
+                <a:latin typeface="+mn-lt"/>
+                <a:ea typeface="+mn-ea"/>
+                <a:cs typeface="+mn-cs"/>
+              </a:defRPr>
+            </a:lvl5pPr>
+            <a:lvl6pPr marL="1673352" indent="-228600" algn="l" rtl="0" eaLnBrk="1" latinLnBrk="0" hangingPunct="1">
+              <a:spcBef>
+                <a:spcPct val="20000"/>
+              </a:spcBef>
+              <a:buClr>
+                <a:schemeClr val="accent6"/>
+              </a:buClr>
+              <a:buFont typeface="Wingdings 2"/>
+              <a:buChar char=""/>
+              <a:defRPr sz="1800" kern="1200">
+                <a:solidFill>
+                  <a:schemeClr val="tx1"/>
+                </a:solidFill>
+                <a:latin typeface="+mn-lt"/>
+                <a:ea typeface="+mn-ea"/>
+                <a:cs typeface="+mn-cs"/>
+              </a:defRPr>
+            </a:lvl6pPr>
+            <a:lvl7pPr marL="1911096" indent="-228600" algn="l" rtl="0" eaLnBrk="1" latinLnBrk="0" hangingPunct="1">
+              <a:spcBef>
+                <a:spcPct val="20000"/>
+              </a:spcBef>
+              <a:buClr>
+                <a:schemeClr val="tx2"/>
+              </a:buClr>
+              <a:buFont typeface="Wingdings 2"/>
+              <a:buChar char=""/>
+              <a:defRPr sz="1600" kern="1200">
+                <a:solidFill>
+                  <a:schemeClr val="tx1"/>
+                </a:solidFill>
+                <a:latin typeface="+mn-lt"/>
+                <a:ea typeface="+mn-ea"/>
+                <a:cs typeface="+mn-cs"/>
+              </a:defRPr>
+            </a:lvl7pPr>
+            <a:lvl8pPr marL="2121408" indent="-182880" algn="l" rtl="0" eaLnBrk="1" latinLnBrk="0" hangingPunct="1">
+              <a:spcBef>
+                <a:spcPct val="20000"/>
+              </a:spcBef>
+              <a:buClr>
+                <a:schemeClr val="tx2"/>
+              </a:buClr>
+              <a:buFont typeface="Wingdings 2"/>
+              <a:buChar char=""/>
+              <a:defRPr sz="1400" kern="1200">
+                <a:solidFill>
+                  <a:schemeClr val="tx1"/>
+                </a:solidFill>
+                <a:latin typeface="+mn-lt"/>
+                <a:ea typeface="+mn-ea"/>
+                <a:cs typeface="+mn-cs"/>
+              </a:defRPr>
+            </a:lvl8pPr>
+            <a:lvl9pPr marL="2322576" indent="-182880" algn="l" rtl="0" eaLnBrk="1" latinLnBrk="0" hangingPunct="1">
+              <a:spcBef>
+                <a:spcPct val="20000"/>
+              </a:spcBef>
+              <a:buClr>
+                <a:schemeClr val="tx2"/>
+              </a:buClr>
+              <a:buFont typeface="Wingdings 2"/>
+              <a:buChar char=""/>
+              <a:defRPr sz="1400" kern="1200">
+                <a:solidFill>
+                  <a:schemeClr val="tx1"/>
+                </a:solidFill>
+                <a:latin typeface="+mn-lt"/>
+                <a:ea typeface="+mn-ea"/>
+                <a:cs typeface="+mn-cs"/>
+              </a:defRPr>
+            </a:lvl9pPr>
+          </a:lstStyle>
+          <a:p>
+            <a:r>
+              <a:rPr lang="en-US" dirty="0"/>
+              <a:t>Telerik Software Academy</a:t>
+            </a:r>
+          </a:p>
+        </p:txBody>
+      </p:sp>
+      <p:sp>
+        <p:nvSpPr>
+          <p:cNvPr id="19" name="Text Placeholder 7"/>
+          <p:cNvSpPr>
+            <a:spLocks noGrp="1"/>
+          </p:cNvSpPr>
+          <p:nvPr/>
+        </p:nvSpPr>
+        <p:spPr>
+          <a:xfrm>
+            <a:off x="429087" y="6031468"/>
+            <a:ext cx="3990513" cy="369332"/>
+          </a:xfrm>
+          <a:prstGeom prst="rect">
+            <a:avLst/>
+          </a:prstGeom>
+          <a:noFill/>
+        </p:spPr>
+        <p:txBody>
+          <a:bodyPr wrap="square" rtlCol="0">
+            <a:spAutoFit/>
+          </a:bodyPr>
+          <a:lstStyle>
+            <a:lvl1pPr marL="319088" indent="-319088" algn="l" rtl="0" eaLnBrk="0" fontAlgn="base" hangingPunct="0">
+              <a:spcBef>
+                <a:spcPct val="20000"/>
+              </a:spcBef>
+              <a:spcAft>
+                <a:spcPct val="0"/>
+              </a:spcAft>
+              <a:buClr>
+                <a:schemeClr val="accent5">
+                  <a:lumMod val="40000"/>
+                  <a:lumOff val="60000"/>
+                </a:schemeClr>
+              </a:buClr>
+              <a:buSzPct val="70000"/>
+              <a:buFont typeface="Wingdings 2" pitchFamily="18" charset="2"/>
+              <a:buNone/>
+              <a:defRPr lang="en-US" sz="1800" b="1" kern="1200" dirty="0">
+                <a:solidFill>
+                  <a:schemeClr val="tx2">
+                    <a:lumMod val="20000"/>
+                    <a:lumOff val="80000"/>
+                  </a:schemeClr>
+                </a:solidFill>
+                <a:effectLst>
+                  <a:outerShdw blurRad="38100" dist="38100" dir="2700000" algn="tl">
+                    <a:srgbClr val="000000">
+                      <a:alpha val="43137"/>
+                    </a:srgbClr>
+                  </a:outerShdw>
+                </a:effectLst>
+                <a:latin typeface="Corbel" pitchFamily="34" charset="0"/>
+                <a:ea typeface="+mn-ea"/>
+                <a:cs typeface="+mn-cs"/>
+              </a:defRPr>
+            </a:lvl1pPr>
+            <a:lvl2pPr marL="630238" indent="-273050" algn="l" rtl="0" eaLnBrk="0" fontAlgn="base" hangingPunct="0">
+              <a:spcBef>
+                <a:spcPct val="20000"/>
+              </a:spcBef>
+              <a:spcAft>
+                <a:spcPct val="0"/>
+              </a:spcAft>
+              <a:buClr>
+                <a:schemeClr val="accent2">
+                  <a:lumMod val="60000"/>
+                  <a:lumOff val="40000"/>
+                </a:schemeClr>
+              </a:buClr>
+              <a:buFont typeface="Wingdings 2" pitchFamily="18" charset="2"/>
+              <a:buChar char=""/>
+              <a:defRPr sz="3000" b="1" kern="1200">
+                <a:solidFill>
+                  <a:schemeClr val="tx1">
+                    <a:lumMod val="20000"/>
+                    <a:lumOff val="80000"/>
+                  </a:schemeClr>
+                </a:solidFill>
+                <a:effectLst>
+                  <a:outerShdw blurRad="38100" dist="38100" dir="2700000" algn="tl">
+                    <a:srgbClr val="000000">
+                      <a:alpha val="43137"/>
+                    </a:srgbClr>
+                  </a:outerShdw>
+                </a:effectLst>
+                <a:latin typeface="+mn-lt"/>
+                <a:ea typeface="+mn-ea"/>
+                <a:cs typeface="+mn-cs"/>
+              </a:defRPr>
+            </a:lvl2pPr>
+            <a:lvl3pPr marL="922338" indent="-273050" algn="l" rtl="0" eaLnBrk="0" fontAlgn="base" hangingPunct="0">
+              <a:spcBef>
+                <a:spcPct val="20000"/>
+              </a:spcBef>
+              <a:spcAft>
+                <a:spcPct val="0"/>
+              </a:spcAft>
+              <a:buClr>
+                <a:schemeClr val="tx1">
+                  <a:lumMod val="50000"/>
+                </a:schemeClr>
+              </a:buClr>
+              <a:buFont typeface="Wingdings 2" pitchFamily="18" charset="2"/>
+              <a:buChar char=""/>
+              <a:defRPr sz="2800" b="1" kern="1200">
+                <a:solidFill>
+                  <a:schemeClr val="tx1">
+                    <a:lumMod val="20000"/>
+                    <a:lumOff val="80000"/>
+                  </a:schemeClr>
+                </a:solidFill>
+                <a:effectLst>
+                  <a:outerShdw blurRad="38100" dist="38100" dir="2700000" algn="tl">
+                    <a:srgbClr val="000000">
+                      <a:alpha val="43137"/>
+                    </a:srgbClr>
+                  </a:outerShdw>
+                </a:effectLst>
+                <a:latin typeface="+mn-lt"/>
+                <a:ea typeface="+mn-ea"/>
+                <a:cs typeface="+mn-cs"/>
+              </a:defRPr>
+            </a:lvl3pPr>
+            <a:lvl4pPr marL="1187450" indent="-228600" algn="l" rtl="0" eaLnBrk="0" fontAlgn="base" hangingPunct="0">
+              <a:spcBef>
+                <a:spcPct val="20000"/>
+              </a:spcBef>
+              <a:spcAft>
+                <a:spcPct val="0"/>
+              </a:spcAft>
+              <a:buClr>
+                <a:srgbClr val="F8BD52"/>
+              </a:buClr>
+              <a:buFont typeface="Wingdings 2" pitchFamily="18" charset="2"/>
+              <a:buChar char=""/>
+              <a:defRPr sz="2600" b="1" kern="1200">
+                <a:solidFill>
+                  <a:schemeClr val="tx1">
+                    <a:lumMod val="20000"/>
+                    <a:lumOff val="80000"/>
+                  </a:schemeClr>
+                </a:solidFill>
+                <a:effectLst>
+                  <a:outerShdw blurRad="38100" dist="38100" dir="2700000" algn="tl">
+                    <a:srgbClr val="000000">
+                      <a:alpha val="43137"/>
+                    </a:srgbClr>
+                  </a:outerShdw>
+                </a:effectLst>
+                <a:latin typeface="+mn-lt"/>
+                <a:ea typeface="+mn-ea"/>
+                <a:cs typeface="+mn-cs"/>
+              </a:defRPr>
+            </a:lvl4pPr>
+            <a:lvl5pPr marL="1425575" indent="-228600" algn="l" rtl="0" eaLnBrk="0" fontAlgn="base" hangingPunct="0">
+              <a:spcBef>
+                <a:spcPct val="20000"/>
+              </a:spcBef>
+              <a:spcAft>
+                <a:spcPct val="0"/>
+              </a:spcAft>
+              <a:buClr>
+                <a:srgbClr val="46A6BD"/>
+              </a:buClr>
+              <a:buFont typeface="Wingdings 2" pitchFamily="18" charset="2"/>
+              <a:buChar char=""/>
+              <a:defRPr sz="2400" b="1" kern="1200">
+                <a:solidFill>
+                  <a:schemeClr val="tx1">
+                    <a:lumMod val="20000"/>
+                    <a:lumOff val="80000"/>
+                  </a:schemeClr>
+                </a:solidFill>
+                <a:effectLst>
+                  <a:outerShdw blurRad="38100" dist="38100" dir="2700000" algn="tl">
+                    <a:srgbClr val="000000">
+                      <a:alpha val="43137"/>
+                    </a:srgbClr>
+                  </a:outerShdw>
+                </a:effectLst>
+                <a:latin typeface="+mn-lt"/>
+                <a:ea typeface="+mn-ea"/>
+                <a:cs typeface="+mn-cs"/>
+              </a:defRPr>
+            </a:lvl5pPr>
+            <a:lvl6pPr marL="1673352" indent="-228600" algn="l" rtl="0" eaLnBrk="1" latinLnBrk="0" hangingPunct="1">
+              <a:spcBef>
+                <a:spcPct val="20000"/>
+              </a:spcBef>
+              <a:buClr>
+                <a:schemeClr val="accent6"/>
+              </a:buClr>
+              <a:buFont typeface="Wingdings 2"/>
+              <a:buChar char=""/>
+              <a:defRPr sz="1800" kern="1200">
+                <a:solidFill>
+                  <a:schemeClr val="tx1"/>
+                </a:solidFill>
+                <a:latin typeface="+mn-lt"/>
+                <a:ea typeface="+mn-ea"/>
+                <a:cs typeface="+mn-cs"/>
+              </a:defRPr>
+            </a:lvl6pPr>
+            <a:lvl7pPr marL="1911096" indent="-228600" algn="l" rtl="0" eaLnBrk="1" latinLnBrk="0" hangingPunct="1">
+              <a:spcBef>
+                <a:spcPct val="20000"/>
+              </a:spcBef>
+              <a:buClr>
+                <a:schemeClr val="tx2"/>
+              </a:buClr>
+              <a:buFont typeface="Wingdings 2"/>
+              <a:buChar char=""/>
+              <a:defRPr sz="1600" kern="1200">
+                <a:solidFill>
+                  <a:schemeClr val="tx1"/>
+                </a:solidFill>
+                <a:latin typeface="+mn-lt"/>
+                <a:ea typeface="+mn-ea"/>
+                <a:cs typeface="+mn-cs"/>
+              </a:defRPr>
+            </a:lvl7pPr>
+            <a:lvl8pPr marL="2121408" indent="-182880" algn="l" rtl="0" eaLnBrk="1" latinLnBrk="0" hangingPunct="1">
+              <a:spcBef>
+                <a:spcPct val="20000"/>
+              </a:spcBef>
+              <a:buClr>
+                <a:schemeClr val="tx2"/>
+              </a:buClr>
+              <a:buFont typeface="Wingdings 2"/>
+              <a:buChar char=""/>
+              <a:defRPr sz="1400" kern="1200">
+                <a:solidFill>
+                  <a:schemeClr val="tx1"/>
+                </a:solidFill>
+                <a:latin typeface="+mn-lt"/>
+                <a:ea typeface="+mn-ea"/>
+                <a:cs typeface="+mn-cs"/>
+              </a:defRPr>
+            </a:lvl8pPr>
+            <a:lvl9pPr marL="2322576" indent="-182880" algn="l" rtl="0" eaLnBrk="1" latinLnBrk="0" hangingPunct="1">
+              <a:spcBef>
+                <a:spcPct val="20000"/>
+              </a:spcBef>
+              <a:buClr>
+                <a:schemeClr val="tx2"/>
+              </a:buClr>
+              <a:buFont typeface="Wingdings 2"/>
+              <a:buChar char=""/>
+              <a:defRPr sz="1400" kern="1200">
+                <a:solidFill>
+                  <a:schemeClr val="tx1"/>
+                </a:solidFill>
+                <a:latin typeface="+mn-lt"/>
+                <a:ea typeface="+mn-ea"/>
+                <a:cs typeface="+mn-cs"/>
+              </a:defRPr>
+            </a:lvl9pPr>
+          </a:lstStyle>
+          <a:p>
+            <a:r>
+              <a:rPr lang="en-US" dirty="0" smtClean="0">
+                <a:hlinkClick r:id="rId8"/>
+              </a:rPr>
+              <a:t>http://academy.telerik.com</a:t>
+            </a:r>
+            <a:r>
+              <a:rPr lang="en-US" dirty="0" smtClean="0"/>
+              <a:t> </a:t>
+            </a:r>
+            <a:endParaRPr lang="en-US" dirty="0"/>
+          </a:p>
+        </p:txBody>
+      </p:sp>
+      <p:sp>
+        <p:nvSpPr>
+          <p:cNvPr id="20" name="Text Placeholder 13"/>
+          <p:cNvSpPr>
+            <a:spLocks noGrp="1"/>
+          </p:cNvSpPr>
+          <p:nvPr/>
+        </p:nvSpPr>
+        <p:spPr>
+          <a:xfrm>
+            <a:off x="429087" y="5352025"/>
+            <a:ext cx="3990513" cy="461665"/>
+          </a:xfrm>
+          <a:prstGeom prst="rect">
+            <a:avLst/>
+          </a:prstGeom>
+          <a:noFill/>
+        </p:spPr>
+        <p:txBody>
+          <a:bodyPr wrap="square" rtlCol="0">
+            <a:spAutoFit/>
+          </a:bodyPr>
+          <a:lstStyle>
+            <a:lvl1pPr marL="0" indent="0" algn="l" rtl="0" eaLnBrk="0" fontAlgn="base" hangingPunct="0">
+              <a:spcBef>
+                <a:spcPct val="20000"/>
+              </a:spcBef>
+              <a:spcAft>
+                <a:spcPct val="0"/>
+              </a:spcAft>
+              <a:buClr>
+                <a:schemeClr val="accent5">
+                  <a:lumMod val="40000"/>
+                  <a:lumOff val="60000"/>
+                </a:schemeClr>
+              </a:buClr>
+              <a:buSzPct val="70000"/>
+              <a:buFont typeface="Wingdings 2" pitchFamily="18" charset="2"/>
+              <a:buNone/>
+              <a:defRPr lang="en-US" sz="2400" b="1" kern="1200" dirty="0">
+                <a:solidFill>
+                  <a:schemeClr val="tx2">
+                    <a:lumMod val="50000"/>
+                  </a:schemeClr>
+                </a:solidFill>
+                <a:effectLst>
+                  <a:outerShdw blurRad="38100" dist="38100" dir="2700000" algn="tl">
+                    <a:srgbClr val="000000">
+                      <a:alpha val="43137"/>
+                    </a:srgbClr>
+                  </a:outerShdw>
+                </a:effectLst>
+                <a:latin typeface="Corbel" pitchFamily="34" charset="0"/>
+                <a:ea typeface="+mn-ea"/>
+                <a:cs typeface="+mn-cs"/>
+              </a:defRPr>
+            </a:lvl1pPr>
+            <a:lvl2pPr marL="630238" indent="-273050" algn="l" rtl="0" eaLnBrk="0" fontAlgn="base" hangingPunct="0">
+              <a:spcBef>
+                <a:spcPct val="20000"/>
+              </a:spcBef>
+              <a:spcAft>
+                <a:spcPct val="0"/>
+              </a:spcAft>
+              <a:buClr>
+                <a:schemeClr val="accent2">
+                  <a:lumMod val="60000"/>
+                  <a:lumOff val="40000"/>
+                </a:schemeClr>
+              </a:buClr>
+              <a:buFont typeface="Wingdings 2" pitchFamily="18" charset="2"/>
+              <a:buChar char=""/>
+              <a:defRPr sz="3000" b="1" kern="1200">
+                <a:solidFill>
+                  <a:schemeClr val="tx1">
+                    <a:lumMod val="20000"/>
+                    <a:lumOff val="80000"/>
+                  </a:schemeClr>
+                </a:solidFill>
+                <a:effectLst>
+                  <a:outerShdw blurRad="38100" dist="38100" dir="2700000" algn="tl">
+                    <a:srgbClr val="000000">
+                      <a:alpha val="43137"/>
+                    </a:srgbClr>
+                  </a:outerShdw>
+                </a:effectLst>
+                <a:latin typeface="+mn-lt"/>
+                <a:ea typeface="+mn-ea"/>
+                <a:cs typeface="+mn-cs"/>
+              </a:defRPr>
+            </a:lvl2pPr>
+            <a:lvl3pPr marL="922338" indent="-273050" algn="l" rtl="0" eaLnBrk="0" fontAlgn="base" hangingPunct="0">
+              <a:spcBef>
+                <a:spcPct val="20000"/>
+              </a:spcBef>
+              <a:spcAft>
+                <a:spcPct val="0"/>
+              </a:spcAft>
+              <a:buClr>
+                <a:schemeClr val="tx1">
+                  <a:lumMod val="50000"/>
+                </a:schemeClr>
+              </a:buClr>
+              <a:buFont typeface="Wingdings 2" pitchFamily="18" charset="2"/>
+              <a:buChar char=""/>
+              <a:defRPr sz="2800" b="1" kern="1200">
+                <a:solidFill>
+                  <a:schemeClr val="tx1">
+                    <a:lumMod val="20000"/>
+                    <a:lumOff val="80000"/>
+                  </a:schemeClr>
+                </a:solidFill>
+                <a:effectLst>
+                  <a:outerShdw blurRad="38100" dist="38100" dir="2700000" algn="tl">
+                    <a:srgbClr val="000000">
+                      <a:alpha val="43137"/>
+                    </a:srgbClr>
+                  </a:outerShdw>
+                </a:effectLst>
+                <a:latin typeface="+mn-lt"/>
+                <a:ea typeface="+mn-ea"/>
+                <a:cs typeface="+mn-cs"/>
+              </a:defRPr>
+            </a:lvl3pPr>
+            <a:lvl4pPr marL="1187450" indent="-228600" algn="l" rtl="0" eaLnBrk="0" fontAlgn="base" hangingPunct="0">
+              <a:spcBef>
+                <a:spcPct val="20000"/>
+              </a:spcBef>
+              <a:spcAft>
+                <a:spcPct val="0"/>
+              </a:spcAft>
+              <a:buClr>
+                <a:srgbClr val="F8BD52"/>
+              </a:buClr>
+              <a:buFont typeface="Wingdings 2" pitchFamily="18" charset="2"/>
+              <a:buChar char=""/>
+              <a:defRPr sz="2600" b="1" kern="1200">
+                <a:solidFill>
+                  <a:schemeClr val="tx1">
+                    <a:lumMod val="20000"/>
+                    <a:lumOff val="80000"/>
+                  </a:schemeClr>
+                </a:solidFill>
+                <a:effectLst>
+                  <a:outerShdw blurRad="38100" dist="38100" dir="2700000" algn="tl">
+                    <a:srgbClr val="000000">
+                      <a:alpha val="43137"/>
+                    </a:srgbClr>
+                  </a:outerShdw>
+                </a:effectLst>
+                <a:latin typeface="+mn-lt"/>
+                <a:ea typeface="+mn-ea"/>
+                <a:cs typeface="+mn-cs"/>
+              </a:defRPr>
+            </a:lvl4pPr>
+            <a:lvl5pPr marL="1425575" indent="-228600" algn="l" rtl="0" eaLnBrk="0" fontAlgn="base" hangingPunct="0">
+              <a:spcBef>
+                <a:spcPct val="20000"/>
+              </a:spcBef>
+              <a:spcAft>
+                <a:spcPct val="0"/>
+              </a:spcAft>
+              <a:buClr>
+                <a:srgbClr val="46A6BD"/>
+              </a:buClr>
+              <a:buFont typeface="Wingdings 2" pitchFamily="18" charset="2"/>
+              <a:buChar char=""/>
+              <a:defRPr sz="2400" b="1" kern="1200">
+                <a:solidFill>
+                  <a:schemeClr val="tx1">
+                    <a:lumMod val="20000"/>
+                    <a:lumOff val="80000"/>
+                  </a:schemeClr>
+                </a:solidFill>
+                <a:effectLst>
+                  <a:outerShdw blurRad="38100" dist="38100" dir="2700000" algn="tl">
+                    <a:srgbClr val="000000">
+                      <a:alpha val="43137"/>
+                    </a:srgbClr>
+                  </a:outerShdw>
+                </a:effectLst>
+                <a:latin typeface="+mn-lt"/>
+                <a:ea typeface="+mn-ea"/>
+                <a:cs typeface="+mn-cs"/>
+              </a:defRPr>
+            </a:lvl5pPr>
+            <a:lvl6pPr marL="1673352" indent="-228600" algn="l" rtl="0" eaLnBrk="1" latinLnBrk="0" hangingPunct="1">
+              <a:spcBef>
+                <a:spcPct val="20000"/>
+              </a:spcBef>
+              <a:buClr>
+                <a:schemeClr val="accent6"/>
+              </a:buClr>
+              <a:buFont typeface="Wingdings 2"/>
+              <a:buChar char=""/>
+              <a:defRPr sz="1800" kern="1200">
+                <a:solidFill>
+                  <a:schemeClr val="tx1"/>
+                </a:solidFill>
+                <a:latin typeface="+mn-lt"/>
+                <a:ea typeface="+mn-ea"/>
+                <a:cs typeface="+mn-cs"/>
+              </a:defRPr>
+            </a:lvl6pPr>
+            <a:lvl7pPr marL="1911096" indent="-228600" algn="l" rtl="0" eaLnBrk="1" latinLnBrk="0" hangingPunct="1">
+              <a:spcBef>
+                <a:spcPct val="20000"/>
+              </a:spcBef>
+              <a:buClr>
+                <a:schemeClr val="tx2"/>
+              </a:buClr>
+              <a:buFont typeface="Wingdings 2"/>
+              <a:buChar char=""/>
+              <a:defRPr sz="1600" kern="1200">
+                <a:solidFill>
+                  <a:schemeClr val="tx1"/>
+                </a:solidFill>
+                <a:latin typeface="+mn-lt"/>
+                <a:ea typeface="+mn-ea"/>
+                <a:cs typeface="+mn-cs"/>
+              </a:defRPr>
+            </a:lvl7pPr>
+            <a:lvl8pPr marL="2121408" indent="-182880" algn="l" rtl="0" eaLnBrk="1" latinLnBrk="0" hangingPunct="1">
+              <a:spcBef>
+                <a:spcPct val="20000"/>
+              </a:spcBef>
+              <a:buClr>
+                <a:schemeClr val="tx2"/>
+              </a:buClr>
+              <a:buFont typeface="Wingdings 2"/>
+              <a:buChar char=""/>
+              <a:defRPr sz="1400" kern="1200">
+                <a:solidFill>
+                  <a:schemeClr val="tx1"/>
+                </a:solidFill>
+                <a:latin typeface="+mn-lt"/>
+                <a:ea typeface="+mn-ea"/>
+                <a:cs typeface="+mn-cs"/>
+              </a:defRPr>
+            </a:lvl8pPr>
+            <a:lvl9pPr marL="2322576" indent="-182880" algn="l" rtl="0" eaLnBrk="1" latinLnBrk="0" hangingPunct="1">
+              <a:spcBef>
+                <a:spcPct val="20000"/>
+              </a:spcBef>
+              <a:buClr>
+                <a:schemeClr val="tx2"/>
+              </a:buClr>
+              <a:buFont typeface="Wingdings 2"/>
+              <a:buChar char=""/>
+              <a:defRPr sz="1400" kern="1200">
+                <a:solidFill>
+                  <a:schemeClr val="tx1"/>
+                </a:solidFill>
+                <a:latin typeface="+mn-lt"/>
+                <a:ea typeface="+mn-ea"/>
+                <a:cs typeface="+mn-cs"/>
+              </a:defRPr>
+            </a:lvl9pPr>
+          </a:lstStyle>
+          <a:p>
+            <a:r>
+              <a:rPr lang="en-US" dirty="0" smtClean="0"/>
+              <a:t>Databases</a:t>
+            </a:r>
+            <a:endParaRPr lang="en-US" dirty="0"/>
+          </a:p>
+        </p:txBody>
+      </p:sp>
     </p:spTree>
     <p:extLst>
       <p:ext uri="{BB962C8B-B14F-4D97-AF65-F5344CB8AC3E}">
@@ -10362,7 +11025,15 @@
           <a:p>
             <a:r>
               <a:rPr lang="en-US" dirty="0" smtClean="0"/>
-              <a:t>Demo: Create Sample Console App That Uses The Data</a:t>
+              <a:t>Demo: </a:t>
+            </a:r>
+            <a:r>
+              <a:rPr lang="en-US" dirty="0" smtClean="0"/>
+              <a:t>Using The </a:t>
+            </a:r>
+            <a:r>
+              <a:rPr lang="en-US" dirty="0" smtClean="0"/>
+              <a:t>Data</a:t>
             </a:r>
             <a:endParaRPr lang="en-US" dirty="0"/>
           </a:p>
@@ -12057,7 +12728,7 @@
         </p:nvSpPr>
         <p:spPr>
           <a:xfrm>
-            <a:off x="228600" y="838200"/>
+            <a:off x="228600" y="762000"/>
             <a:ext cx="8686800" cy="5791200"/>
           </a:xfrm>
         </p:spPr>
@@ -12103,41 +12774,38 @@
             <a:pPr lvl="1"/>
             <a:r>
               <a:rPr lang="en-US" dirty="0" smtClean="0"/>
-              <a:t>Database connection</a:t>
-            </a:r>
-          </a:p>
-          <a:p>
+              <a:t>Database </a:t>
+            </a:r>
             <a:r>
               <a:rPr lang="en-US" dirty="0" smtClean="0"/>
-              <a:t>Entity Framework Power Tools</a:t>
-            </a:r>
-          </a:p>
-          <a:p>
-            <a:r>
-              <a:rPr lang="en-US" dirty="0"/>
-              <a:t>Using Code First </a:t>
-            </a:r>
+              <a:t>connection</a:t>
+            </a:r>
+          </a:p>
+          <a:p>
             <a:r>
               <a:rPr lang="en-US" dirty="0" smtClean="0"/>
-              <a:t>Migrations</a:t>
-            </a:r>
-          </a:p>
-          <a:p>
-            <a:r>
-              <a:rPr lang="en-US" dirty="0"/>
-              <a:t>Configure </a:t>
-            </a:r>
+              <a:t>Using Code First Migrations</a:t>
+            </a:r>
+          </a:p>
+          <a:p>
             <a:r>
               <a:rPr lang="en-US" dirty="0" smtClean="0"/>
-              <a:t>Mappings</a:t>
-            </a:r>
-          </a:p>
-          <a:p>
-            <a:pPr lvl="1"/>
+              <a:t>Configure Mappings</a:t>
+            </a:r>
+          </a:p>
+          <a:p>
+            <a:r>
+              <a:rPr lang="en-US" dirty="0" err="1" smtClean="0"/>
+              <a:t>LINQPad</a:t>
+            </a:r>
+            <a:endParaRPr lang="en-US" dirty="0" smtClean="0"/>
+          </a:p>
+          <a:p>
             <a:r>
               <a:rPr lang="en-US" dirty="0" smtClean="0"/>
-              <a:t>Data Annotations and Fluent API</a:t>
-            </a:r>
+              <a:t>Repository Pattern</a:t>
+            </a:r>
+            <a:endParaRPr lang="en-US" dirty="0" smtClean="0"/>
           </a:p>
         </p:txBody>
       </p:sp>
@@ -13542,661 +14210,6 @@
       </p:grpSpPr>
       <p:sp>
         <p:nvSpPr>
-          <p:cNvPr id="9" name="Content Placeholder 2"/>
-          <p:cNvSpPr txBox="1">
-            <a:spLocks/>
-          </p:cNvSpPr>
-          <p:nvPr/>
-        </p:nvSpPr>
-        <p:spPr>
-          <a:xfrm>
-            <a:off x="228600" y="838200"/>
-            <a:ext cx="8686800" cy="5791200"/>
-          </a:xfrm>
-          <a:prstGeom prst="rect">
-            <a:avLst/>
-          </a:prstGeom>
-        </p:spPr>
-        <p:txBody>
-          <a:bodyPr/>
-          <a:lstStyle>
-            <a:lvl1pPr marL="282575" indent="-282575" algn="l" rtl="0" eaLnBrk="0" fontAlgn="base" hangingPunct="0">
-              <a:lnSpc>
-                <a:spcPct val="105000"/>
-              </a:lnSpc>
-              <a:spcBef>
-                <a:spcPts val="600"/>
-              </a:spcBef>
-              <a:spcAft>
-                <a:spcPts val="600"/>
-              </a:spcAft>
-              <a:buClr>
-                <a:schemeClr val="accent5">
-                  <a:lumMod val="40000"/>
-                  <a:lumOff val="60000"/>
-                </a:schemeClr>
-              </a:buClr>
-              <a:buSzPct val="70000"/>
-              <a:buFont typeface="Wingdings 2" pitchFamily="18" charset="2"/>
-              <a:buChar char=""/>
-              <a:tabLst>
-                <a:tab pos="282575" algn="l"/>
-              </a:tabLst>
-              <a:defRPr sz="3200" b="1" kern="1200">
-                <a:solidFill>
-                  <a:srgbClr val="EBFFD2"/>
-                </a:solidFill>
-                <a:effectLst>
-                  <a:outerShdw blurRad="38100" dist="38100" dir="2700000" algn="tl">
-                    <a:srgbClr val="000000">
-                      <a:alpha val="43137"/>
-                    </a:srgbClr>
-                  </a:outerShdw>
-                </a:effectLst>
-                <a:latin typeface="+mn-lt"/>
-                <a:ea typeface="+mn-ea"/>
-                <a:cs typeface="+mn-cs"/>
-              </a:defRPr>
-            </a:lvl1pPr>
-            <a:lvl2pPr marL="630238" indent="-273050" algn="l" rtl="0" eaLnBrk="0" fontAlgn="base" hangingPunct="0">
-              <a:lnSpc>
-                <a:spcPct val="105000"/>
-              </a:lnSpc>
-              <a:spcBef>
-                <a:spcPts val="600"/>
-              </a:spcBef>
-              <a:spcAft>
-                <a:spcPts val="600"/>
-              </a:spcAft>
-              <a:buClr>
-                <a:srgbClr val="8FD600"/>
-              </a:buClr>
-              <a:buFont typeface="Wingdings 2" pitchFamily="18" charset="2"/>
-              <a:buChar char=""/>
-              <a:defRPr sz="3000" b="1" kern="1200">
-                <a:solidFill>
-                  <a:schemeClr val="tx1">
-                    <a:lumMod val="40000"/>
-                    <a:lumOff val="60000"/>
-                  </a:schemeClr>
-                </a:solidFill>
-                <a:effectLst>
-                  <a:outerShdw blurRad="38100" dist="38100" dir="2700000" algn="tl">
-                    <a:srgbClr val="000000">
-                      <a:alpha val="43137"/>
-                    </a:srgbClr>
-                  </a:outerShdw>
-                </a:effectLst>
-                <a:latin typeface="+mn-lt"/>
-                <a:ea typeface="+mn-ea"/>
-                <a:cs typeface="+mn-cs"/>
-              </a:defRPr>
-            </a:lvl2pPr>
-            <a:lvl3pPr marL="922338" indent="-273050" algn="l" rtl="0" eaLnBrk="0" fontAlgn="base" hangingPunct="0">
-              <a:lnSpc>
-                <a:spcPct val="105000"/>
-              </a:lnSpc>
-              <a:spcBef>
-                <a:spcPts val="600"/>
-              </a:spcBef>
-              <a:spcAft>
-                <a:spcPts val="600"/>
-              </a:spcAft>
-              <a:buClr>
-                <a:srgbClr val="FFAD9F"/>
-              </a:buClr>
-              <a:buFont typeface="Wingdings 2" pitchFamily="18" charset="2"/>
-              <a:buChar char=""/>
-              <a:defRPr sz="2800" b="1" kern="1200">
-                <a:solidFill>
-                  <a:srgbClr val="F5FFC2"/>
-                </a:solidFill>
-                <a:effectLst>
-                  <a:outerShdw blurRad="38100" dist="38100" dir="2700000" algn="tl">
-                    <a:srgbClr val="000000">
-                      <a:alpha val="43137"/>
-                    </a:srgbClr>
-                  </a:outerShdw>
-                </a:effectLst>
-                <a:latin typeface="+mn-lt"/>
-                <a:ea typeface="+mn-ea"/>
-                <a:cs typeface="+mn-cs"/>
-              </a:defRPr>
-            </a:lvl3pPr>
-            <a:lvl4pPr marL="1187450" indent="-228600" algn="l" rtl="0" eaLnBrk="0" fontAlgn="base" hangingPunct="0">
-              <a:lnSpc>
-                <a:spcPct val="105000"/>
-              </a:lnSpc>
-              <a:spcBef>
-                <a:spcPts val="600"/>
-              </a:spcBef>
-              <a:spcAft>
-                <a:spcPts val="600"/>
-              </a:spcAft>
-              <a:buClr>
-                <a:srgbClr val="FACF82"/>
-              </a:buClr>
-              <a:buFont typeface="Wingdings 2" pitchFamily="18" charset="2"/>
-              <a:buChar char=""/>
-              <a:defRPr sz="2600" b="1" kern="1200">
-                <a:solidFill>
-                  <a:schemeClr val="tx1">
-                    <a:lumMod val="40000"/>
-                    <a:lumOff val="60000"/>
-                  </a:schemeClr>
-                </a:solidFill>
-                <a:effectLst>
-                  <a:outerShdw blurRad="38100" dist="38100" dir="2700000" algn="tl">
-                    <a:srgbClr val="000000">
-                      <a:alpha val="43137"/>
-                    </a:srgbClr>
-                  </a:outerShdw>
-                </a:effectLst>
-                <a:latin typeface="+mn-lt"/>
-                <a:ea typeface="+mn-ea"/>
-                <a:cs typeface="+mn-cs"/>
-              </a:defRPr>
-            </a:lvl4pPr>
-            <a:lvl5pPr marL="1425575" indent="-228600" algn="l" rtl="0" eaLnBrk="0" fontAlgn="base" hangingPunct="0">
-              <a:lnSpc>
-                <a:spcPct val="105000"/>
-              </a:lnSpc>
-              <a:spcBef>
-                <a:spcPts val="600"/>
-              </a:spcBef>
-              <a:spcAft>
-                <a:spcPts val="600"/>
-              </a:spcAft>
-              <a:buClr>
-                <a:srgbClr val="46A6BD"/>
-              </a:buClr>
-              <a:buFont typeface="Wingdings 2" pitchFamily="18" charset="2"/>
-              <a:buChar char=""/>
-              <a:defRPr sz="2400" b="1" kern="1200">
-                <a:solidFill>
-                  <a:schemeClr val="tx1">
-                    <a:lumMod val="40000"/>
-                    <a:lumOff val="60000"/>
-                  </a:schemeClr>
-                </a:solidFill>
-                <a:effectLst>
-                  <a:outerShdw blurRad="38100" dist="38100" dir="2700000" algn="tl">
-                    <a:srgbClr val="000000">
-                      <a:alpha val="43137"/>
-                    </a:srgbClr>
-                  </a:outerShdw>
-                </a:effectLst>
-                <a:latin typeface="+mn-lt"/>
-                <a:ea typeface="+mn-ea"/>
-                <a:cs typeface="+mn-cs"/>
-              </a:defRPr>
-            </a:lvl5pPr>
-            <a:lvl6pPr marL="1673352" indent="-228600" algn="l" rtl="0" eaLnBrk="1" latinLnBrk="0" hangingPunct="1">
-              <a:spcBef>
-                <a:spcPct val="20000"/>
-              </a:spcBef>
-              <a:buClr>
-                <a:schemeClr val="accent6"/>
-              </a:buClr>
-              <a:buFont typeface="Wingdings 2"/>
-              <a:buChar char=""/>
-              <a:defRPr sz="1800" kern="1200">
-                <a:solidFill>
-                  <a:schemeClr val="tx1"/>
-                </a:solidFill>
-                <a:latin typeface="+mn-lt"/>
-                <a:ea typeface="+mn-ea"/>
-                <a:cs typeface="+mn-cs"/>
-              </a:defRPr>
-            </a:lvl6pPr>
-            <a:lvl7pPr marL="1911096" indent="-228600" algn="l" rtl="0" eaLnBrk="1" latinLnBrk="0" hangingPunct="1">
-              <a:spcBef>
-                <a:spcPct val="20000"/>
-              </a:spcBef>
-              <a:buClr>
-                <a:schemeClr val="tx2"/>
-              </a:buClr>
-              <a:buFont typeface="Wingdings 2"/>
-              <a:buChar char=""/>
-              <a:defRPr sz="1600" kern="1200">
-                <a:solidFill>
-                  <a:schemeClr val="tx1"/>
-                </a:solidFill>
-                <a:latin typeface="+mn-lt"/>
-                <a:ea typeface="+mn-ea"/>
-                <a:cs typeface="+mn-cs"/>
-              </a:defRPr>
-            </a:lvl7pPr>
-            <a:lvl8pPr marL="2121408" indent="-182880" algn="l" rtl="0" eaLnBrk="1" latinLnBrk="0" hangingPunct="1">
-              <a:spcBef>
-                <a:spcPct val="20000"/>
-              </a:spcBef>
-              <a:buClr>
-                <a:schemeClr val="tx2"/>
-              </a:buClr>
-              <a:buFont typeface="Wingdings 2"/>
-              <a:buChar char=""/>
-              <a:defRPr sz="1400" kern="1200">
-                <a:solidFill>
-                  <a:schemeClr val="tx1"/>
-                </a:solidFill>
-                <a:latin typeface="+mn-lt"/>
-                <a:ea typeface="+mn-ea"/>
-                <a:cs typeface="+mn-cs"/>
-              </a:defRPr>
-            </a:lvl8pPr>
-            <a:lvl9pPr marL="2322576" indent="-182880" algn="l" rtl="0" eaLnBrk="1" latinLnBrk="0" hangingPunct="1">
-              <a:spcBef>
-                <a:spcPct val="20000"/>
-              </a:spcBef>
-              <a:buClr>
-                <a:schemeClr val="tx2"/>
-              </a:buClr>
-              <a:buFont typeface="Wingdings 2"/>
-              <a:buChar char=""/>
-              <a:defRPr sz="1400" kern="1200">
-                <a:solidFill>
-                  <a:schemeClr val="tx1"/>
-                </a:solidFill>
-                <a:latin typeface="+mn-lt"/>
-                <a:ea typeface="+mn-ea"/>
-                <a:cs typeface="+mn-cs"/>
-              </a:defRPr>
-            </a:lvl9pPr>
-          </a:lstStyle>
-          <a:p>
-            <a:pPr>
-              <a:spcBef>
-                <a:spcPts val="0"/>
-              </a:spcBef>
-              <a:spcAft>
-                <a:spcPts val="0"/>
-              </a:spcAft>
-            </a:pPr>
-            <a:r>
-              <a:rPr lang="en-US" dirty="0" smtClean="0"/>
-              <a:t>Very useful Visual Studio extension</a:t>
-            </a:r>
-          </a:p>
-          <a:p>
-            <a:pPr lvl="1">
-              <a:spcBef>
-                <a:spcPts val="0"/>
-              </a:spcBef>
-              <a:spcAft>
-                <a:spcPts val="0"/>
-              </a:spcAft>
-            </a:pPr>
-            <a:r>
-              <a:rPr lang="en-US" dirty="0" smtClean="0"/>
-              <a:t>Can generate entity data model from code first </a:t>
-            </a:r>
-            <a:r>
-              <a:rPr lang="en-US" dirty="0">
-                <a:solidFill>
-                  <a:schemeClr val="accent5">
-                    <a:lumMod val="20000"/>
-                    <a:lumOff val="80000"/>
-                  </a:schemeClr>
-                </a:solidFill>
-              </a:rPr>
-              <a:t>DbContext</a:t>
-            </a:r>
-          </a:p>
-          <a:p>
-            <a:pPr lvl="1">
-              <a:spcBef>
-                <a:spcPts val="0"/>
-              </a:spcBef>
-              <a:spcAft>
-                <a:spcPts val="0"/>
-              </a:spcAft>
-            </a:pPr>
-            <a:r>
-              <a:rPr lang="en-US" dirty="0" smtClean="0"/>
-              <a:t>Can generate code first models and context from existing database</a:t>
-            </a:r>
-          </a:p>
-          <a:p>
-            <a:pPr lvl="1">
-              <a:spcBef>
-                <a:spcPts val="0"/>
-              </a:spcBef>
-              <a:spcAft>
-                <a:spcPts val="0"/>
-              </a:spcAft>
-            </a:pPr>
-            <a:r>
-              <a:rPr lang="en-US" dirty="0" smtClean="0"/>
-              <a:t>Will be included by default in Visual Studio 2013</a:t>
-            </a:r>
-          </a:p>
-          <a:p>
-            <a:pPr lvl="1"/>
-            <a:endParaRPr lang="en-US" dirty="0" smtClean="0">
-              <a:solidFill>
-                <a:srgbClr val="FF0000"/>
-              </a:solidFill>
-            </a:endParaRPr>
-          </a:p>
-          <a:p>
-            <a:endParaRPr lang="en-US" dirty="0"/>
-          </a:p>
-        </p:txBody>
-      </p:sp>
-      <p:sp>
-        <p:nvSpPr>
-          <p:cNvPr id="2" name="Title 1"/>
-          <p:cNvSpPr>
-            <a:spLocks noGrp="1"/>
-          </p:cNvSpPr>
-          <p:nvPr>
-            <p:ph type="title"/>
-          </p:nvPr>
-        </p:nvSpPr>
-        <p:spPr/>
-        <p:txBody>
-          <a:bodyPr/>
-          <a:lstStyle/>
-          <a:p>
-            <a:r>
-              <a:rPr lang="en-US" dirty="0" smtClean="0"/>
-              <a:t>Entity Framework Power Tools</a:t>
-            </a:r>
-            <a:endParaRPr lang="en-US" dirty="0"/>
-          </a:p>
-        </p:txBody>
-      </p:sp>
-      <p:pic>
-        <p:nvPicPr>
-          <p:cNvPr id="6" name="Content Placeholder 5"/>
-          <p:cNvPicPr>
-            <a:picLocks noGrp="1" noChangeAspect="1"/>
-          </p:cNvPicPr>
-          <p:nvPr>
-            <p:ph idx="1"/>
-          </p:nvPr>
-        </p:nvPicPr>
-        <p:blipFill>
-          <a:blip r:embed="rId2"/>
-          <a:stretch>
-            <a:fillRect/>
-          </a:stretch>
-        </p:blipFill>
-        <p:spPr>
-          <a:xfrm>
-            <a:off x="838200" y="5095875"/>
-            <a:ext cx="4057945" cy="1381125"/>
-          </a:xfrm>
-          <a:prstGeom prst="rect">
-            <a:avLst/>
-          </a:prstGeom>
-          <a:ln>
-            <a:noFill/>
-          </a:ln>
-          <a:effectLst>
-            <a:outerShdw blurRad="190500" algn="tl" rotWithShape="0">
-              <a:srgbClr val="000000">
-                <a:alpha val="70000"/>
-              </a:srgbClr>
-            </a:outerShdw>
-          </a:effectLst>
-        </p:spPr>
-      </p:pic>
-      <p:sp>
-        <p:nvSpPr>
-          <p:cNvPr id="4" name="Slide Number Placeholder 3"/>
-          <p:cNvSpPr>
-            <a:spLocks noGrp="1"/>
-          </p:cNvSpPr>
-          <p:nvPr>
-            <p:ph type="sldNum" sz="quarter" idx="10"/>
-          </p:nvPr>
-        </p:nvSpPr>
-        <p:spPr/>
-        <p:txBody>
-          <a:bodyPr/>
-          <a:lstStyle/>
-          <a:p>
-            <a:pPr>
-              <a:defRPr/>
-            </a:pPr>
-            <a:fld id="{58452FF4-89E3-4D1B-9927-2DBDC00E58D7}" type="slidenum">
-              <a:rPr lang="en-US" smtClean="0"/>
-              <a:pPr>
-                <a:defRPr/>
-              </a:pPr>
-              <a:t>22</a:t>
-            </a:fld>
-            <a:endParaRPr lang="en-US" dirty="0"/>
-          </a:p>
-        </p:txBody>
-      </p:sp>
-      <p:pic>
-        <p:nvPicPr>
-          <p:cNvPr id="5" name="Picture 4"/>
-          <p:cNvPicPr>
-            <a:picLocks noChangeAspect="1"/>
-          </p:cNvPicPr>
-          <p:nvPr/>
-        </p:nvPicPr>
-        <p:blipFill>
-          <a:blip r:embed="rId3"/>
-          <a:stretch>
-            <a:fillRect/>
-          </a:stretch>
-        </p:blipFill>
-        <p:spPr>
-          <a:xfrm>
-            <a:off x="838200" y="3886200"/>
-            <a:ext cx="7467600" cy="1066800"/>
-          </a:xfrm>
-          <a:prstGeom prst="rect">
-            <a:avLst/>
-          </a:prstGeom>
-          <a:ln>
-            <a:noFill/>
-          </a:ln>
-          <a:effectLst>
-            <a:outerShdw blurRad="190500" algn="tl" rotWithShape="0">
-              <a:srgbClr val="000000">
-                <a:alpha val="70000"/>
-              </a:srgbClr>
-            </a:outerShdw>
-          </a:effectLst>
-        </p:spPr>
-      </p:pic>
-      <p:pic>
-        <p:nvPicPr>
-          <p:cNvPr id="8" name="Picture 7"/>
-          <p:cNvPicPr>
-            <a:picLocks noChangeAspect="1"/>
-          </p:cNvPicPr>
-          <p:nvPr/>
-        </p:nvPicPr>
-        <p:blipFill>
-          <a:blip r:embed="rId4"/>
-          <a:stretch>
-            <a:fillRect/>
-          </a:stretch>
-        </p:blipFill>
-        <p:spPr>
-          <a:xfrm>
-            <a:off x="4274213" y="5416153"/>
-            <a:ext cx="4534507" cy="745807"/>
-          </a:xfrm>
-          <a:prstGeom prst="rect">
-            <a:avLst/>
-          </a:prstGeom>
-          <a:ln>
-            <a:noFill/>
-          </a:ln>
-          <a:effectLst>
-            <a:outerShdw blurRad="190500" algn="tl" rotWithShape="0">
-              <a:srgbClr val="000000">
-                <a:alpha val="70000"/>
-              </a:srgbClr>
-            </a:outerShdw>
-          </a:effectLst>
-        </p:spPr>
-      </p:pic>
-    </p:spTree>
-    <p:extLst>
-      <p:ext uri="{BB962C8B-B14F-4D97-AF65-F5344CB8AC3E}">
-        <p14:creationId xmlns:p14="http://schemas.microsoft.com/office/powerpoint/2010/main" val="2270155921"/>
-      </p:ext>
-    </p:extLst>
-  </p:cSld>
-  <p:clrMapOvr>
-    <a:masterClrMapping/>
-  </p:clrMapOvr>
-  <p:timing>
-    <p:tnLst>
-      <p:par>
-        <p:cTn id="1" dur="indefinite" restart="never" nodeType="tmRoot"/>
-      </p:par>
-    </p:tnLst>
-  </p:timing>
-</p:sld>
-</file>
-
-<file path=ppt/slides/slide23.xml><?xml version="1.0" encoding="utf-8"?>
-<p:sld xmlns:a="http://schemas.openxmlformats.org/drawingml/2006/main" xmlns:r="http://schemas.openxmlformats.org/officeDocument/2006/relationships" xmlns:p="http://schemas.openxmlformats.org/presentationml/2006/main">
-  <p:cSld>
-    <p:spTree>
-      <p:nvGrpSpPr>
-        <p:cNvPr id="1" name=""/>
-        <p:cNvGrpSpPr/>
-        <p:nvPr/>
-      </p:nvGrpSpPr>
-      <p:grpSpPr>
-        <a:xfrm>
-          <a:off x="0" y="0"/>
-          <a:ext cx="0" cy="0"/>
-          <a:chOff x="0" y="0"/>
-          <a:chExt cx="0" cy="0"/>
-        </a:xfrm>
-      </p:grpSpPr>
-      <p:sp>
-        <p:nvSpPr>
-          <p:cNvPr id="5" name="Title 4"/>
-          <p:cNvSpPr>
-            <a:spLocks noGrp="1"/>
-          </p:cNvSpPr>
-          <p:nvPr>
-            <p:ph type="ctrTitle"/>
-          </p:nvPr>
-        </p:nvSpPr>
-        <p:spPr>
-          <a:xfrm>
-            <a:off x="609600" y="4724400"/>
-            <a:ext cx="7924800" cy="1447799"/>
-          </a:xfrm>
-        </p:spPr>
-        <p:txBody>
-          <a:bodyPr/>
-          <a:lstStyle/>
-          <a:p>
-            <a:r>
-              <a:rPr lang="en-US" dirty="0" smtClean="0"/>
-              <a:t>Demo: Using </a:t>
-            </a:r>
-            <a:r>
-              <a:rPr lang="en-US" dirty="0"/>
-              <a:t>Entity Framework Power Tools</a:t>
-            </a:r>
-          </a:p>
-        </p:txBody>
-      </p:sp>
-      <p:pic>
-        <p:nvPicPr>
-          <p:cNvPr id="2" name="Picture 1"/>
-          <p:cNvPicPr>
-            <a:picLocks noChangeAspect="1"/>
-          </p:cNvPicPr>
-          <p:nvPr/>
-        </p:nvPicPr>
-        <p:blipFill>
-          <a:blip r:embed="rId2"/>
-          <a:stretch>
-            <a:fillRect/>
-          </a:stretch>
-        </p:blipFill>
-        <p:spPr>
-          <a:xfrm>
-            <a:off x="2578893" y="1066800"/>
-            <a:ext cx="3986213" cy="3256513"/>
-          </a:xfrm>
-          <a:prstGeom prst="roundRect">
-            <a:avLst>
-              <a:gd name="adj" fmla="val 4167"/>
-            </a:avLst>
-          </a:prstGeom>
-          <a:solidFill>
-            <a:srgbClr val="FFFFFF"/>
-          </a:solidFill>
-          <a:ln w="76200" cap="sq">
-            <a:solidFill>
-              <a:srgbClr val="292929"/>
-            </a:solidFill>
-            <a:miter lim="800000"/>
-          </a:ln>
-          <a:effectLst>
-            <a:reflection blurRad="12700" stA="28000" endPos="28000" dist="5000" dir="5400000" sy="-100000" algn="bl" rotWithShape="0"/>
-          </a:effectLst>
-          <a:scene3d>
-            <a:camera prst="orthographicFront"/>
-            <a:lightRig rig="threePt" dir="t">
-              <a:rot lat="0" lon="0" rev="2700000"/>
-            </a:lightRig>
-          </a:scene3d>
-          <a:sp3d>
-            <a:bevelT h="38100"/>
-            <a:contourClr>
-              <a:srgbClr val="C0C0C0"/>
-            </a:contourClr>
-          </a:sp3d>
-        </p:spPr>
-      </p:pic>
-    </p:spTree>
-    <p:extLst>
-      <p:ext uri="{BB962C8B-B14F-4D97-AF65-F5344CB8AC3E}">
-        <p14:creationId xmlns:p14="http://schemas.microsoft.com/office/powerpoint/2010/main" val="935793505"/>
-      </p:ext>
-    </p:extLst>
-  </p:cSld>
-  <p:clrMapOvr>
-    <a:masterClrMapping/>
-  </p:clrMapOvr>
-  <p:timing>
-    <p:tnLst>
-      <p:par>
-        <p:cTn id="1" dur="indefinite" restart="never" nodeType="tmRoot"/>
-      </p:par>
-    </p:tnLst>
-  </p:timing>
-</p:sld>
-</file>
-
-<file path=ppt/slides/slide24.xml><?xml version="1.0" encoding="utf-8"?>
-<p:sld xmlns:a="http://schemas.openxmlformats.org/drawingml/2006/main" xmlns:r="http://schemas.openxmlformats.org/officeDocument/2006/relationships" xmlns:p="http://schemas.openxmlformats.org/presentationml/2006/main">
-  <p:cSld>
-    <p:spTree>
-      <p:nvGrpSpPr>
-        <p:cNvPr id="1" name=""/>
-        <p:cNvGrpSpPr/>
-        <p:nvPr/>
-      </p:nvGrpSpPr>
-      <p:grpSpPr>
-        <a:xfrm>
-          <a:off x="0" y="0"/>
-          <a:ext cx="0" cy="0"/>
-          <a:chOff x="0" y="0"/>
-          <a:chExt cx="0" cy="0"/>
-        </a:xfrm>
-      </p:grpSpPr>
-      <p:sp>
-        <p:nvSpPr>
           <p:cNvPr id="2" name="Title 1"/>
           <p:cNvSpPr>
             <a:spLocks noGrp="1"/>
@@ -14310,7 +14323,7 @@
 </p:sld>
 </file>
 
-<file path=ppt/slides/slide25.xml><?xml version="1.0" encoding="utf-8"?>
+<file path=ppt/slides/slide23.xml><?xml version="1.0" encoding="utf-8"?>
 <p:sld xmlns:a="http://schemas.openxmlformats.org/drawingml/2006/main" xmlns:r="http://schemas.openxmlformats.org/officeDocument/2006/relationships" xmlns:p="http://schemas.openxmlformats.org/presentationml/2006/main">
   <p:cSld>
     <p:spTree>
@@ -14493,7 +14506,7 @@
               <a:pPr>
                 <a:defRPr/>
               </a:pPr>
-              <a:t>25</a:t>
+              <a:t>23</a:t>
             </a:fld>
             <a:endParaRPr lang="en-US" dirty="0"/>
           </a:p>
@@ -14503,6 +14516,539 @@
     <p:extLst>
       <p:ext uri="{BB962C8B-B14F-4D97-AF65-F5344CB8AC3E}">
         <p14:creationId xmlns:p14="http://schemas.microsoft.com/office/powerpoint/2010/main" val="785340687"/>
+      </p:ext>
+    </p:extLst>
+  </p:cSld>
+  <p:clrMapOvr>
+    <a:masterClrMapping/>
+  </p:clrMapOvr>
+  <p:timing>
+    <p:tnLst>
+      <p:par>
+        <p:cTn id="1" dur="indefinite" restart="never" nodeType="tmRoot"/>
+      </p:par>
+    </p:tnLst>
+  </p:timing>
+</p:sld>
+</file>
+
+<file path=ppt/slides/slide24.xml><?xml version="1.0" encoding="utf-8"?>
+<p:sld xmlns:a="http://schemas.openxmlformats.org/drawingml/2006/main" xmlns:r="http://schemas.openxmlformats.org/officeDocument/2006/relationships" xmlns:p="http://schemas.openxmlformats.org/presentationml/2006/main">
+  <p:cSld>
+    <p:spTree>
+      <p:nvGrpSpPr>
+        <p:cNvPr id="1" name=""/>
+        <p:cNvGrpSpPr/>
+        <p:nvPr/>
+      </p:nvGrpSpPr>
+      <p:grpSpPr>
+        <a:xfrm>
+          <a:off x="0" y="0"/>
+          <a:ext cx="0" cy="0"/>
+          <a:chOff x="0" y="0"/>
+          <a:chExt cx="0" cy="0"/>
+        </a:xfrm>
+      </p:grpSpPr>
+      <p:sp>
+        <p:nvSpPr>
+          <p:cNvPr id="2" name="Title 1"/>
+          <p:cNvSpPr>
+            <a:spLocks noGrp="1"/>
+          </p:cNvSpPr>
+          <p:nvPr>
+            <p:ph type="title"/>
+          </p:nvPr>
+        </p:nvSpPr>
+        <p:spPr/>
+        <p:txBody>
+          <a:bodyPr/>
+          <a:lstStyle/>
+          <a:p>
+            <a:r>
+              <a:rPr lang="en-US" dirty="0" smtClean="0"/>
+              <a:t>Code First Migrations</a:t>
+            </a:r>
+            <a:endParaRPr lang="en-US" dirty="0"/>
+          </a:p>
+        </p:txBody>
+      </p:sp>
+      <p:sp>
+        <p:nvSpPr>
+          <p:cNvPr id="3" name="Content Placeholder 2"/>
+          <p:cNvSpPr>
+            <a:spLocks noGrp="1"/>
+          </p:cNvSpPr>
+          <p:nvPr>
+            <p:ph idx="1"/>
+          </p:nvPr>
+        </p:nvSpPr>
+        <p:spPr/>
+        <p:txBody>
+          <a:bodyPr/>
+          <a:lstStyle/>
+          <a:p>
+            <a:pPr>
+              <a:spcBef>
+                <a:spcPts val="300"/>
+              </a:spcBef>
+              <a:spcAft>
+                <a:spcPts val="300"/>
+              </a:spcAft>
+            </a:pPr>
+            <a:r>
+              <a:rPr lang="en-US" dirty="0" smtClean="0"/>
+              <a:t>Enable Code First Migrations</a:t>
+            </a:r>
+          </a:p>
+          <a:p>
+            <a:pPr lvl="1">
+              <a:spcBef>
+                <a:spcPts val="300"/>
+              </a:spcBef>
+              <a:spcAft>
+                <a:spcPts val="300"/>
+              </a:spcAft>
+            </a:pPr>
+            <a:r>
+              <a:rPr lang="en-US" dirty="0" smtClean="0"/>
+              <a:t>Open Package Manager Console</a:t>
+            </a:r>
+          </a:p>
+          <a:p>
+            <a:pPr lvl="1">
+              <a:spcBef>
+                <a:spcPts val="300"/>
+              </a:spcBef>
+              <a:spcAft>
+                <a:spcPts val="300"/>
+              </a:spcAft>
+            </a:pPr>
+            <a:r>
+              <a:rPr lang="en-US" dirty="0" smtClean="0"/>
+              <a:t>Run </a:t>
+            </a:r>
+            <a:r>
+              <a:rPr lang="en-US" dirty="0">
+                <a:solidFill>
+                  <a:schemeClr val="accent5">
+                    <a:lumMod val="20000"/>
+                    <a:lumOff val="80000"/>
+                  </a:schemeClr>
+                </a:solidFill>
+              </a:rPr>
+              <a:t>Enable-Migrations</a:t>
+            </a:r>
+            <a:r>
+              <a:rPr lang="en-US" dirty="0" smtClean="0"/>
+              <a:t> command</a:t>
+            </a:r>
+          </a:p>
+          <a:p>
+            <a:pPr lvl="2">
+              <a:spcBef>
+                <a:spcPts val="300"/>
+              </a:spcBef>
+              <a:spcAft>
+                <a:spcPts val="300"/>
+              </a:spcAft>
+            </a:pPr>
+            <a:r>
+              <a:rPr lang="en-US" dirty="0"/>
+              <a:t>This will create some initial jumpstart code</a:t>
+            </a:r>
+          </a:p>
+          <a:p>
+            <a:pPr lvl="2">
+              <a:spcBef>
+                <a:spcPts val="300"/>
+              </a:spcBef>
+              <a:spcAft>
+                <a:spcPts val="300"/>
+              </a:spcAft>
+            </a:pPr>
+            <a:r>
+              <a:rPr lang="en-US" dirty="0">
+                <a:solidFill>
+                  <a:schemeClr val="accent5">
+                    <a:lumMod val="20000"/>
+                    <a:lumOff val="80000"/>
+                  </a:schemeClr>
+                </a:solidFill>
+              </a:rPr>
+              <a:t>-</a:t>
+            </a:r>
+            <a:r>
+              <a:rPr lang="en-US" dirty="0" err="1">
+                <a:solidFill>
+                  <a:schemeClr val="accent5">
+                    <a:lumMod val="20000"/>
+                    <a:lumOff val="80000"/>
+                  </a:schemeClr>
+                </a:solidFill>
+              </a:rPr>
+              <a:t>EnableAutomaticMigrations</a:t>
+            </a:r>
+            <a:r>
+              <a:rPr lang="en-US" dirty="0" smtClean="0"/>
+              <a:t> for auto migrations</a:t>
+            </a:r>
+          </a:p>
+          <a:p>
+            <a:pPr>
+              <a:spcBef>
+                <a:spcPts val="300"/>
+              </a:spcBef>
+              <a:spcAft>
+                <a:spcPts val="300"/>
+              </a:spcAft>
+            </a:pPr>
+            <a:r>
+              <a:rPr lang="en-US" dirty="0" smtClean="0"/>
+              <a:t>Two types of migrations</a:t>
+            </a:r>
+          </a:p>
+          <a:p>
+            <a:pPr lvl="1">
+              <a:spcBef>
+                <a:spcPts val="300"/>
+              </a:spcBef>
+              <a:spcAft>
+                <a:spcPts val="300"/>
+              </a:spcAft>
+            </a:pPr>
+            <a:r>
+              <a:rPr lang="en-US" dirty="0" smtClean="0"/>
+              <a:t>Automatic migrations</a:t>
+            </a:r>
+          </a:p>
+          <a:p>
+            <a:pPr lvl="2">
+              <a:spcBef>
+                <a:spcPts val="300"/>
+              </a:spcBef>
+              <a:spcAft>
+                <a:spcPts val="300"/>
+              </a:spcAft>
+            </a:pPr>
+            <a:r>
+              <a:rPr lang="en-US" dirty="0" smtClean="0"/>
+              <a:t>Set </a:t>
+            </a:r>
+            <a:r>
+              <a:rPr lang="en-US" dirty="0" err="1">
+                <a:solidFill>
+                  <a:schemeClr val="accent5">
+                    <a:lumMod val="20000"/>
+                    <a:lumOff val="80000"/>
+                  </a:schemeClr>
+                </a:solidFill>
+              </a:rPr>
+              <a:t>AutomaticMigrationsEnabled</a:t>
+            </a:r>
+            <a:r>
+              <a:rPr lang="en-US" dirty="0">
+                <a:solidFill>
+                  <a:schemeClr val="accent5">
+                    <a:lumMod val="20000"/>
+                    <a:lumOff val="80000"/>
+                  </a:schemeClr>
+                </a:solidFill>
+              </a:rPr>
+              <a:t> = true;</a:t>
+            </a:r>
+          </a:p>
+          <a:p>
+            <a:pPr lvl="1">
+              <a:spcBef>
+                <a:spcPts val="300"/>
+              </a:spcBef>
+              <a:spcAft>
+                <a:spcPts val="300"/>
+              </a:spcAft>
+            </a:pPr>
+            <a:r>
+              <a:rPr lang="en-US" dirty="0" smtClean="0"/>
+              <a:t>Code-based (providing full control)</a:t>
+            </a:r>
+          </a:p>
+          <a:p>
+            <a:pPr lvl="2">
+              <a:spcBef>
+                <a:spcPts val="300"/>
+              </a:spcBef>
+              <a:spcAft>
+                <a:spcPts val="300"/>
+              </a:spcAft>
+            </a:pPr>
+            <a:r>
+              <a:rPr lang="en-US" dirty="0" smtClean="0"/>
+              <a:t>Separate C# code file for every migration</a:t>
+            </a:r>
+            <a:endParaRPr lang="en-US" dirty="0"/>
+          </a:p>
+        </p:txBody>
+      </p:sp>
+      <p:sp>
+        <p:nvSpPr>
+          <p:cNvPr id="4" name="Slide Number Placeholder 3"/>
+          <p:cNvSpPr>
+            <a:spLocks noGrp="1"/>
+          </p:cNvSpPr>
+          <p:nvPr>
+            <p:ph type="sldNum" sz="quarter" idx="10"/>
+          </p:nvPr>
+        </p:nvSpPr>
+        <p:spPr/>
+        <p:txBody>
+          <a:bodyPr/>
+          <a:lstStyle/>
+          <a:p>
+            <a:pPr>
+              <a:defRPr/>
+            </a:pPr>
+            <a:fld id="{58452FF4-89E3-4D1B-9927-2DBDC00E58D7}" type="slidenum">
+              <a:rPr lang="en-US" smtClean="0"/>
+              <a:pPr>
+                <a:defRPr/>
+              </a:pPr>
+              <a:t>24</a:t>
+            </a:fld>
+            <a:endParaRPr lang="en-US" dirty="0"/>
+          </a:p>
+        </p:txBody>
+      </p:sp>
+    </p:spTree>
+    <p:extLst>
+      <p:ext uri="{BB962C8B-B14F-4D97-AF65-F5344CB8AC3E}">
+        <p14:creationId xmlns:p14="http://schemas.microsoft.com/office/powerpoint/2010/main" val="1126588620"/>
+      </p:ext>
+    </p:extLst>
+  </p:cSld>
+  <p:clrMapOvr>
+    <a:masterClrMapping/>
+  </p:clrMapOvr>
+  <p:timing>
+    <p:tnLst>
+      <p:par>
+        <p:cTn id="1" dur="indefinite" restart="never" nodeType="tmRoot"/>
+      </p:par>
+    </p:tnLst>
+  </p:timing>
+</p:sld>
+</file>
+
+<file path=ppt/slides/slide25.xml><?xml version="1.0" encoding="utf-8"?>
+<p:sld xmlns:a="http://schemas.openxmlformats.org/drawingml/2006/main" xmlns:r="http://schemas.openxmlformats.org/officeDocument/2006/relationships" xmlns:p="http://schemas.openxmlformats.org/presentationml/2006/main">
+  <p:cSld>
+    <p:spTree>
+      <p:nvGrpSpPr>
+        <p:cNvPr id="1" name=""/>
+        <p:cNvGrpSpPr/>
+        <p:nvPr/>
+      </p:nvGrpSpPr>
+      <p:grpSpPr>
+        <a:xfrm>
+          <a:off x="0" y="0"/>
+          <a:ext cx="0" cy="0"/>
+          <a:chOff x="0" y="0"/>
+          <a:chExt cx="0" cy="0"/>
+        </a:xfrm>
+      </p:grpSpPr>
+      <p:sp>
+        <p:nvSpPr>
+          <p:cNvPr id="2" name="Title 1"/>
+          <p:cNvSpPr>
+            <a:spLocks noGrp="1"/>
+          </p:cNvSpPr>
+          <p:nvPr>
+            <p:ph type="title"/>
+          </p:nvPr>
+        </p:nvSpPr>
+        <p:spPr/>
+        <p:txBody>
+          <a:bodyPr/>
+          <a:lstStyle/>
+          <a:p>
+            <a:r>
+              <a:rPr lang="en-US" dirty="0" smtClean="0"/>
+              <a:t>Database Migration Strategies</a:t>
+            </a:r>
+            <a:endParaRPr lang="en-US" dirty="0"/>
+          </a:p>
+        </p:txBody>
+      </p:sp>
+      <p:sp>
+        <p:nvSpPr>
+          <p:cNvPr id="3" name="Content Placeholder 2"/>
+          <p:cNvSpPr>
+            <a:spLocks noGrp="1"/>
+          </p:cNvSpPr>
+          <p:nvPr>
+            <p:ph idx="1"/>
+          </p:nvPr>
+        </p:nvSpPr>
+        <p:spPr/>
+        <p:txBody>
+          <a:bodyPr/>
+          <a:lstStyle/>
+          <a:p>
+            <a:r>
+              <a:rPr lang="en-US" dirty="0" err="1">
+                <a:solidFill>
+                  <a:schemeClr val="accent5">
+                    <a:lumMod val="20000"/>
+                    <a:lumOff val="80000"/>
+                  </a:schemeClr>
+                </a:solidFill>
+              </a:rPr>
+              <a:t>CreateDatabaseIfNotExists</a:t>
+            </a:r>
+            <a:r>
+              <a:rPr lang="en-US" dirty="0" smtClean="0"/>
+              <a:t> (default)</a:t>
+            </a:r>
+          </a:p>
+          <a:p>
+            <a:r>
+              <a:rPr lang="en-US" dirty="0" err="1">
+                <a:solidFill>
+                  <a:schemeClr val="accent5">
+                    <a:lumMod val="20000"/>
+                    <a:lumOff val="80000"/>
+                  </a:schemeClr>
+                </a:solidFill>
+              </a:rPr>
+              <a:t>DropCreateDatabaseIfModelChanges</a:t>
+            </a:r>
+            <a:endParaRPr lang="en-US" dirty="0">
+              <a:solidFill>
+                <a:schemeClr val="accent5">
+                  <a:lumMod val="20000"/>
+                  <a:lumOff val="80000"/>
+                </a:schemeClr>
+              </a:solidFill>
+            </a:endParaRPr>
+          </a:p>
+          <a:p>
+            <a:pPr lvl="1"/>
+            <a:r>
+              <a:rPr lang="en-US" dirty="0" smtClean="0"/>
+              <a:t>We loose all the data when change the model</a:t>
+            </a:r>
+          </a:p>
+          <a:p>
+            <a:r>
+              <a:rPr lang="en-US" dirty="0" err="1">
+                <a:solidFill>
+                  <a:schemeClr val="accent5">
+                    <a:lumMod val="20000"/>
+                    <a:lumOff val="80000"/>
+                  </a:schemeClr>
+                </a:solidFill>
+              </a:rPr>
+              <a:t>DropCreateDatabaseAlways</a:t>
+            </a:r>
+            <a:endParaRPr lang="en-US" dirty="0">
+              <a:solidFill>
+                <a:schemeClr val="accent5">
+                  <a:lumMod val="20000"/>
+                  <a:lumOff val="80000"/>
+                </a:schemeClr>
+              </a:solidFill>
+            </a:endParaRPr>
+          </a:p>
+          <a:p>
+            <a:pPr lvl="1"/>
+            <a:r>
+              <a:rPr lang="en-US" dirty="0" smtClean="0"/>
+              <a:t>Great for automated integration testing</a:t>
+            </a:r>
+          </a:p>
+          <a:p>
+            <a:r>
+              <a:rPr lang="en-US" dirty="0" err="1">
+                <a:solidFill>
+                  <a:schemeClr val="accent5">
+                    <a:lumMod val="20000"/>
+                    <a:lumOff val="80000"/>
+                  </a:schemeClr>
+                </a:solidFill>
+              </a:rPr>
+              <a:t>MigrateDatabaseToLatestVersion</a:t>
+            </a:r>
+            <a:endParaRPr lang="en-US" dirty="0">
+              <a:solidFill>
+                <a:schemeClr val="accent5">
+                  <a:lumMod val="20000"/>
+                  <a:lumOff val="80000"/>
+                </a:schemeClr>
+              </a:solidFill>
+            </a:endParaRPr>
+          </a:p>
+          <a:p>
+            <a:pPr lvl="1"/>
+            <a:r>
+              <a:rPr lang="en-US" dirty="0" smtClean="0"/>
+              <a:t>This option uses our migrations</a:t>
+            </a:r>
+          </a:p>
+          <a:p>
+            <a:r>
+              <a:rPr lang="en-US" dirty="0" smtClean="0"/>
+              <a:t>We can implement </a:t>
+            </a:r>
+            <a:r>
+              <a:rPr lang="en-US" dirty="0" err="1">
+                <a:solidFill>
+                  <a:schemeClr val="accent5">
+                    <a:lumMod val="20000"/>
+                    <a:lumOff val="80000"/>
+                  </a:schemeClr>
+                </a:solidFill>
+              </a:rPr>
+              <a:t>IDatabaseInitializer</a:t>
+            </a:r>
+            <a:r>
+              <a:rPr lang="en-US" dirty="0" smtClean="0"/>
+              <a:t> if we want custom migration strategy</a:t>
+            </a:r>
+            <a:endParaRPr lang="en-US" dirty="0"/>
+          </a:p>
+        </p:txBody>
+      </p:sp>
+      <p:sp>
+        <p:nvSpPr>
+          <p:cNvPr id="4" name="Slide Number Placeholder 3"/>
+          <p:cNvSpPr>
+            <a:spLocks noGrp="1"/>
+          </p:cNvSpPr>
+          <p:nvPr>
+            <p:ph type="sldNum" sz="quarter" idx="10"/>
+          </p:nvPr>
+        </p:nvSpPr>
+        <p:spPr/>
+        <p:txBody>
+          <a:bodyPr/>
+          <a:lstStyle/>
+          <a:p>
+            <a:pPr>
+              <a:defRPr/>
+            </a:pPr>
+            <a:fld id="{58452FF4-89E3-4D1B-9927-2DBDC00E58D7}" type="slidenum">
+              <a:rPr lang="en-US" smtClean="0"/>
+              <a:pPr>
+                <a:defRPr/>
+              </a:pPr>
+              <a:t>25</a:t>
+            </a:fld>
+            <a:endParaRPr lang="en-US" dirty="0"/>
+          </a:p>
+        </p:txBody>
+      </p:sp>
+    </p:spTree>
+    <p:extLst>
+      <p:ext uri="{BB962C8B-B14F-4D97-AF65-F5344CB8AC3E}">
+        <p14:creationId xmlns:p14="http://schemas.microsoft.com/office/powerpoint/2010/main" val="3710439836"/>
       </p:ext>
     </p:extLst>
   </p:cSld>
@@ -14553,7 +15099,7 @@
           <a:p>
             <a:r>
               <a:rPr lang="en-US" dirty="0" smtClean="0"/>
-              <a:t>Code First Migrations</a:t>
+              <a:t>Use Code First Migrations</a:t>
             </a:r>
             <a:endParaRPr lang="en-US" dirty="0"/>
           </a:p>
@@ -14574,202 +15120,35 @@
           <a:bodyPr/>
           <a:lstStyle/>
           <a:p>
-            <a:pPr>
-              <a:spcBef>
-                <a:spcPts val="300"/>
-              </a:spcBef>
-              <a:spcAft>
-                <a:spcPts val="300"/>
-              </a:spcAft>
-            </a:pPr>
             <a:r>
               <a:rPr lang="en-US" dirty="0" smtClean="0"/>
-              <a:t>Enable Code First Migrations</a:t>
-            </a:r>
-          </a:p>
-          <a:p>
-            <a:pPr lvl="1">
-              <a:spcBef>
-                <a:spcPts val="300"/>
-              </a:spcBef>
-              <a:spcAft>
-                <a:spcPts val="300"/>
-              </a:spcAft>
-            </a:pPr>
+              <a:t>First, enable code first migrations</a:t>
+            </a:r>
+          </a:p>
+          <a:p>
             <a:r>
               <a:rPr lang="en-US" dirty="0" smtClean="0"/>
-              <a:t>Open Package Manager Console</a:t>
-            </a:r>
-          </a:p>
-          <a:p>
-            <a:pPr lvl="1">
-              <a:spcBef>
-                <a:spcPts val="300"/>
-              </a:spcBef>
-              <a:spcAft>
-                <a:spcPts val="300"/>
-              </a:spcAft>
-            </a:pPr>
+              <a:t>Second, we need to tell to Entity Framework to use our migrations with code (or </a:t>
+            </a:r>
+            <a:r>
+              <a:rPr lang="en-US" dirty="0" err="1" smtClean="0"/>
+              <a:t>app.config</a:t>
+            </a:r>
             <a:r>
               <a:rPr lang="en-US" dirty="0" smtClean="0"/>
-              <a:t>Run </a:t>
-            </a:r>
-            <a:r>
-              <a:rPr lang="en-US" dirty="0">
-                <a:solidFill>
-                  <a:schemeClr val="accent5">
-                    <a:lumMod val="20000"/>
-                    <a:lumOff val="80000"/>
-                  </a:schemeClr>
-                </a:solidFill>
-              </a:rPr>
-              <a:t>Enable-Migrations</a:t>
-            </a:r>
+              <a:t>)</a:t>
+            </a:r>
+          </a:p>
+          <a:p>
+            <a:endParaRPr lang="en-US" dirty="0"/>
+          </a:p>
+          <a:p>
+            <a:endParaRPr lang="en-US" dirty="0" smtClean="0"/>
+          </a:p>
+          <a:p>
             <a:r>
               <a:rPr lang="en-US" dirty="0" smtClean="0"/>
-              <a:t> command</a:t>
-            </a:r>
-          </a:p>
-          <a:p>
-            <a:pPr lvl="2">
-              <a:spcBef>
-                <a:spcPts val="300"/>
-              </a:spcBef>
-              <a:spcAft>
-                <a:spcPts val="300"/>
-              </a:spcAft>
-            </a:pPr>
-            <a:r>
-              <a:rPr lang="en-US" dirty="0"/>
-              <a:t>This will create some initial jumpstart code</a:t>
-            </a:r>
-          </a:p>
-          <a:p>
-            <a:pPr lvl="2">
-              <a:spcBef>
-                <a:spcPts val="300"/>
-              </a:spcBef>
-              <a:spcAft>
-                <a:spcPts val="300"/>
-              </a:spcAft>
-            </a:pPr>
-            <a:r>
-              <a:rPr lang="en-US" dirty="0">
-                <a:solidFill>
-                  <a:schemeClr val="accent5">
-                    <a:lumMod val="20000"/>
-                    <a:lumOff val="80000"/>
-                  </a:schemeClr>
-                </a:solidFill>
-              </a:rPr>
-              <a:t>-</a:t>
-            </a:r>
-            <a:r>
-              <a:rPr lang="en-US" dirty="0" err="1">
-                <a:solidFill>
-                  <a:schemeClr val="accent5">
-                    <a:lumMod val="20000"/>
-                    <a:lumOff val="80000"/>
-                  </a:schemeClr>
-                </a:solidFill>
-              </a:rPr>
-              <a:t>EnableAutomaticMigrations</a:t>
-            </a:r>
-            <a:r>
-              <a:rPr lang="en-US" dirty="0" smtClean="0"/>
-              <a:t> for auto migrations</a:t>
-            </a:r>
-          </a:p>
-          <a:p>
-            <a:pPr>
-              <a:spcBef>
-                <a:spcPts val="300"/>
-              </a:spcBef>
-              <a:spcAft>
-                <a:spcPts val="300"/>
-              </a:spcAft>
-            </a:pPr>
-            <a:r>
-              <a:rPr lang="en-US" dirty="0" smtClean="0"/>
-              <a:t>Two types of migrations</a:t>
-            </a:r>
-          </a:p>
-          <a:p>
-            <a:pPr lvl="1">
-              <a:spcBef>
-                <a:spcPts val="300"/>
-              </a:spcBef>
-              <a:spcAft>
-                <a:spcPts val="300"/>
-              </a:spcAft>
-            </a:pPr>
-            <a:r>
-              <a:rPr lang="en-US" dirty="0" smtClean="0"/>
-              <a:t>Automatic migrations</a:t>
-            </a:r>
-          </a:p>
-          <a:p>
-            <a:pPr lvl="2">
-              <a:spcBef>
-                <a:spcPts val="300"/>
-              </a:spcBef>
-              <a:spcAft>
-                <a:spcPts val="300"/>
-              </a:spcAft>
-            </a:pPr>
-            <a:r>
-              <a:rPr lang="en-US" dirty="0" smtClean="0"/>
-              <a:t>Set </a:t>
-            </a:r>
-            <a:r>
-              <a:rPr lang="en-US" dirty="0" err="1">
-                <a:solidFill>
-                  <a:schemeClr val="accent5">
-                    <a:lumMod val="20000"/>
-                    <a:lumOff val="80000"/>
-                  </a:schemeClr>
-                </a:solidFill>
-              </a:rPr>
-              <a:t>AutomaticMigrationsEnabled</a:t>
-            </a:r>
-            <a:r>
-              <a:rPr lang="en-US" dirty="0">
-                <a:solidFill>
-                  <a:schemeClr val="accent5">
-                    <a:lumMod val="20000"/>
-                    <a:lumOff val="80000"/>
-                  </a:schemeClr>
-                </a:solidFill>
-              </a:rPr>
-              <a:t> = true;</a:t>
-            </a:r>
-          </a:p>
-          <a:p>
-            <a:pPr lvl="1">
-              <a:spcBef>
-                <a:spcPts val="300"/>
-              </a:spcBef>
-              <a:spcAft>
-                <a:spcPts val="300"/>
-              </a:spcAft>
-            </a:pPr>
-            <a:r>
-              <a:rPr lang="en-US" dirty="0" smtClean="0"/>
-              <a:t>Code-based (providing full control)</a:t>
-            </a:r>
-          </a:p>
-          <a:p>
-            <a:pPr lvl="2">
-              <a:spcBef>
-                <a:spcPts val="300"/>
-              </a:spcBef>
-              <a:spcAft>
-                <a:spcPts val="300"/>
-              </a:spcAft>
-            </a:pPr>
-            <a:r>
-              <a:rPr lang="en-US" dirty="0" smtClean="0"/>
-              <a:t>Separate C# code file for every migration</a:t>
+              <a:t>We can configure automatic migration</a:t>
             </a:r>
             <a:endParaRPr lang="en-US" dirty="0"/>
           </a:p>
@@ -14799,372 +15178,6 @@
                 <a:defRPr/>
               </a:pPr>
               <a:t>26</a:t>
-            </a:fld>
-            <a:endParaRPr lang="en-US" dirty="0"/>
-          </a:p>
-        </p:txBody>
-      </p:sp>
-    </p:spTree>
-    <p:extLst>
-      <p:ext uri="{BB962C8B-B14F-4D97-AF65-F5344CB8AC3E}">
-        <p14:creationId xmlns:p14="http://schemas.microsoft.com/office/powerpoint/2010/main" val="1126588620"/>
-      </p:ext>
-    </p:extLst>
-  </p:cSld>
-  <p:clrMapOvr>
-    <a:masterClrMapping/>
-  </p:clrMapOvr>
-  <p:timing>
-    <p:tnLst>
-      <p:par>
-        <p:cTn id="1" dur="indefinite" restart="never" nodeType="tmRoot"/>
-      </p:par>
-    </p:tnLst>
-  </p:timing>
-</p:sld>
-</file>
-
-<file path=ppt/slides/slide27.xml><?xml version="1.0" encoding="utf-8"?>
-<p:sld xmlns:a="http://schemas.openxmlformats.org/drawingml/2006/main" xmlns:r="http://schemas.openxmlformats.org/officeDocument/2006/relationships" xmlns:p="http://schemas.openxmlformats.org/presentationml/2006/main">
-  <p:cSld>
-    <p:spTree>
-      <p:nvGrpSpPr>
-        <p:cNvPr id="1" name=""/>
-        <p:cNvGrpSpPr/>
-        <p:nvPr/>
-      </p:nvGrpSpPr>
-      <p:grpSpPr>
-        <a:xfrm>
-          <a:off x="0" y="0"/>
-          <a:ext cx="0" cy="0"/>
-          <a:chOff x="0" y="0"/>
-          <a:chExt cx="0" cy="0"/>
-        </a:xfrm>
-      </p:grpSpPr>
-      <p:sp>
-        <p:nvSpPr>
-          <p:cNvPr id="2" name="Title 1"/>
-          <p:cNvSpPr>
-            <a:spLocks noGrp="1"/>
-          </p:cNvSpPr>
-          <p:nvPr>
-            <p:ph type="title"/>
-          </p:nvPr>
-        </p:nvSpPr>
-        <p:spPr/>
-        <p:txBody>
-          <a:bodyPr/>
-          <a:lstStyle/>
-          <a:p>
-            <a:r>
-              <a:rPr lang="en-US" dirty="0" smtClean="0"/>
-              <a:t>Database Migration Strategies</a:t>
-            </a:r>
-            <a:endParaRPr lang="en-US" dirty="0"/>
-          </a:p>
-        </p:txBody>
-      </p:sp>
-      <p:sp>
-        <p:nvSpPr>
-          <p:cNvPr id="3" name="Content Placeholder 2"/>
-          <p:cNvSpPr>
-            <a:spLocks noGrp="1"/>
-          </p:cNvSpPr>
-          <p:nvPr>
-            <p:ph idx="1"/>
-          </p:nvPr>
-        </p:nvSpPr>
-        <p:spPr/>
-        <p:txBody>
-          <a:bodyPr/>
-          <a:lstStyle/>
-          <a:p>
-            <a:r>
-              <a:rPr lang="en-US" dirty="0" err="1">
-                <a:solidFill>
-                  <a:schemeClr val="accent5">
-                    <a:lumMod val="20000"/>
-                    <a:lumOff val="80000"/>
-                  </a:schemeClr>
-                </a:solidFill>
-              </a:rPr>
-              <a:t>CreateDatabaseIfNotExists</a:t>
-            </a:r>
-            <a:r>
-              <a:rPr lang="en-US" dirty="0" smtClean="0"/>
-              <a:t> (default)</a:t>
-            </a:r>
-          </a:p>
-          <a:p>
-            <a:r>
-              <a:rPr lang="en-US" dirty="0" err="1">
-                <a:solidFill>
-                  <a:schemeClr val="accent5">
-                    <a:lumMod val="20000"/>
-                    <a:lumOff val="80000"/>
-                  </a:schemeClr>
-                </a:solidFill>
-              </a:rPr>
-              <a:t>DropCreateDatabaseIfModelChanges</a:t>
-            </a:r>
-            <a:endParaRPr lang="en-US" dirty="0">
-              <a:solidFill>
-                <a:schemeClr val="accent5">
-                  <a:lumMod val="20000"/>
-                  <a:lumOff val="80000"/>
-                </a:schemeClr>
-              </a:solidFill>
-            </a:endParaRPr>
-          </a:p>
-          <a:p>
-            <a:pPr lvl="1"/>
-            <a:r>
-              <a:rPr lang="en-US" dirty="0" smtClean="0"/>
-              <a:t>We loose all the data when change the model</a:t>
-            </a:r>
-          </a:p>
-          <a:p>
-            <a:r>
-              <a:rPr lang="en-US" dirty="0" err="1">
-                <a:solidFill>
-                  <a:schemeClr val="accent5">
-                    <a:lumMod val="20000"/>
-                    <a:lumOff val="80000"/>
-                  </a:schemeClr>
-                </a:solidFill>
-              </a:rPr>
-              <a:t>DropCreateDatabaseAlways</a:t>
-            </a:r>
-            <a:endParaRPr lang="en-US" dirty="0">
-              <a:solidFill>
-                <a:schemeClr val="accent5">
-                  <a:lumMod val="20000"/>
-                  <a:lumOff val="80000"/>
-                </a:schemeClr>
-              </a:solidFill>
-            </a:endParaRPr>
-          </a:p>
-          <a:p>
-            <a:pPr lvl="1"/>
-            <a:r>
-              <a:rPr lang="en-US" dirty="0" smtClean="0"/>
-              <a:t>Great for automated integration testing</a:t>
-            </a:r>
-          </a:p>
-          <a:p>
-            <a:r>
-              <a:rPr lang="en-US" dirty="0" err="1">
-                <a:solidFill>
-                  <a:schemeClr val="accent5">
-                    <a:lumMod val="20000"/>
-                    <a:lumOff val="80000"/>
-                  </a:schemeClr>
-                </a:solidFill>
-              </a:rPr>
-              <a:t>MigrateDatabaseToLatestVersion</a:t>
-            </a:r>
-            <a:endParaRPr lang="en-US" dirty="0">
-              <a:solidFill>
-                <a:schemeClr val="accent5">
-                  <a:lumMod val="20000"/>
-                  <a:lumOff val="80000"/>
-                </a:schemeClr>
-              </a:solidFill>
-            </a:endParaRPr>
-          </a:p>
-          <a:p>
-            <a:pPr lvl="1"/>
-            <a:r>
-              <a:rPr lang="en-US" dirty="0" smtClean="0"/>
-              <a:t>This option uses our migrations</a:t>
-            </a:r>
-          </a:p>
-          <a:p>
-            <a:r>
-              <a:rPr lang="en-US" dirty="0" smtClean="0"/>
-              <a:t>We can implement </a:t>
-            </a:r>
-            <a:r>
-              <a:rPr lang="en-US" dirty="0" err="1">
-                <a:solidFill>
-                  <a:schemeClr val="accent5">
-                    <a:lumMod val="20000"/>
-                    <a:lumOff val="80000"/>
-                  </a:schemeClr>
-                </a:solidFill>
-              </a:rPr>
-              <a:t>IDatabaseInitializer</a:t>
-            </a:r>
-            <a:r>
-              <a:rPr lang="en-US" dirty="0" smtClean="0"/>
-              <a:t> if we want custom migration strategy</a:t>
-            </a:r>
-            <a:endParaRPr lang="en-US" dirty="0"/>
-          </a:p>
-        </p:txBody>
-      </p:sp>
-      <p:sp>
-        <p:nvSpPr>
-          <p:cNvPr id="4" name="Slide Number Placeholder 3"/>
-          <p:cNvSpPr>
-            <a:spLocks noGrp="1"/>
-          </p:cNvSpPr>
-          <p:nvPr>
-            <p:ph type="sldNum" sz="quarter" idx="10"/>
-          </p:nvPr>
-        </p:nvSpPr>
-        <p:spPr/>
-        <p:txBody>
-          <a:bodyPr/>
-          <a:lstStyle/>
-          <a:p>
-            <a:pPr>
-              <a:defRPr/>
-            </a:pPr>
-            <a:fld id="{58452FF4-89E3-4D1B-9927-2DBDC00E58D7}" type="slidenum">
-              <a:rPr lang="en-US" smtClean="0"/>
-              <a:pPr>
-                <a:defRPr/>
-              </a:pPr>
-              <a:t>27</a:t>
-            </a:fld>
-            <a:endParaRPr lang="en-US" dirty="0"/>
-          </a:p>
-        </p:txBody>
-      </p:sp>
-    </p:spTree>
-    <p:extLst>
-      <p:ext uri="{BB962C8B-B14F-4D97-AF65-F5344CB8AC3E}">
-        <p14:creationId xmlns:p14="http://schemas.microsoft.com/office/powerpoint/2010/main" val="3710439836"/>
-      </p:ext>
-    </p:extLst>
-  </p:cSld>
-  <p:clrMapOvr>
-    <a:masterClrMapping/>
-  </p:clrMapOvr>
-  <p:timing>
-    <p:tnLst>
-      <p:par>
-        <p:cTn id="1" dur="indefinite" restart="never" nodeType="tmRoot"/>
-      </p:par>
-    </p:tnLst>
-  </p:timing>
-</p:sld>
-</file>
-
-<file path=ppt/slides/slide28.xml><?xml version="1.0" encoding="utf-8"?>
-<p:sld xmlns:a="http://schemas.openxmlformats.org/drawingml/2006/main" xmlns:r="http://schemas.openxmlformats.org/officeDocument/2006/relationships" xmlns:p="http://schemas.openxmlformats.org/presentationml/2006/main">
-  <p:cSld>
-    <p:spTree>
-      <p:nvGrpSpPr>
-        <p:cNvPr id="1" name=""/>
-        <p:cNvGrpSpPr/>
-        <p:nvPr/>
-      </p:nvGrpSpPr>
-      <p:grpSpPr>
-        <a:xfrm>
-          <a:off x="0" y="0"/>
-          <a:ext cx="0" cy="0"/>
-          <a:chOff x="0" y="0"/>
-          <a:chExt cx="0" cy="0"/>
-        </a:xfrm>
-      </p:grpSpPr>
-      <p:sp>
-        <p:nvSpPr>
-          <p:cNvPr id="2" name="Title 1"/>
-          <p:cNvSpPr>
-            <a:spLocks noGrp="1"/>
-          </p:cNvSpPr>
-          <p:nvPr>
-            <p:ph type="title"/>
-          </p:nvPr>
-        </p:nvSpPr>
-        <p:spPr/>
-        <p:txBody>
-          <a:bodyPr/>
-          <a:lstStyle/>
-          <a:p>
-            <a:r>
-              <a:rPr lang="en-US" dirty="0" smtClean="0"/>
-              <a:t>Use Code First Migrations</a:t>
-            </a:r>
-            <a:endParaRPr lang="en-US" dirty="0"/>
-          </a:p>
-        </p:txBody>
-      </p:sp>
-      <p:sp>
-        <p:nvSpPr>
-          <p:cNvPr id="3" name="Content Placeholder 2"/>
-          <p:cNvSpPr>
-            <a:spLocks noGrp="1"/>
-          </p:cNvSpPr>
-          <p:nvPr>
-            <p:ph idx="1"/>
-          </p:nvPr>
-        </p:nvSpPr>
-        <p:spPr/>
-        <p:txBody>
-          <a:bodyPr/>
-          <a:lstStyle/>
-          <a:p>
-            <a:r>
-              <a:rPr lang="en-US" dirty="0" smtClean="0"/>
-              <a:t>First, enable code first migrations</a:t>
-            </a:r>
-          </a:p>
-          <a:p>
-            <a:r>
-              <a:rPr lang="en-US" dirty="0" smtClean="0"/>
-              <a:t>Second, we need to tell to Entity Framework to use our migrations with code (or </a:t>
-            </a:r>
-            <a:r>
-              <a:rPr lang="en-US" dirty="0" err="1" smtClean="0"/>
-              <a:t>app.config</a:t>
-            </a:r>
-            <a:r>
-              <a:rPr lang="en-US" dirty="0" smtClean="0"/>
-              <a:t>)</a:t>
-            </a:r>
-          </a:p>
-          <a:p>
-            <a:endParaRPr lang="en-US" dirty="0"/>
-          </a:p>
-          <a:p>
-            <a:endParaRPr lang="en-US" dirty="0" smtClean="0"/>
-          </a:p>
-          <a:p>
-            <a:r>
-              <a:rPr lang="en-US" dirty="0" smtClean="0"/>
-              <a:t>We can configure automatic migration</a:t>
-            </a:r>
-            <a:endParaRPr lang="en-US" dirty="0"/>
-          </a:p>
-        </p:txBody>
-      </p:sp>
-      <p:sp>
-        <p:nvSpPr>
-          <p:cNvPr id="4" name="Slide Number Placeholder 3"/>
-          <p:cNvSpPr>
-            <a:spLocks noGrp="1"/>
-          </p:cNvSpPr>
-          <p:nvPr>
-            <p:ph type="sldNum" sz="quarter" idx="10"/>
-          </p:nvPr>
-        </p:nvSpPr>
-        <p:spPr/>
-        <p:txBody>
-          <a:bodyPr/>
-          <a:lstStyle/>
-          <a:p>
-            <a:pPr>
-              <a:defRPr/>
-            </a:pPr>
-            <a:fld id="{58452FF4-89E3-4D1B-9927-2DBDC00E58D7}" type="slidenum">
-              <a:rPr lang="en-US" smtClean="0"/>
-              <a:pPr>
-                <a:defRPr/>
-              </a:pPr>
-              <a:t>28</a:t>
             </a:fld>
             <a:endParaRPr lang="en-US" dirty="0"/>
           </a:p>
@@ -15761,7 +15774,7 @@
 </p:sld>
 </file>
 
-<file path=ppt/slides/slide29.xml><?xml version="1.0" encoding="utf-8"?>
+<file path=ppt/slides/slide27.xml><?xml version="1.0" encoding="utf-8"?>
 <p:sld xmlns:a="http://schemas.openxmlformats.org/drawingml/2006/main" xmlns:r="http://schemas.openxmlformats.org/officeDocument/2006/relationships" xmlns:p="http://schemas.openxmlformats.org/presentationml/2006/main">
   <p:cSld>
     <p:spTree>
@@ -15883,7 +15896,7 @@
               <a:pPr>
                 <a:defRPr/>
               </a:pPr>
-              <a:t>29</a:t>
+              <a:t>27</a:t>
             </a:fld>
             <a:endParaRPr lang="en-US" dirty="0"/>
           </a:p>
@@ -16623,175 +16636,7 @@
 </p:sld>
 </file>
 
-<file path=ppt/slides/slide3.xml><?xml version="1.0" encoding="utf-8"?>
-<p:sld xmlns:a="http://schemas.openxmlformats.org/drawingml/2006/main" xmlns:r="http://schemas.openxmlformats.org/officeDocument/2006/relationships" xmlns:p="http://schemas.openxmlformats.org/presentationml/2006/main">
-  <p:cSld>
-    <p:spTree>
-      <p:nvGrpSpPr>
-        <p:cNvPr id="1" name=""/>
-        <p:cNvGrpSpPr/>
-        <p:nvPr/>
-      </p:nvGrpSpPr>
-      <p:grpSpPr>
-        <a:xfrm>
-          <a:off x="0" y="0"/>
-          <a:ext cx="0" cy="0"/>
-          <a:chOff x="0" y="0"/>
-          <a:chExt cx="0" cy="0"/>
-        </a:xfrm>
-      </p:grpSpPr>
-      <p:sp>
-        <p:nvSpPr>
-          <p:cNvPr id="2" name="Title 1"/>
-          <p:cNvSpPr>
-            <a:spLocks noGrp="1"/>
-          </p:cNvSpPr>
-          <p:nvPr>
-            <p:ph type="title"/>
-          </p:nvPr>
-        </p:nvSpPr>
-        <p:spPr/>
-        <p:txBody>
-          <a:bodyPr/>
-          <a:lstStyle/>
-          <a:p>
-            <a:r>
-              <a:rPr lang="en-US" dirty="0" smtClean="0"/>
-              <a:t>Modeling Workflow</a:t>
-            </a:r>
-            <a:endParaRPr lang="en-US" dirty="0"/>
-          </a:p>
-        </p:txBody>
-      </p:sp>
-      <p:sp>
-        <p:nvSpPr>
-          <p:cNvPr id="3" name="Content Placeholder 2"/>
-          <p:cNvSpPr>
-            <a:spLocks noGrp="1"/>
-          </p:cNvSpPr>
-          <p:nvPr>
-            <p:ph idx="1"/>
-          </p:nvPr>
-        </p:nvSpPr>
-        <p:spPr/>
-        <p:txBody>
-          <a:bodyPr/>
-          <a:lstStyle/>
-          <a:p>
-            <a:r>
-              <a:rPr lang="en-US" dirty="0" smtClean="0"/>
-              <a:t>Entity Framework supports three types of modeling workflow:</a:t>
-            </a:r>
-          </a:p>
-          <a:p>
-            <a:pPr lvl="1"/>
-            <a:r>
-              <a:rPr lang="en-US" dirty="0" smtClean="0"/>
-              <a:t>Database first</a:t>
-            </a:r>
-          </a:p>
-          <a:p>
-            <a:pPr lvl="2"/>
-            <a:r>
-              <a:rPr lang="en-US" dirty="0" smtClean="0"/>
-              <a:t>Create models as database tables</a:t>
-            </a:r>
-          </a:p>
-          <a:p>
-            <a:pPr lvl="2"/>
-            <a:r>
-              <a:rPr lang="en-US" dirty="0" smtClean="0"/>
-              <a:t>Use Management </a:t>
-            </a:r>
-            <a:r>
-              <a:rPr lang="en-US" dirty="0"/>
-              <a:t>S</a:t>
-            </a:r>
-            <a:r>
-              <a:rPr lang="en-US" dirty="0" smtClean="0"/>
-              <a:t>tudio or native SQL queries</a:t>
-            </a:r>
-          </a:p>
-          <a:p>
-            <a:pPr lvl="1"/>
-            <a:r>
-              <a:rPr lang="en-US" dirty="0" smtClean="0"/>
-              <a:t>Model first</a:t>
-            </a:r>
-          </a:p>
-          <a:p>
-            <a:pPr lvl="2"/>
-            <a:r>
-              <a:rPr lang="en-US" dirty="0" smtClean="0"/>
-              <a:t>Create models using visual EF designer in VS</a:t>
-            </a:r>
-          </a:p>
-          <a:p>
-            <a:pPr lvl="1"/>
-            <a:r>
-              <a:rPr lang="en-US" dirty="0" smtClean="0"/>
-              <a:t>Code first</a:t>
-            </a:r>
-          </a:p>
-          <a:p>
-            <a:pPr lvl="2"/>
-            <a:r>
-              <a:rPr lang="en-US" dirty="0" smtClean="0"/>
-              <a:t>Write models and combine them in DbContext</a:t>
-            </a:r>
-          </a:p>
-        </p:txBody>
-      </p:sp>
-      <p:sp>
-        <p:nvSpPr>
-          <p:cNvPr id="4" name="Slide Number Placeholder 3"/>
-          <p:cNvSpPr>
-            <a:spLocks noGrp="1"/>
-          </p:cNvSpPr>
-          <p:nvPr>
-            <p:ph type="sldNum" sz="quarter" idx="10"/>
-          </p:nvPr>
-        </p:nvSpPr>
-        <p:spPr/>
-        <p:txBody>
-          <a:bodyPr/>
-          <a:lstStyle/>
-          <a:p>
-            <a:pPr>
-              <a:defRPr/>
-            </a:pPr>
-            <a:fld id="{58452FF4-89E3-4D1B-9927-2DBDC00E58D7}" type="slidenum">
-              <a:rPr lang="en-US" smtClean="0"/>
-              <a:pPr>
-                <a:defRPr/>
-              </a:pPr>
-              <a:t>3</a:t>
-            </a:fld>
-            <a:endParaRPr lang="en-US" dirty="0"/>
-          </a:p>
-        </p:txBody>
-      </p:sp>
-    </p:spTree>
-    <p:extLst>
-      <p:ext uri="{BB962C8B-B14F-4D97-AF65-F5344CB8AC3E}">
-        <p14:creationId xmlns:p14="http://schemas.microsoft.com/office/powerpoint/2010/main" val="1918995967"/>
-      </p:ext>
-    </p:extLst>
-  </p:cSld>
-  <p:clrMapOvr>
-    <a:masterClrMapping/>
-  </p:clrMapOvr>
-  <p:timing>
-    <p:tnLst>
-      <p:par>
-        <p:cTn id="1" dur="indefinite" restart="never" nodeType="tmRoot"/>
-      </p:par>
-    </p:tnLst>
-  </p:timing>
-</p:sld>
-</file>
-
-<file path=ppt/slides/slide30.xml><?xml version="1.0" encoding="utf-8"?>
+<file path=ppt/slides/slide28.xml><?xml version="1.0" encoding="utf-8"?>
 <p:sld xmlns:a="http://schemas.openxmlformats.org/drawingml/2006/main" xmlns:r="http://schemas.openxmlformats.org/officeDocument/2006/relationships" xmlns:p="http://schemas.openxmlformats.org/presentationml/2006/main">
   <p:cSld>
     <p:spTree>
@@ -16906,7 +16751,7 @@
 </p:sld>
 </file>
 
-<file path=ppt/slides/slide31.xml><?xml version="1.0" encoding="utf-8"?>
+<file path=ppt/slides/slide29.xml><?xml version="1.0" encoding="utf-8"?>
 <p:sld xmlns:a="http://schemas.openxmlformats.org/drawingml/2006/main" xmlns:r="http://schemas.openxmlformats.org/officeDocument/2006/relationships" xmlns:p="http://schemas.openxmlformats.org/presentationml/2006/main">
   <p:cSld>
     <p:spTree>
@@ -17046,7 +16891,175 @@
 </p:sld>
 </file>
 
-<file path=ppt/slides/slide32.xml><?xml version="1.0" encoding="utf-8"?>
+<file path=ppt/slides/slide3.xml><?xml version="1.0" encoding="utf-8"?>
+<p:sld xmlns:a="http://schemas.openxmlformats.org/drawingml/2006/main" xmlns:r="http://schemas.openxmlformats.org/officeDocument/2006/relationships" xmlns:p="http://schemas.openxmlformats.org/presentationml/2006/main">
+  <p:cSld>
+    <p:spTree>
+      <p:nvGrpSpPr>
+        <p:cNvPr id="1" name=""/>
+        <p:cNvGrpSpPr/>
+        <p:nvPr/>
+      </p:nvGrpSpPr>
+      <p:grpSpPr>
+        <a:xfrm>
+          <a:off x="0" y="0"/>
+          <a:ext cx="0" cy="0"/>
+          <a:chOff x="0" y="0"/>
+          <a:chExt cx="0" cy="0"/>
+        </a:xfrm>
+      </p:grpSpPr>
+      <p:sp>
+        <p:nvSpPr>
+          <p:cNvPr id="2" name="Title 1"/>
+          <p:cNvSpPr>
+            <a:spLocks noGrp="1"/>
+          </p:cNvSpPr>
+          <p:nvPr>
+            <p:ph type="title"/>
+          </p:nvPr>
+        </p:nvSpPr>
+        <p:spPr/>
+        <p:txBody>
+          <a:bodyPr/>
+          <a:lstStyle/>
+          <a:p>
+            <a:r>
+              <a:rPr lang="en-US" dirty="0" smtClean="0"/>
+              <a:t>Modeling Workflow</a:t>
+            </a:r>
+            <a:endParaRPr lang="en-US" dirty="0"/>
+          </a:p>
+        </p:txBody>
+      </p:sp>
+      <p:sp>
+        <p:nvSpPr>
+          <p:cNvPr id="3" name="Content Placeholder 2"/>
+          <p:cNvSpPr>
+            <a:spLocks noGrp="1"/>
+          </p:cNvSpPr>
+          <p:nvPr>
+            <p:ph idx="1"/>
+          </p:nvPr>
+        </p:nvSpPr>
+        <p:spPr/>
+        <p:txBody>
+          <a:bodyPr/>
+          <a:lstStyle/>
+          <a:p>
+            <a:r>
+              <a:rPr lang="en-US" dirty="0" smtClean="0"/>
+              <a:t>Entity Framework supports three types of modeling workflow:</a:t>
+            </a:r>
+          </a:p>
+          <a:p>
+            <a:pPr lvl="1"/>
+            <a:r>
+              <a:rPr lang="en-US" dirty="0" smtClean="0"/>
+              <a:t>Database first</a:t>
+            </a:r>
+          </a:p>
+          <a:p>
+            <a:pPr lvl="2"/>
+            <a:r>
+              <a:rPr lang="en-US" dirty="0" smtClean="0"/>
+              <a:t>Create models as database tables</a:t>
+            </a:r>
+          </a:p>
+          <a:p>
+            <a:pPr lvl="2"/>
+            <a:r>
+              <a:rPr lang="en-US" dirty="0" smtClean="0"/>
+              <a:t>Use Management </a:t>
+            </a:r>
+            <a:r>
+              <a:rPr lang="en-US" dirty="0"/>
+              <a:t>S</a:t>
+            </a:r>
+            <a:r>
+              <a:rPr lang="en-US" dirty="0" smtClean="0"/>
+              <a:t>tudio or native SQL queries</a:t>
+            </a:r>
+          </a:p>
+          <a:p>
+            <a:pPr lvl="1"/>
+            <a:r>
+              <a:rPr lang="en-US" dirty="0" smtClean="0"/>
+              <a:t>Model first</a:t>
+            </a:r>
+          </a:p>
+          <a:p>
+            <a:pPr lvl="2"/>
+            <a:r>
+              <a:rPr lang="en-US" dirty="0" smtClean="0"/>
+              <a:t>Create models using visual EF designer in VS</a:t>
+            </a:r>
+          </a:p>
+          <a:p>
+            <a:pPr lvl="1"/>
+            <a:r>
+              <a:rPr lang="en-US" dirty="0" smtClean="0"/>
+              <a:t>Code first</a:t>
+            </a:r>
+          </a:p>
+          <a:p>
+            <a:pPr lvl="2"/>
+            <a:r>
+              <a:rPr lang="en-US" dirty="0" smtClean="0"/>
+              <a:t>Write models and combine them in DbContext</a:t>
+            </a:r>
+          </a:p>
+        </p:txBody>
+      </p:sp>
+      <p:sp>
+        <p:nvSpPr>
+          <p:cNvPr id="4" name="Slide Number Placeholder 3"/>
+          <p:cNvSpPr>
+            <a:spLocks noGrp="1"/>
+          </p:cNvSpPr>
+          <p:nvPr>
+            <p:ph type="sldNum" sz="quarter" idx="10"/>
+          </p:nvPr>
+        </p:nvSpPr>
+        <p:spPr/>
+        <p:txBody>
+          <a:bodyPr/>
+          <a:lstStyle/>
+          <a:p>
+            <a:pPr>
+              <a:defRPr/>
+            </a:pPr>
+            <a:fld id="{58452FF4-89E3-4D1B-9927-2DBDC00E58D7}" type="slidenum">
+              <a:rPr lang="en-US" smtClean="0"/>
+              <a:pPr>
+                <a:defRPr/>
+              </a:pPr>
+              <a:t>3</a:t>
+            </a:fld>
+            <a:endParaRPr lang="en-US" dirty="0"/>
+          </a:p>
+        </p:txBody>
+      </p:sp>
+    </p:spTree>
+    <p:extLst>
+      <p:ext uri="{BB962C8B-B14F-4D97-AF65-F5344CB8AC3E}">
+        <p14:creationId xmlns:p14="http://schemas.microsoft.com/office/powerpoint/2010/main" val="1918995967"/>
+      </p:ext>
+    </p:extLst>
+  </p:cSld>
+  <p:clrMapOvr>
+    <a:masterClrMapping/>
+  </p:clrMapOvr>
+  <p:timing>
+    <p:tnLst>
+      <p:par>
+        <p:cTn id="1" dur="indefinite" restart="never" nodeType="tmRoot"/>
+      </p:par>
+    </p:tnLst>
+  </p:timing>
+</p:sld>
+</file>
+
+<file path=ppt/slides/slide30.xml><?xml version="1.0" encoding="utf-8"?>
 <p:sld xmlns:a="http://schemas.openxmlformats.org/drawingml/2006/main" xmlns:r="http://schemas.openxmlformats.org/officeDocument/2006/relationships" xmlns:p="http://schemas.openxmlformats.org/presentationml/2006/main">
   <p:cSld>
     <p:spTree>
@@ -17199,7 +17212,7 @@
               <a:pPr>
                 <a:defRPr/>
               </a:pPr>
-              <a:t>32</a:t>
+              <a:t>30</a:t>
             </a:fld>
             <a:endParaRPr lang="en-US" dirty="0"/>
           </a:p>
@@ -17273,7 +17286,7 @@
 </p:sld>
 </file>
 
-<file path=ppt/slides/slide33.xml><?xml version="1.0" encoding="utf-8"?>
+<file path=ppt/slides/slide31.xml><?xml version="1.0" encoding="utf-8"?>
 <p:sld xmlns:a="http://schemas.openxmlformats.org/drawingml/2006/main" xmlns:r="http://schemas.openxmlformats.org/officeDocument/2006/relationships" xmlns:p="http://schemas.openxmlformats.org/presentationml/2006/main">
   <p:cSld>
     <p:spTree>
@@ -17829,7 +17842,7 @@
               <a:t>NotMapped</a:t>
             </a:r>
             <a:r>
-              <a:rPr lang="en-US" dirty="0">
+              <a:rPr lang="en-US" dirty="0" smtClean="0">
                 <a:solidFill>
                   <a:schemeClr val="accent5">
                     <a:lumMod val="20000"/>
@@ -17837,8 +17850,16 @@
                   </a:schemeClr>
                 </a:solidFill>
               </a:rPr>
-              <a:t>]</a:t>
-            </a:r>
+              <a:t>], [Index]</a:t>
+            </a:r>
+            <a:endParaRPr lang="en-US" dirty="0">
+              <a:solidFill>
+                <a:schemeClr val="accent5">
+                  <a:lumMod val="20000"/>
+                  <a:lumOff val="80000"/>
+                </a:schemeClr>
+              </a:solidFill>
+            </a:endParaRPr>
           </a:p>
           <a:p>
             <a:pPr>
@@ -17879,7 +17900,7 @@
               <a:pPr>
                 <a:defRPr/>
               </a:pPr>
-              <a:t>33</a:t>
+              <a:t>31</a:t>
             </a:fld>
             <a:endParaRPr lang="en-US" dirty="0"/>
           </a:p>
@@ -17905,7 +17926,7 @@
 </p:sld>
 </file>
 
-<file path=ppt/slides/slide34.xml><?xml version="1.0" encoding="utf-8"?>
+<file path=ppt/slides/slide32.xml><?xml version="1.0" encoding="utf-8"?>
 <p:sld xmlns:a="http://schemas.openxmlformats.org/drawingml/2006/main" xmlns:r="http://schemas.openxmlformats.org/officeDocument/2006/relationships" xmlns:p="http://schemas.openxmlformats.org/presentationml/2006/main">
   <p:cSld>
     <p:spTree>
@@ -18021,7 +18042,7 @@
               <a:pPr>
                 <a:defRPr/>
               </a:pPr>
-              <a:t>34</a:t>
+              <a:t>32</a:t>
             </a:fld>
             <a:endParaRPr lang="en-US" dirty="0"/>
           </a:p>
@@ -18334,7 +18355,7 @@
 </p:sld>
 </file>
 
-<file path=ppt/slides/slide35.xml><?xml version="1.0" encoding="utf-8"?>
+<file path=ppt/slides/slide33.xml><?xml version="1.0" encoding="utf-8"?>
 <p:sld xmlns:a="http://schemas.openxmlformats.org/drawingml/2006/main" xmlns:r="http://schemas.openxmlformats.org/officeDocument/2006/relationships" xmlns:p="http://schemas.openxmlformats.org/presentationml/2006/main">
   <p:cSld>
     <p:spTree>
@@ -18565,7 +18586,7 @@
               <a:pPr>
                 <a:defRPr/>
               </a:pPr>
-              <a:t>35</a:t>
+              <a:t>33</a:t>
             </a:fld>
             <a:endParaRPr lang="en-US" dirty="0"/>
           </a:p>
@@ -18591,7 +18612,7 @@
 </p:sld>
 </file>
 
-<file path=ppt/slides/slide36.xml><?xml version="1.0" encoding="utf-8"?>
+<file path=ppt/slides/slide34.xml><?xml version="1.0" encoding="utf-8"?>
 <p:sld xmlns:a="http://schemas.openxmlformats.org/drawingml/2006/main" xmlns:r="http://schemas.openxmlformats.org/officeDocument/2006/relationships" xmlns:p="http://schemas.openxmlformats.org/presentationml/2006/main">
   <p:cSld>
     <p:spTree>
@@ -18701,6 +18722,652 @@
 </p:sld>
 </file>
 
+<file path=ppt/slides/slide35.xml><?xml version="1.0" encoding="utf-8"?>
+<p:sld xmlns:a="http://schemas.openxmlformats.org/drawingml/2006/main" xmlns:r="http://schemas.openxmlformats.org/officeDocument/2006/relationships" xmlns:p="http://schemas.openxmlformats.org/presentationml/2006/main">
+  <p:cSld>
+    <p:spTree>
+      <p:nvGrpSpPr>
+        <p:cNvPr id="1" name=""/>
+        <p:cNvGrpSpPr/>
+        <p:nvPr/>
+      </p:nvGrpSpPr>
+      <p:grpSpPr>
+        <a:xfrm>
+          <a:off x="0" y="0"/>
+          <a:ext cx="0" cy="0"/>
+          <a:chOff x="0" y="0"/>
+          <a:chExt cx="0" cy="0"/>
+        </a:xfrm>
+      </p:grpSpPr>
+      <p:sp>
+        <p:nvSpPr>
+          <p:cNvPr id="2" name="Title 1"/>
+          <p:cNvSpPr>
+            <a:spLocks noGrp="1"/>
+          </p:cNvSpPr>
+          <p:nvPr>
+            <p:ph type="ctrTitle"/>
+          </p:nvPr>
+        </p:nvSpPr>
+        <p:spPr>
+          <a:xfrm>
+            <a:off x="1397661" y="1066800"/>
+            <a:ext cx="6402467" cy="1371599"/>
+          </a:xfrm>
+        </p:spPr>
+        <p:txBody>
+          <a:bodyPr>
+            <a:normAutofit/>
+          </a:bodyPr>
+          <a:lstStyle/>
+          <a:p>
+            <a:pPr>
+              <a:lnSpc>
+                <a:spcPts val="5400"/>
+              </a:lnSpc>
+            </a:pPr>
+            <a:r>
+              <a:rPr lang="en-US" b="1" dirty="0" err="1" smtClean="0"/>
+              <a:t>LINQPad</a:t>
+            </a:r>
+            <a:endParaRPr lang="en-US" b="1" dirty="0"/>
+          </a:p>
+        </p:txBody>
+      </p:sp>
+      <p:pic>
+        <p:nvPicPr>
+          <p:cNvPr id="1026" name="Picture 2" descr="LINQPad"/>
+          <p:cNvPicPr>
+            <a:picLocks noChangeAspect="1" noChangeArrowheads="1"/>
+          </p:cNvPicPr>
+          <p:nvPr/>
+        </p:nvPicPr>
+        <p:blipFill>
+          <a:blip r:embed="rId2">
+            <a:extLst>
+              <a:ext uri="{28A0092B-C50C-407E-A947-70E740481C1C}">
+                <a14:useLocalDpi xmlns:a14="http://schemas.microsoft.com/office/drawing/2010/main" val="0"/>
+              </a:ext>
+            </a:extLst>
+          </a:blip>
+          <a:srcRect/>
+          <a:stretch>
+            <a:fillRect/>
+          </a:stretch>
+        </p:blipFill>
+        <p:spPr bwMode="auto">
+          <a:xfrm>
+            <a:off x="2891119" y="2514600"/>
+            <a:ext cx="3352800" cy="3223846"/>
+          </a:xfrm>
+          <a:prstGeom prst="roundRect">
+            <a:avLst/>
+          </a:prstGeom>
+          <a:noFill/>
+          <a:extLst>
+            <a:ext uri="{909E8E84-426E-40DD-AFC4-6F175D3DCCD1}">
+              <a14:hiddenFill xmlns:a14="http://schemas.microsoft.com/office/drawing/2010/main">
+                <a:solidFill>
+                  <a:srgbClr val="FFFFFF"/>
+                </a:solidFill>
+              </a14:hiddenFill>
+            </a:ext>
+          </a:extLst>
+        </p:spPr>
+      </p:pic>
+    </p:spTree>
+    <p:extLst>
+      <p:ext uri="{BB962C8B-B14F-4D97-AF65-F5344CB8AC3E}">
+        <p14:creationId xmlns:p14="http://schemas.microsoft.com/office/powerpoint/2010/main" val="288728695"/>
+      </p:ext>
+    </p:extLst>
+  </p:cSld>
+  <p:clrMapOvr>
+    <a:masterClrMapping/>
+  </p:clrMapOvr>
+  <mc:AlternateContent xmlns:mc="http://schemas.openxmlformats.org/markup-compatibility/2006" xmlns:p14="http://schemas.microsoft.com/office/powerpoint/2010/main">
+    <mc:Choice Requires="p14">
+      <p:transition spd="med" p14:dur="700">
+        <p:fade/>
+      </p:transition>
+    </mc:Choice>
+    <mc:Fallback xmlns="">
+      <p:transition spd="med">
+        <p:fade/>
+      </p:transition>
+    </mc:Fallback>
+  </mc:AlternateContent>
+  <p:timing>
+    <p:tnLst>
+      <p:par>
+        <p:cTn id="1" dur="indefinite" restart="never" nodeType="tmRoot"/>
+      </p:par>
+    </p:tnLst>
+  </p:timing>
+</p:sld>
+</file>
+
+<file path=ppt/slides/slide36.xml><?xml version="1.0" encoding="utf-8"?>
+<p:sld xmlns:a="http://schemas.openxmlformats.org/drawingml/2006/main" xmlns:r="http://schemas.openxmlformats.org/officeDocument/2006/relationships" xmlns:p="http://schemas.openxmlformats.org/presentationml/2006/main">
+  <p:cSld>
+    <p:spTree>
+      <p:nvGrpSpPr>
+        <p:cNvPr id="1" name=""/>
+        <p:cNvGrpSpPr/>
+        <p:nvPr/>
+      </p:nvGrpSpPr>
+      <p:grpSpPr>
+        <a:xfrm>
+          <a:off x="0" y="0"/>
+          <a:ext cx="0" cy="0"/>
+          <a:chOff x="0" y="0"/>
+          <a:chExt cx="0" cy="0"/>
+        </a:xfrm>
+      </p:grpSpPr>
+      <p:sp>
+        <p:nvSpPr>
+          <p:cNvPr id="2" name="Title 1"/>
+          <p:cNvSpPr>
+            <a:spLocks noGrp="1"/>
+          </p:cNvSpPr>
+          <p:nvPr>
+            <p:ph type="title"/>
+          </p:nvPr>
+        </p:nvSpPr>
+        <p:spPr/>
+        <p:txBody>
+          <a:bodyPr/>
+          <a:lstStyle/>
+          <a:p>
+            <a:r>
+              <a:rPr lang="en-US" dirty="0" err="1" smtClean="0"/>
+              <a:t>LINQPad</a:t>
+            </a:r>
+            <a:endParaRPr lang="en-US" dirty="0"/>
+          </a:p>
+        </p:txBody>
+      </p:sp>
+      <p:sp>
+        <p:nvSpPr>
+          <p:cNvPr id="4" name="Slide Number Placeholder 3"/>
+          <p:cNvSpPr>
+            <a:spLocks noGrp="1"/>
+          </p:cNvSpPr>
+          <p:nvPr>
+            <p:ph type="sldNum" sz="quarter" idx="10"/>
+          </p:nvPr>
+        </p:nvSpPr>
+        <p:spPr/>
+        <p:txBody>
+          <a:bodyPr/>
+          <a:lstStyle/>
+          <a:p>
+            <a:pPr>
+              <a:defRPr/>
+            </a:pPr>
+            <a:fld id="{58452FF4-89E3-4D1B-9927-2DBDC00E58D7}" type="slidenum">
+              <a:rPr lang="en-US" smtClean="0"/>
+              <a:pPr>
+                <a:defRPr/>
+              </a:pPr>
+              <a:t>36</a:t>
+            </a:fld>
+            <a:endParaRPr lang="en-US" dirty="0"/>
+          </a:p>
+        </p:txBody>
+      </p:sp>
+      <p:sp>
+        <p:nvSpPr>
+          <p:cNvPr id="6" name="Content Placeholder 2"/>
+          <p:cNvSpPr txBox="1">
+            <a:spLocks/>
+          </p:cNvSpPr>
+          <p:nvPr/>
+        </p:nvSpPr>
+        <p:spPr>
+          <a:xfrm>
+            <a:off x="381000" y="1143000"/>
+            <a:ext cx="8686800" cy="5410200"/>
+          </a:xfrm>
+          <a:prstGeom prst="rect">
+            <a:avLst/>
+          </a:prstGeom>
+        </p:spPr>
+        <p:txBody>
+          <a:bodyPr>
+            <a:normAutofit/>
+          </a:bodyPr>
+          <a:lstStyle>
+            <a:lvl1pPr marL="282575" indent="-282575" algn="l" rtl="0" eaLnBrk="0" fontAlgn="base" hangingPunct="0">
+              <a:lnSpc>
+                <a:spcPct val="105000"/>
+              </a:lnSpc>
+              <a:spcBef>
+                <a:spcPts val="600"/>
+              </a:spcBef>
+              <a:spcAft>
+                <a:spcPts val="600"/>
+              </a:spcAft>
+              <a:buClr>
+                <a:schemeClr val="accent5">
+                  <a:lumMod val="40000"/>
+                  <a:lumOff val="60000"/>
+                </a:schemeClr>
+              </a:buClr>
+              <a:buSzPct val="70000"/>
+              <a:buFont typeface="Wingdings 2" pitchFamily="18" charset="2"/>
+              <a:buChar char=""/>
+              <a:tabLst>
+                <a:tab pos="282575" algn="l"/>
+              </a:tabLst>
+              <a:defRPr sz="3200" b="1" kern="1200">
+                <a:solidFill>
+                  <a:srgbClr val="EBFFD2"/>
+                </a:solidFill>
+                <a:effectLst>
+                  <a:outerShdw blurRad="38100" dist="38100" dir="2700000" algn="tl">
+                    <a:srgbClr val="000000">
+                      <a:alpha val="43137"/>
+                    </a:srgbClr>
+                  </a:outerShdw>
+                </a:effectLst>
+                <a:latin typeface="+mn-lt"/>
+                <a:ea typeface="+mn-ea"/>
+                <a:cs typeface="+mn-cs"/>
+              </a:defRPr>
+            </a:lvl1pPr>
+            <a:lvl2pPr marL="630238" indent="-273050" algn="l" rtl="0" eaLnBrk="0" fontAlgn="base" hangingPunct="0">
+              <a:lnSpc>
+                <a:spcPct val="105000"/>
+              </a:lnSpc>
+              <a:spcBef>
+                <a:spcPts val="600"/>
+              </a:spcBef>
+              <a:spcAft>
+                <a:spcPts val="600"/>
+              </a:spcAft>
+              <a:buClr>
+                <a:srgbClr val="8FD600"/>
+              </a:buClr>
+              <a:buFont typeface="Wingdings 2" pitchFamily="18" charset="2"/>
+              <a:buChar char=""/>
+              <a:defRPr sz="3000" b="1" kern="1200">
+                <a:solidFill>
+                  <a:schemeClr val="tx1">
+                    <a:lumMod val="40000"/>
+                    <a:lumOff val="60000"/>
+                  </a:schemeClr>
+                </a:solidFill>
+                <a:effectLst>
+                  <a:outerShdw blurRad="38100" dist="38100" dir="2700000" algn="tl">
+                    <a:srgbClr val="000000">
+                      <a:alpha val="43137"/>
+                    </a:srgbClr>
+                  </a:outerShdw>
+                </a:effectLst>
+                <a:latin typeface="+mn-lt"/>
+                <a:ea typeface="+mn-ea"/>
+                <a:cs typeface="+mn-cs"/>
+              </a:defRPr>
+            </a:lvl2pPr>
+            <a:lvl3pPr marL="922338" indent="-273050" algn="l" rtl="0" eaLnBrk="0" fontAlgn="base" hangingPunct="0">
+              <a:lnSpc>
+                <a:spcPct val="105000"/>
+              </a:lnSpc>
+              <a:spcBef>
+                <a:spcPts val="600"/>
+              </a:spcBef>
+              <a:spcAft>
+                <a:spcPts val="600"/>
+              </a:spcAft>
+              <a:buClr>
+                <a:srgbClr val="FFAD9F"/>
+              </a:buClr>
+              <a:buFont typeface="Wingdings 2" pitchFamily="18" charset="2"/>
+              <a:buChar char=""/>
+              <a:defRPr sz="2800" b="1" kern="1200">
+                <a:solidFill>
+                  <a:srgbClr val="F5FFC2"/>
+                </a:solidFill>
+                <a:effectLst>
+                  <a:outerShdw blurRad="38100" dist="38100" dir="2700000" algn="tl">
+                    <a:srgbClr val="000000">
+                      <a:alpha val="43137"/>
+                    </a:srgbClr>
+                  </a:outerShdw>
+                </a:effectLst>
+                <a:latin typeface="+mn-lt"/>
+                <a:ea typeface="+mn-ea"/>
+                <a:cs typeface="+mn-cs"/>
+              </a:defRPr>
+            </a:lvl3pPr>
+            <a:lvl4pPr marL="1187450" indent="-228600" algn="l" rtl="0" eaLnBrk="0" fontAlgn="base" hangingPunct="0">
+              <a:lnSpc>
+                <a:spcPct val="105000"/>
+              </a:lnSpc>
+              <a:spcBef>
+                <a:spcPts val="600"/>
+              </a:spcBef>
+              <a:spcAft>
+                <a:spcPts val="600"/>
+              </a:spcAft>
+              <a:buClr>
+                <a:srgbClr val="FACF82"/>
+              </a:buClr>
+              <a:buFont typeface="Wingdings 2" pitchFamily="18" charset="2"/>
+              <a:buChar char=""/>
+              <a:defRPr sz="2600" b="1" kern="1200">
+                <a:solidFill>
+                  <a:schemeClr val="tx1">
+                    <a:lumMod val="40000"/>
+                    <a:lumOff val="60000"/>
+                  </a:schemeClr>
+                </a:solidFill>
+                <a:effectLst>
+                  <a:outerShdw blurRad="38100" dist="38100" dir="2700000" algn="tl">
+                    <a:srgbClr val="000000">
+                      <a:alpha val="43137"/>
+                    </a:srgbClr>
+                  </a:outerShdw>
+                </a:effectLst>
+                <a:latin typeface="+mn-lt"/>
+                <a:ea typeface="+mn-ea"/>
+                <a:cs typeface="+mn-cs"/>
+              </a:defRPr>
+            </a:lvl4pPr>
+            <a:lvl5pPr marL="1425575" indent="-228600" algn="l" rtl="0" eaLnBrk="0" fontAlgn="base" hangingPunct="0">
+              <a:lnSpc>
+                <a:spcPct val="105000"/>
+              </a:lnSpc>
+              <a:spcBef>
+                <a:spcPts val="600"/>
+              </a:spcBef>
+              <a:spcAft>
+                <a:spcPts val="600"/>
+              </a:spcAft>
+              <a:buClr>
+                <a:srgbClr val="46A6BD"/>
+              </a:buClr>
+              <a:buFont typeface="Wingdings 2" pitchFamily="18" charset="2"/>
+              <a:buChar char=""/>
+              <a:defRPr sz="2400" b="1" kern="1200">
+                <a:solidFill>
+                  <a:schemeClr val="tx1">
+                    <a:lumMod val="40000"/>
+                    <a:lumOff val="60000"/>
+                  </a:schemeClr>
+                </a:solidFill>
+                <a:effectLst>
+                  <a:outerShdw blurRad="38100" dist="38100" dir="2700000" algn="tl">
+                    <a:srgbClr val="000000">
+                      <a:alpha val="43137"/>
+                    </a:srgbClr>
+                  </a:outerShdw>
+                </a:effectLst>
+                <a:latin typeface="+mn-lt"/>
+                <a:ea typeface="+mn-ea"/>
+                <a:cs typeface="+mn-cs"/>
+              </a:defRPr>
+            </a:lvl5pPr>
+            <a:lvl6pPr marL="1673352" indent="-228600" algn="l" rtl="0" eaLnBrk="1" latinLnBrk="0" hangingPunct="1">
+              <a:spcBef>
+                <a:spcPct val="20000"/>
+              </a:spcBef>
+              <a:buClr>
+                <a:schemeClr val="accent6"/>
+              </a:buClr>
+              <a:buFont typeface="Wingdings 2"/>
+              <a:buChar char=""/>
+              <a:defRPr sz="1800" kern="1200">
+                <a:solidFill>
+                  <a:schemeClr val="tx1"/>
+                </a:solidFill>
+                <a:latin typeface="+mn-lt"/>
+                <a:ea typeface="+mn-ea"/>
+                <a:cs typeface="+mn-cs"/>
+              </a:defRPr>
+            </a:lvl6pPr>
+            <a:lvl7pPr marL="1911096" indent="-228600" algn="l" rtl="0" eaLnBrk="1" latinLnBrk="0" hangingPunct="1">
+              <a:spcBef>
+                <a:spcPct val="20000"/>
+              </a:spcBef>
+              <a:buClr>
+                <a:schemeClr val="tx2"/>
+              </a:buClr>
+              <a:buFont typeface="Wingdings 2"/>
+              <a:buChar char=""/>
+              <a:defRPr sz="1600" kern="1200">
+                <a:solidFill>
+                  <a:schemeClr val="tx1"/>
+                </a:solidFill>
+                <a:latin typeface="+mn-lt"/>
+                <a:ea typeface="+mn-ea"/>
+                <a:cs typeface="+mn-cs"/>
+              </a:defRPr>
+            </a:lvl7pPr>
+            <a:lvl8pPr marL="2121408" indent="-182880" algn="l" rtl="0" eaLnBrk="1" latinLnBrk="0" hangingPunct="1">
+              <a:spcBef>
+                <a:spcPct val="20000"/>
+              </a:spcBef>
+              <a:buClr>
+                <a:schemeClr val="tx2"/>
+              </a:buClr>
+              <a:buFont typeface="Wingdings 2"/>
+              <a:buChar char=""/>
+              <a:defRPr sz="1400" kern="1200">
+                <a:solidFill>
+                  <a:schemeClr val="tx1"/>
+                </a:solidFill>
+                <a:latin typeface="+mn-lt"/>
+                <a:ea typeface="+mn-ea"/>
+                <a:cs typeface="+mn-cs"/>
+              </a:defRPr>
+            </a:lvl8pPr>
+            <a:lvl9pPr marL="2322576" indent="-182880" algn="l" rtl="0" eaLnBrk="1" latinLnBrk="0" hangingPunct="1">
+              <a:spcBef>
+                <a:spcPct val="20000"/>
+              </a:spcBef>
+              <a:buClr>
+                <a:schemeClr val="tx2"/>
+              </a:buClr>
+              <a:buFont typeface="Wingdings 2"/>
+              <a:buChar char=""/>
+              <a:defRPr sz="1400" kern="1200">
+                <a:solidFill>
+                  <a:schemeClr val="tx1"/>
+                </a:solidFill>
+                <a:latin typeface="+mn-lt"/>
+                <a:ea typeface="+mn-ea"/>
+                <a:cs typeface="+mn-cs"/>
+              </a:defRPr>
+            </a:lvl9pPr>
+          </a:lstStyle>
+          <a:p>
+            <a:pPr>
+              <a:lnSpc>
+                <a:spcPct val="100000"/>
+              </a:lnSpc>
+              <a:spcBef>
+                <a:spcPts val="1800"/>
+              </a:spcBef>
+              <a:spcAft>
+                <a:spcPts val="1800"/>
+              </a:spcAft>
+            </a:pPr>
+            <a:r>
+              <a:rPr lang="en-US" sz="2800" dirty="0"/>
+              <a:t>Download from: </a:t>
+            </a:r>
+            <a:r>
+              <a:rPr lang="en-US" sz="2800" dirty="0">
+                <a:hlinkClick r:id="rId2"/>
+              </a:rPr>
+              <a:t>http://www.linqpad.net</a:t>
+            </a:r>
+            <a:r>
+              <a:rPr lang="en-US" sz="2800" dirty="0" smtClean="0">
+                <a:hlinkClick r:id="rId2"/>
+              </a:rPr>
+              <a:t>/</a:t>
+            </a:r>
+            <a:r>
+              <a:rPr lang="en-US" sz="2800" dirty="0" smtClean="0"/>
+              <a:t> </a:t>
+            </a:r>
+          </a:p>
+          <a:p>
+            <a:pPr>
+              <a:lnSpc>
+                <a:spcPct val="100000"/>
+              </a:lnSpc>
+              <a:spcBef>
+                <a:spcPts val="1800"/>
+              </a:spcBef>
+              <a:spcAft>
+                <a:spcPts val="1800"/>
+              </a:spcAft>
+            </a:pPr>
+            <a:r>
+              <a:rPr lang="en-US" sz="2800" dirty="0" smtClean="0"/>
+              <a:t>Supports native C# 5.0</a:t>
+            </a:r>
+          </a:p>
+          <a:p>
+            <a:pPr>
+              <a:lnSpc>
+                <a:spcPct val="100000"/>
+              </a:lnSpc>
+              <a:spcBef>
+                <a:spcPts val="1800"/>
+              </a:spcBef>
+              <a:spcAft>
+                <a:spcPts val="1800"/>
+              </a:spcAft>
+            </a:pPr>
+            <a:r>
+              <a:rPr lang="en-US" sz="2800" dirty="0" smtClean="0"/>
+              <a:t>Translates it to SQL, XML, Objects</a:t>
+            </a:r>
+          </a:p>
+          <a:p>
+            <a:pPr>
+              <a:lnSpc>
+                <a:spcPct val="100000"/>
+              </a:lnSpc>
+              <a:spcBef>
+                <a:spcPts val="1800"/>
+              </a:spcBef>
+              <a:spcAft>
+                <a:spcPts val="1800"/>
+              </a:spcAft>
+            </a:pPr>
+            <a:r>
+              <a:rPr lang="en-US" sz="2800" dirty="0" smtClean="0"/>
+              <a:t>Understands LINQ</a:t>
+            </a:r>
+          </a:p>
+          <a:p>
+            <a:pPr>
+              <a:lnSpc>
+                <a:spcPct val="100000"/>
+              </a:lnSpc>
+              <a:spcBef>
+                <a:spcPts val="1800"/>
+              </a:spcBef>
+              <a:spcAft>
+                <a:spcPts val="1800"/>
+              </a:spcAft>
+            </a:pPr>
+            <a:r>
+              <a:rPr lang="en-US" sz="2800" dirty="0" smtClean="0"/>
+              <a:t>Free and paid version</a:t>
+            </a:r>
+          </a:p>
+          <a:p>
+            <a:pPr>
+              <a:lnSpc>
+                <a:spcPct val="100000"/>
+              </a:lnSpc>
+              <a:spcBef>
+                <a:spcPts val="1800"/>
+              </a:spcBef>
+              <a:spcAft>
+                <a:spcPts val="1800"/>
+              </a:spcAft>
+            </a:pPr>
+            <a:endParaRPr lang="en-US" sz="2800" dirty="0" smtClean="0"/>
+          </a:p>
+          <a:p>
+            <a:pPr>
+              <a:lnSpc>
+                <a:spcPct val="100000"/>
+              </a:lnSpc>
+            </a:pPr>
+            <a:endParaRPr lang="en-US" sz="2800" dirty="0"/>
+          </a:p>
+        </p:txBody>
+      </p:sp>
+      <p:pic>
+        <p:nvPicPr>
+          <p:cNvPr id="3074" name="Picture 2" descr="http://sharepoint.mindsharpblogs.com/NancyB/Lists/Photos/ILoveLINQPad.png"/>
+          <p:cNvPicPr>
+            <a:picLocks noChangeAspect="1" noChangeArrowheads="1"/>
+          </p:cNvPicPr>
+          <p:nvPr/>
+        </p:nvPicPr>
+        <p:blipFill>
+          <a:blip r:embed="rId3">
+            <a:extLst>
+              <a:ext uri="{28A0092B-C50C-407E-A947-70E740481C1C}">
+                <a14:useLocalDpi xmlns:a14="http://schemas.microsoft.com/office/drawing/2010/main" val="0"/>
+              </a:ext>
+            </a:extLst>
+          </a:blip>
+          <a:srcRect/>
+          <a:stretch>
+            <a:fillRect/>
+          </a:stretch>
+        </p:blipFill>
+        <p:spPr bwMode="auto">
+          <a:xfrm>
+            <a:off x="4876800" y="3836226"/>
+            <a:ext cx="3805619" cy="2526766"/>
+          </a:xfrm>
+          <a:prstGeom prst="rect">
+            <a:avLst/>
+          </a:prstGeom>
+          <a:noFill/>
+          <a:extLst>
+            <a:ext uri="{909E8E84-426E-40DD-AFC4-6F175D3DCCD1}">
+              <a14:hiddenFill xmlns:a14="http://schemas.microsoft.com/office/drawing/2010/main">
+                <a:solidFill>
+                  <a:srgbClr val="FFFFFF"/>
+                </a:solidFill>
+              </a14:hiddenFill>
+            </a:ext>
+          </a:extLst>
+        </p:spPr>
+      </p:pic>
+    </p:spTree>
+    <p:extLst>
+      <p:ext uri="{BB962C8B-B14F-4D97-AF65-F5344CB8AC3E}">
+        <p14:creationId xmlns:p14="http://schemas.microsoft.com/office/powerpoint/2010/main" val="315512650"/>
+      </p:ext>
+    </p:extLst>
+  </p:cSld>
+  <p:clrMapOvr>
+    <a:masterClrMapping/>
+  </p:clrMapOvr>
+  <p:timing>
+    <p:tnLst>
+      <p:par>
+        <p:cTn id="1" dur="indefinite" restart="never" nodeType="tmRoot"/>
+      </p:par>
+    </p:tnLst>
+  </p:timing>
+</p:sld>
+</file>
+
 <file path=ppt/slides/slide37.xml><?xml version="1.0" encoding="utf-8"?>
 <p:sld xmlns:a="http://schemas.openxmlformats.org/drawingml/2006/main" xmlns:r="http://schemas.openxmlformats.org/officeDocument/2006/relationships" xmlns:p="http://schemas.openxmlformats.org/presentationml/2006/main">
   <p:cSld>
@@ -18720,71 +19387,106 @@
       </p:grpSpPr>
       <p:sp>
         <p:nvSpPr>
-          <p:cNvPr id="5" name="Title 4"/>
+          <p:cNvPr id="2" name="Title 1"/>
           <p:cNvSpPr>
             <a:spLocks noGrp="1"/>
           </p:cNvSpPr>
           <p:nvPr>
-            <p:ph type="title"/>
+            <p:ph type="ctrTitle"/>
           </p:nvPr>
         </p:nvSpPr>
         <p:spPr>
           <a:xfrm>
-            <a:off x="2057400" y="76200"/>
-            <a:ext cx="6934200" cy="838200"/>
+            <a:off x="914400" y="1066799"/>
+            <a:ext cx="7317105" cy="1219201"/>
           </a:xfrm>
         </p:spPr>
         <p:txBody>
-          <a:bodyPr/>
+          <a:bodyPr>
+            <a:normAutofit/>
+          </a:bodyPr>
           <a:lstStyle/>
           <a:p>
-            <a:r>
-              <a:rPr lang="en-US" dirty="0"/>
-              <a:t>Entity Framework Code First</a:t>
-            </a:r>
+            <a:pPr>
+              <a:lnSpc>
+                <a:spcPts val="5400"/>
+              </a:lnSpc>
+            </a:pPr>
+            <a:r>
+              <a:rPr lang="en-US" b="1" dirty="0" smtClean="0"/>
+              <a:t>Demo: </a:t>
+            </a:r>
+            <a:r>
+              <a:rPr lang="en-US" b="1" dirty="0" smtClean="0"/>
+              <a:t>LINQ Pad</a:t>
+            </a:r>
+            <a:endParaRPr lang="en-US" b="1" dirty="0"/>
           </a:p>
         </p:txBody>
       </p:sp>
-      <p:sp>
-        <p:nvSpPr>
-          <p:cNvPr id="6" name="Text Placeholder 5"/>
-          <p:cNvSpPr>
-            <a:spLocks noGrp="1"/>
-          </p:cNvSpPr>
-          <p:nvPr>
-            <p:ph type="body" sz="quarter" idx="10"/>
-          </p:nvPr>
-        </p:nvSpPr>
-        <p:spPr>
+      <p:pic>
+        <p:nvPicPr>
+          <p:cNvPr id="3" name="Picture 2" descr="http://www.scip.be/ImagesScreenshots/ArticleOfficeLINQ%20-%20LINQPad1.png"/>
+          <p:cNvPicPr>
+            <a:picLocks noChangeAspect="1" noChangeArrowheads="1"/>
+          </p:cNvPicPr>
+          <p:nvPr/>
+        </p:nvPicPr>
+        <p:blipFill>
+          <a:blip r:embed="rId2">
+            <a:extLst>
+              <a:ext uri="{28A0092B-C50C-407E-A947-70E740481C1C}">
+                <a14:useLocalDpi xmlns:a14="http://schemas.microsoft.com/office/drawing/2010/main" val="0"/>
+              </a:ext>
+            </a:extLst>
+          </a:blip>
+          <a:srcRect/>
+          <a:stretch>
+            <a:fillRect/>
+          </a:stretch>
+        </p:blipFill>
+        <p:spPr bwMode="auto">
           <a:xfrm>
-            <a:off x="6115980" y="6400800"/>
-            <a:ext cx="2909707" cy="369332"/>
+            <a:off x="2209800" y="2286000"/>
+            <a:ext cx="4800600" cy="3167063"/>
           </a:xfrm>
+          <a:prstGeom prst="rect">
+            <a:avLst/>
+          </a:prstGeom>
+          <a:noFill/>
+          <a:extLst>
+            <a:ext uri="{909E8E84-426E-40DD-AFC4-6F175D3DCCD1}">
+              <a14:hiddenFill xmlns:a14="http://schemas.microsoft.com/office/drawing/2010/main">
+                <a:solidFill>
+                  <a:srgbClr val="FFFFFF"/>
+                </a:solidFill>
+              </a14:hiddenFill>
+            </a:ext>
+          </a:extLst>
         </p:spPr>
-        <p:txBody>
-          <a:bodyPr/>
-          <a:lstStyle/>
-          <a:p>
-            <a:r>
-              <a:rPr lang="en-US" dirty="0" smtClean="0">
-                <a:hlinkClick r:id="rId2"/>
-              </a:rPr>
-              <a:t>http://academy.telerik.com</a:t>
-            </a:r>
-            <a:endParaRPr lang="en-US" dirty="0"/>
-          </a:p>
-        </p:txBody>
-      </p:sp>
+      </p:pic>
     </p:spTree>
     <p:extLst>
       <p:ext uri="{BB962C8B-B14F-4D97-AF65-F5344CB8AC3E}">
-        <p14:creationId xmlns:p14="http://schemas.microsoft.com/office/powerpoint/2010/main" val="155228080"/>
+        <p14:creationId xmlns:p14="http://schemas.microsoft.com/office/powerpoint/2010/main" val="4180923404"/>
       </p:ext>
     </p:extLst>
   </p:cSld>
   <p:clrMapOvr>
     <a:masterClrMapping/>
   </p:clrMapOvr>
+  <mc:AlternateContent xmlns:mc="http://schemas.openxmlformats.org/markup-compatibility/2006" xmlns:p14="http://schemas.microsoft.com/office/powerpoint/2010/main">
+    <mc:Choice Requires="p14">
+      <p:transition spd="med" p14:dur="700">
+        <p:fade/>
+      </p:transition>
+    </mc:Choice>
+    <mc:Fallback xmlns="">
+      <p:transition spd="med">
+        <p:fade/>
+      </p:transition>
+    </mc:Fallback>
+  </mc:AlternateContent>
   <p:timing>
     <p:tnLst>
       <p:par>
@@ -18814,259 +19516,102 @@
       </p:grpSpPr>
       <p:sp>
         <p:nvSpPr>
-          <p:cNvPr id="4" name="Title 3"/>
+          <p:cNvPr id="2" name="Title 1"/>
           <p:cNvSpPr>
             <a:spLocks noGrp="1"/>
           </p:cNvSpPr>
           <p:nvPr>
-            <p:ph type="title"/>
-          </p:nvPr>
-        </p:nvSpPr>
-        <p:spPr/>
-        <p:txBody>
-          <a:bodyPr/>
-          <a:lstStyle/>
-          <a:p>
-            <a:r>
-              <a:rPr lang="en-US" dirty="0" smtClean="0"/>
-              <a:t>Homework</a:t>
-            </a:r>
-            <a:endParaRPr lang="en-US" dirty="0"/>
-          </a:p>
-        </p:txBody>
-      </p:sp>
-      <p:sp>
-        <p:nvSpPr>
-          <p:cNvPr id="5" name="Content Placeholder 4"/>
-          <p:cNvSpPr>
-            <a:spLocks noGrp="1"/>
-          </p:cNvSpPr>
-          <p:nvPr>
-            <p:ph idx="1"/>
+            <p:ph type="ctrTitle"/>
           </p:nvPr>
         </p:nvSpPr>
         <p:spPr>
           <a:xfrm>
-            <a:off x="228600" y="762000"/>
-            <a:ext cx="8763000" cy="5867400"/>
+            <a:off x="1447800" y="838200"/>
+            <a:ext cx="6402467" cy="1371599"/>
           </a:xfrm>
         </p:spPr>
         <p:txBody>
-          <a:bodyPr/>
+          <a:bodyPr>
+            <a:normAutofit/>
+          </a:bodyPr>
           <a:lstStyle/>
           <a:p>
-            <a:pPr marL="514350" indent="-514350">
-              <a:spcBef>
-                <a:spcPts val="0"/>
-              </a:spcBef>
-              <a:spcAft>
-                <a:spcPts val="300"/>
-              </a:spcAft>
-              <a:buFont typeface="+mj-lt"/>
-              <a:buAutoNum type="arabicPeriod"/>
+            <a:pPr>
+              <a:lnSpc>
+                <a:spcPts val="5400"/>
+              </a:lnSpc>
             </a:pPr>
             <a:r>
-              <a:rPr lang="en-US" dirty="0" smtClean="0"/>
-              <a:t>Using c0de first approach, create database for student system with the following tables:</a:t>
-            </a:r>
-          </a:p>
-          <a:p>
-            <a:pPr lvl="1">
-              <a:spcBef>
-                <a:spcPts val="0"/>
-              </a:spcBef>
-              <a:spcAft>
-                <a:spcPts val="300"/>
-              </a:spcAft>
-            </a:pPr>
-            <a:r>
-              <a:rPr lang="en-US" dirty="0">
-                <a:solidFill>
-                  <a:schemeClr val="accent5">
-                    <a:lumMod val="20000"/>
-                    <a:lumOff val="80000"/>
-                  </a:schemeClr>
-                </a:solidFill>
-              </a:rPr>
-              <a:t>Students</a:t>
-            </a:r>
-            <a:r>
-              <a:rPr lang="en-US" dirty="0" smtClean="0"/>
-              <a:t> (with Id, Name, Number, etc.)</a:t>
-            </a:r>
-          </a:p>
-          <a:p>
-            <a:pPr lvl="1">
-              <a:spcBef>
-                <a:spcPts val="0"/>
-              </a:spcBef>
-              <a:spcAft>
-                <a:spcPts val="300"/>
-              </a:spcAft>
-            </a:pPr>
-            <a:r>
-              <a:rPr lang="en-US" dirty="0">
-                <a:solidFill>
-                  <a:schemeClr val="accent5">
-                    <a:lumMod val="20000"/>
-                    <a:lumOff val="80000"/>
-                  </a:schemeClr>
-                </a:solidFill>
-              </a:rPr>
-              <a:t>Courses</a:t>
-            </a:r>
-            <a:r>
-              <a:rPr lang="en-US" dirty="0" smtClean="0"/>
-              <a:t> (Name, Description, Materials, etc.)</a:t>
-            </a:r>
-          </a:p>
-          <a:p>
-            <a:pPr lvl="1">
-              <a:spcBef>
-                <a:spcPts val="0"/>
-              </a:spcBef>
-              <a:spcAft>
-                <a:spcPts val="300"/>
-              </a:spcAft>
-            </a:pPr>
-            <a:r>
-              <a:rPr lang="en-US" dirty="0" err="1">
-                <a:solidFill>
-                  <a:schemeClr val="accent5">
-                    <a:lumMod val="20000"/>
-                    <a:lumOff val="80000"/>
-                  </a:schemeClr>
-                </a:solidFill>
-              </a:rPr>
-              <a:t>StudentsInCourses</a:t>
-            </a:r>
-            <a:r>
-              <a:rPr lang="en-US" dirty="0" smtClean="0"/>
-              <a:t> (many-to-many relationship)</a:t>
-            </a:r>
-          </a:p>
-          <a:p>
-            <a:pPr lvl="1">
-              <a:spcBef>
-                <a:spcPts val="0"/>
-              </a:spcBef>
-              <a:spcAft>
-                <a:spcPts val="300"/>
-              </a:spcAft>
-            </a:pPr>
-            <a:r>
-              <a:rPr lang="en-US" dirty="0">
-                <a:solidFill>
-                  <a:schemeClr val="accent5">
-                    <a:lumMod val="20000"/>
-                    <a:lumOff val="80000"/>
-                  </a:schemeClr>
-                </a:solidFill>
-              </a:rPr>
-              <a:t>Homework</a:t>
-            </a:r>
-            <a:r>
-              <a:rPr lang="en-US" dirty="0" smtClean="0"/>
-              <a:t> (one-to-many relationship with students and courses), fields: Content, </a:t>
-            </a:r>
-            <a:r>
-              <a:rPr lang="en-US" dirty="0" err="1" smtClean="0"/>
-              <a:t>TimeSent</a:t>
-            </a:r>
-            <a:endParaRPr lang="en-US" dirty="0" smtClean="0"/>
-          </a:p>
-          <a:p>
-            <a:pPr lvl="1">
-              <a:spcBef>
-                <a:spcPts val="0"/>
-              </a:spcBef>
-              <a:spcAft>
-                <a:spcPts val="300"/>
-              </a:spcAft>
-            </a:pPr>
-            <a:r>
-              <a:rPr lang="en-US" dirty="0" smtClean="0"/>
-              <a:t>Annotate the data models with the appropriate attributes and enable code first migrations</a:t>
-            </a:r>
-          </a:p>
-          <a:p>
-            <a:pPr marL="514350" indent="-514350">
-              <a:spcBef>
-                <a:spcPts val="0"/>
-              </a:spcBef>
-              <a:spcAft>
-                <a:spcPts val="300"/>
-              </a:spcAft>
-              <a:buFont typeface="+mj-lt"/>
-              <a:buAutoNum type="arabicPeriod"/>
-            </a:pPr>
-            <a:r>
-              <a:rPr lang="en-US" dirty="0" smtClean="0"/>
-              <a:t>Write a console application that uses the data</a:t>
-            </a:r>
-          </a:p>
-          <a:p>
-            <a:pPr marL="514350" indent="-514350">
-              <a:spcBef>
-                <a:spcPts val="0"/>
-              </a:spcBef>
-              <a:spcAft>
-                <a:spcPts val="300"/>
-              </a:spcAft>
-              <a:buFont typeface="+mj-lt"/>
-              <a:buAutoNum type="arabicPeriod"/>
-            </a:pPr>
-            <a:r>
-              <a:rPr lang="en-US" dirty="0"/>
-              <a:t>Seed the data with random </a:t>
-            </a:r>
-            <a:r>
-              <a:rPr lang="en-US" dirty="0" smtClean="0"/>
-              <a:t>values</a:t>
-            </a:r>
-            <a:endParaRPr lang="en-US" dirty="0"/>
+              <a:rPr lang="en-US" b="1" dirty="0" smtClean="0"/>
+              <a:t>Repository Pattern</a:t>
+            </a:r>
+            <a:endParaRPr lang="en-US" b="1" dirty="0"/>
           </a:p>
         </p:txBody>
       </p:sp>
-      <p:sp>
-        <p:nvSpPr>
-          <p:cNvPr id="2" name="Slide Number Placeholder 1"/>
-          <p:cNvSpPr>
-            <a:spLocks noGrp="1"/>
-          </p:cNvSpPr>
-          <p:nvPr>
-            <p:ph type="sldNum" sz="quarter" idx="10"/>
-          </p:nvPr>
-        </p:nvSpPr>
-        <p:spPr/>
-        <p:txBody>
-          <a:bodyPr/>
-          <a:lstStyle/>
-          <a:p>
-            <a:pPr>
-              <a:defRPr/>
-            </a:pPr>
-            <a:fld id="{58452FF4-89E3-4D1B-9927-2DBDC00E58D7}" type="slidenum">
-              <a:rPr lang="en-US" smtClean="0"/>
-              <a:pPr>
-                <a:defRPr/>
-              </a:pPr>
-              <a:t>38</a:t>
-            </a:fld>
-            <a:endParaRPr lang="en-US" dirty="0"/>
-          </a:p>
-        </p:txBody>
-      </p:sp>
+      <p:pic>
+        <p:nvPicPr>
+          <p:cNvPr id="1028" name="Picture 4" descr="http://www.c-sharpcorner.com/UploadFile/3d39b4/crud-using-the-repository-pattern-in-mvc/Images/CRUD-using-the-Repository-Pattern-in-MVC-1.jpg"/>
+          <p:cNvPicPr>
+            <a:picLocks noChangeAspect="1" noChangeArrowheads="1"/>
+          </p:cNvPicPr>
+          <p:nvPr/>
+        </p:nvPicPr>
+        <p:blipFill>
+          <a:blip r:embed="rId2">
+            <a:extLst>
+              <a:ext uri="{28A0092B-C50C-407E-A947-70E740481C1C}">
+                <a14:useLocalDpi xmlns:a14="http://schemas.microsoft.com/office/drawing/2010/main" val="0"/>
+              </a:ext>
+            </a:extLst>
+          </a:blip>
+          <a:srcRect/>
+          <a:stretch>
+            <a:fillRect/>
+          </a:stretch>
+        </p:blipFill>
+        <p:spPr bwMode="auto">
+          <a:xfrm>
+            <a:off x="2133600" y="2277036"/>
+            <a:ext cx="5029200" cy="3748689"/>
+          </a:xfrm>
+          <a:prstGeom prst="roundRect">
+            <a:avLst/>
+          </a:prstGeom>
+          <a:noFill/>
+          <a:extLst>
+            <a:ext uri="{909E8E84-426E-40DD-AFC4-6F175D3DCCD1}">
+              <a14:hiddenFill xmlns:a14="http://schemas.microsoft.com/office/drawing/2010/main">
+                <a:solidFill>
+                  <a:srgbClr val="FFFFFF"/>
+                </a:solidFill>
+              </a14:hiddenFill>
+            </a:ext>
+          </a:extLst>
+        </p:spPr>
+      </p:pic>
     </p:spTree>
     <p:extLst>
       <p:ext uri="{BB962C8B-B14F-4D97-AF65-F5344CB8AC3E}">
-        <p14:creationId xmlns:p14="http://schemas.microsoft.com/office/powerpoint/2010/main" val="2320107476"/>
+        <p14:creationId xmlns:p14="http://schemas.microsoft.com/office/powerpoint/2010/main" val="3370070391"/>
       </p:ext>
     </p:extLst>
   </p:cSld>
   <p:clrMapOvr>
     <a:masterClrMapping/>
   </p:clrMapOvr>
+  <mc:AlternateContent xmlns:mc="http://schemas.openxmlformats.org/markup-compatibility/2006" xmlns:p14="http://schemas.microsoft.com/office/powerpoint/2010/main">
+    <mc:Choice Requires="p14">
+      <p:transition spd="med" p14:dur="700">
+        <p:fade/>
+      </p:transition>
+    </mc:Choice>
+    <mc:Fallback xmlns="">
+      <p:transition spd="med">
+        <p:fade/>
+      </p:transition>
+    </mc:Fallback>
+  </mc:AlternateContent>
   <p:timing>
     <p:tnLst>
       <p:par>
@@ -19096,7 +19641,7 @@
       </p:grpSpPr>
       <p:sp>
         <p:nvSpPr>
-          <p:cNvPr id="3" name="Title 2"/>
+          <p:cNvPr id="2" name="Title 1"/>
           <p:cNvSpPr>
             <a:spLocks noGrp="1"/>
           </p:cNvSpPr>
@@ -19110,40 +19655,74 @@
           <a:lstStyle/>
           <a:p>
             <a:r>
-              <a:rPr lang="en-US" sz="3600" dirty="0" smtClean="0"/>
-              <a:t>Free Trainings @ Telerik Academy</a:t>
-            </a:r>
-            <a:endParaRPr lang="en-US" sz="3600" dirty="0"/>
+              <a:rPr lang="en-US" dirty="0" smtClean="0"/>
+              <a:t>Repository Pattern</a:t>
+            </a:r>
+            <a:endParaRPr lang="en-US" dirty="0"/>
           </a:p>
         </p:txBody>
       </p:sp>
       <p:sp>
         <p:nvSpPr>
-          <p:cNvPr id="4" name="Content Placeholder 3"/>
+          <p:cNvPr id="4" name="Slide Number Placeholder 3"/>
           <p:cNvSpPr>
             <a:spLocks noGrp="1"/>
           </p:cNvSpPr>
           <p:nvPr>
-            <p:ph idx="1"/>
+            <p:ph type="sldNum" sz="quarter" idx="10"/>
           </p:nvPr>
+        </p:nvSpPr>
+        <p:spPr/>
+        <p:txBody>
+          <a:bodyPr/>
+          <a:lstStyle/>
+          <a:p>
+            <a:pPr>
+              <a:defRPr/>
+            </a:pPr>
+            <a:fld id="{58452FF4-89E3-4D1B-9927-2DBDC00E58D7}" type="slidenum">
+              <a:rPr lang="en-US" smtClean="0"/>
+              <a:pPr>
+                <a:defRPr/>
+              </a:pPr>
+              <a:t>39</a:t>
+            </a:fld>
+            <a:endParaRPr lang="en-US" dirty="0"/>
+          </a:p>
+        </p:txBody>
+      </p:sp>
+      <p:sp>
+        <p:nvSpPr>
+          <p:cNvPr id="6" name="Content Placeholder 2"/>
+          <p:cNvSpPr txBox="1">
+            <a:spLocks/>
+          </p:cNvSpPr>
+          <p:nvPr/>
         </p:nvSpPr>
         <p:spPr>
           <a:xfrm>
-            <a:off x="228600" y="1066800"/>
-            <a:ext cx="8686800" cy="5638800"/>
+            <a:off x="381000" y="1143000"/>
+            <a:ext cx="8686800" cy="5410200"/>
           </a:xfrm>
+          <a:prstGeom prst="rect">
+            <a:avLst/>
+          </a:prstGeom>
         </p:spPr>
         <p:txBody>
-          <a:bodyPr/>
-          <a:lstStyle/>
-          <a:p>
-            <a:r>
-              <a:rPr lang="en-US" dirty="0" smtClean="0"/>
-              <a:t>C# Programming @ Telerik Academy</a:t>
-            </a:r>
-          </a:p>
-          <a:p>
-            <a:pPr marL="574675" lvl="2" indent="-282575">
+          <a:bodyPr>
+            <a:normAutofit/>
+          </a:bodyPr>
+          <a:lstStyle>
+            <a:lvl1pPr marL="282575" indent="-282575" algn="l" rtl="0" eaLnBrk="0" fontAlgn="base" hangingPunct="0">
+              <a:lnSpc>
+                <a:spcPct val="105000"/>
+              </a:lnSpc>
+              <a:spcBef>
+                <a:spcPts val="600"/>
+              </a:spcBef>
+              <a:spcAft>
+                <a:spcPts val="600"/>
+              </a:spcAft>
               <a:buClr>
                 <a:schemeClr val="accent5">
                   <a:lumMod val="40000"/>
@@ -19156,400 +19735,344 @@
               <a:tabLst>
                 <a:tab pos="282575" algn="l"/>
               </a:tabLst>
-            </a:pPr>
-            <a:r>
-              <a:rPr lang="en-US" noProof="1">
-                <a:hlinkClick r:id="rId2"/>
-              </a:rPr>
-              <a:t>csharpfundamentals.telerik.com</a:t>
-            </a:r>
-            <a:endParaRPr lang="en-US" noProof="1"/>
-          </a:p>
-          <a:p>
-            <a:pPr marL="282575" lvl="1" indent="-282575">
+              <a:defRPr sz="3200" b="1" kern="1200">
+                <a:solidFill>
+                  <a:srgbClr val="EBFFD2"/>
+                </a:solidFill>
+                <a:effectLst>
+                  <a:outerShdw blurRad="38100" dist="38100" dir="2700000" algn="tl">
+                    <a:srgbClr val="000000">
+                      <a:alpha val="43137"/>
+                    </a:srgbClr>
+                  </a:outerShdw>
+                </a:effectLst>
+                <a:latin typeface="+mn-lt"/>
+                <a:ea typeface="+mn-ea"/>
+                <a:cs typeface="+mn-cs"/>
+              </a:defRPr>
+            </a:lvl1pPr>
+            <a:lvl2pPr marL="630238" indent="-273050" algn="l" rtl="0" eaLnBrk="0" fontAlgn="base" hangingPunct="0">
+              <a:lnSpc>
+                <a:spcPct val="105000"/>
+              </a:lnSpc>
+              <a:spcBef>
+                <a:spcPts val="600"/>
+              </a:spcBef>
+              <a:spcAft>
+                <a:spcPts val="600"/>
+              </a:spcAft>
+              <a:buClr>
+                <a:srgbClr val="8FD600"/>
+              </a:buClr>
+              <a:buFont typeface="Wingdings 2" pitchFamily="18" charset="2"/>
+              <a:buChar char=""/>
+              <a:defRPr sz="3000" b="1" kern="1200">
+                <a:solidFill>
+                  <a:schemeClr val="tx1">
+                    <a:lumMod val="40000"/>
+                    <a:lumOff val="60000"/>
+                  </a:schemeClr>
+                </a:solidFill>
+                <a:effectLst>
+                  <a:outerShdw blurRad="38100" dist="38100" dir="2700000" algn="tl">
+                    <a:srgbClr val="000000">
+                      <a:alpha val="43137"/>
+                    </a:srgbClr>
+                  </a:outerShdw>
+                </a:effectLst>
+                <a:latin typeface="+mn-lt"/>
+                <a:ea typeface="+mn-ea"/>
+                <a:cs typeface="+mn-cs"/>
+              </a:defRPr>
+            </a:lvl2pPr>
+            <a:lvl3pPr marL="922338" indent="-273050" algn="l" rtl="0" eaLnBrk="0" fontAlgn="base" hangingPunct="0">
+              <a:lnSpc>
+                <a:spcPct val="105000"/>
+              </a:lnSpc>
+              <a:spcBef>
+                <a:spcPts val="600"/>
+              </a:spcBef>
+              <a:spcAft>
+                <a:spcPts val="600"/>
+              </a:spcAft>
+              <a:buClr>
+                <a:srgbClr val="FFAD9F"/>
+              </a:buClr>
+              <a:buFont typeface="Wingdings 2" pitchFamily="18" charset="2"/>
+              <a:buChar char=""/>
+              <a:defRPr sz="2800" b="1" kern="1200">
+                <a:solidFill>
+                  <a:srgbClr val="F5FFC2"/>
+                </a:solidFill>
+                <a:effectLst>
+                  <a:outerShdw blurRad="38100" dist="38100" dir="2700000" algn="tl">
+                    <a:srgbClr val="000000">
+                      <a:alpha val="43137"/>
+                    </a:srgbClr>
+                  </a:outerShdw>
+                </a:effectLst>
+                <a:latin typeface="+mn-lt"/>
+                <a:ea typeface="+mn-ea"/>
+                <a:cs typeface="+mn-cs"/>
+              </a:defRPr>
+            </a:lvl3pPr>
+            <a:lvl4pPr marL="1187450" indent="-228600" algn="l" rtl="0" eaLnBrk="0" fontAlgn="base" hangingPunct="0">
+              <a:lnSpc>
+                <a:spcPct val="105000"/>
+              </a:lnSpc>
+              <a:spcBef>
+                <a:spcPts val="600"/>
+              </a:spcBef>
+              <a:spcAft>
+                <a:spcPts val="600"/>
+              </a:spcAft>
+              <a:buClr>
+                <a:srgbClr val="FACF82"/>
+              </a:buClr>
+              <a:buFont typeface="Wingdings 2" pitchFamily="18" charset="2"/>
+              <a:buChar char=""/>
+              <a:defRPr sz="2600" b="1" kern="1200">
+                <a:solidFill>
+                  <a:schemeClr val="tx1">
+                    <a:lumMod val="40000"/>
+                    <a:lumOff val="60000"/>
+                  </a:schemeClr>
+                </a:solidFill>
+                <a:effectLst>
+                  <a:outerShdw blurRad="38100" dist="38100" dir="2700000" algn="tl">
+                    <a:srgbClr val="000000">
+                      <a:alpha val="43137"/>
+                    </a:srgbClr>
+                  </a:outerShdw>
+                </a:effectLst>
+                <a:latin typeface="+mn-lt"/>
+                <a:ea typeface="+mn-ea"/>
+                <a:cs typeface="+mn-cs"/>
+              </a:defRPr>
+            </a:lvl4pPr>
+            <a:lvl5pPr marL="1425575" indent="-228600" algn="l" rtl="0" eaLnBrk="0" fontAlgn="base" hangingPunct="0">
+              <a:lnSpc>
+                <a:spcPct val="105000"/>
+              </a:lnSpc>
+              <a:spcBef>
+                <a:spcPts val="600"/>
+              </a:spcBef>
+              <a:spcAft>
+                <a:spcPts val="600"/>
+              </a:spcAft>
+              <a:buClr>
+                <a:srgbClr val="46A6BD"/>
+              </a:buClr>
+              <a:buFont typeface="Wingdings 2" pitchFamily="18" charset="2"/>
+              <a:buChar char=""/>
+              <a:defRPr sz="2400" b="1" kern="1200">
+                <a:solidFill>
+                  <a:schemeClr val="tx1">
+                    <a:lumMod val="40000"/>
+                    <a:lumOff val="60000"/>
+                  </a:schemeClr>
+                </a:solidFill>
+                <a:effectLst>
+                  <a:outerShdw blurRad="38100" dist="38100" dir="2700000" algn="tl">
+                    <a:srgbClr val="000000">
+                      <a:alpha val="43137"/>
+                    </a:srgbClr>
+                  </a:outerShdw>
+                </a:effectLst>
+                <a:latin typeface="+mn-lt"/>
+                <a:ea typeface="+mn-ea"/>
+                <a:cs typeface="+mn-cs"/>
+              </a:defRPr>
+            </a:lvl5pPr>
+            <a:lvl6pPr marL="1673352" indent="-228600" algn="l" rtl="0" eaLnBrk="1" latinLnBrk="0" hangingPunct="1">
+              <a:spcBef>
+                <a:spcPct val="20000"/>
+              </a:spcBef>
+              <a:buClr>
+                <a:schemeClr val="accent6"/>
+              </a:buClr>
+              <a:buFont typeface="Wingdings 2"/>
+              <a:buChar char=""/>
+              <a:defRPr sz="1800" kern="1200">
+                <a:solidFill>
+                  <a:schemeClr val="tx1"/>
+                </a:solidFill>
+                <a:latin typeface="+mn-lt"/>
+                <a:ea typeface="+mn-ea"/>
+                <a:cs typeface="+mn-cs"/>
+              </a:defRPr>
+            </a:lvl6pPr>
+            <a:lvl7pPr marL="1911096" indent="-228600" algn="l" rtl="0" eaLnBrk="1" latinLnBrk="0" hangingPunct="1">
+              <a:spcBef>
+                <a:spcPct val="20000"/>
+              </a:spcBef>
+              <a:buClr>
+                <a:schemeClr val="tx2"/>
+              </a:buClr>
+              <a:buFont typeface="Wingdings 2"/>
+              <a:buChar char=""/>
+              <a:defRPr sz="1600" kern="1200">
+                <a:solidFill>
+                  <a:schemeClr val="tx1"/>
+                </a:solidFill>
+                <a:latin typeface="+mn-lt"/>
+                <a:ea typeface="+mn-ea"/>
+                <a:cs typeface="+mn-cs"/>
+              </a:defRPr>
+            </a:lvl7pPr>
+            <a:lvl8pPr marL="2121408" indent="-182880" algn="l" rtl="0" eaLnBrk="1" latinLnBrk="0" hangingPunct="1">
+              <a:spcBef>
+                <a:spcPct val="20000"/>
+              </a:spcBef>
+              <a:buClr>
+                <a:schemeClr val="tx2"/>
+              </a:buClr>
+              <a:buFont typeface="Wingdings 2"/>
+              <a:buChar char=""/>
+              <a:defRPr sz="1400" kern="1200">
+                <a:solidFill>
+                  <a:schemeClr val="tx1"/>
+                </a:solidFill>
+                <a:latin typeface="+mn-lt"/>
+                <a:ea typeface="+mn-ea"/>
+                <a:cs typeface="+mn-cs"/>
+              </a:defRPr>
+            </a:lvl8pPr>
+            <a:lvl9pPr marL="2322576" indent="-182880" algn="l" rtl="0" eaLnBrk="1" latinLnBrk="0" hangingPunct="1">
+              <a:spcBef>
+                <a:spcPct val="20000"/>
+              </a:spcBef>
+              <a:buClr>
+                <a:schemeClr val="tx2"/>
+              </a:buClr>
+              <a:buFont typeface="Wingdings 2"/>
+              <a:buChar char=""/>
+              <a:defRPr sz="1400" kern="1200">
+                <a:solidFill>
+                  <a:schemeClr val="tx1"/>
+                </a:solidFill>
+                <a:latin typeface="+mn-lt"/>
+                <a:ea typeface="+mn-ea"/>
+                <a:cs typeface="+mn-cs"/>
+              </a:defRPr>
+            </a:lvl9pPr>
+          </a:lstStyle>
+          <a:p>
+            <a:pPr>
+              <a:lnSpc>
+                <a:spcPct val="100000"/>
+              </a:lnSpc>
               <a:spcBef>
                 <a:spcPts val="1800"/>
               </a:spcBef>
-              <a:buClr>
-                <a:schemeClr val="accent5">
-                  <a:lumMod val="40000"/>
-                  <a:lumOff val="60000"/>
-                </a:schemeClr>
-              </a:buClr>
-              <a:buSzPct val="70000"/>
-              <a:buFont typeface="Wingdings 2" pitchFamily="18" charset="2"/>
-              <a:buChar char=""/>
-              <a:tabLst>
-                <a:tab pos="282575" algn="l"/>
-              </a:tabLst>
+              <a:spcAft>
+                <a:spcPts val="1800"/>
+              </a:spcAft>
             </a:pPr>
             <a:r>
-              <a:rPr lang="en-US" dirty="0" smtClean="0"/>
-              <a:t>Telerik Software Academy</a:t>
-            </a:r>
-          </a:p>
-          <a:p>
-            <a:pPr marL="574675" lvl="2" indent="-282575">
-              <a:buClr>
-                <a:schemeClr val="accent5">
-                  <a:lumMod val="40000"/>
-                  <a:lumOff val="60000"/>
-                </a:schemeClr>
-              </a:buClr>
-              <a:buSzPct val="70000"/>
-              <a:buFont typeface="Wingdings 2" pitchFamily="18" charset="2"/>
-              <a:buChar char=""/>
-              <a:tabLst>
-                <a:tab pos="282575" algn="l"/>
-              </a:tabLst>
-            </a:pPr>
-            <a:r>
-              <a:rPr lang="en-US" noProof="1" smtClean="0">
-                <a:hlinkClick r:id="rId3" tooltip="Telerik Software Academy - Free Programming Courses"/>
-              </a:rPr>
-              <a:t>academy.telerik.com</a:t>
-            </a:r>
-            <a:endParaRPr lang="en-US" noProof="1" smtClean="0"/>
-          </a:p>
-          <a:p>
-            <a:pPr marL="282575" lvl="1" indent="-282575">
+              <a:rPr lang="en-US" sz="2800" dirty="0" smtClean="0"/>
+              <a:t>Gives abstraction over the data layer</a:t>
+            </a:r>
+          </a:p>
+          <a:p>
+            <a:pPr>
+              <a:lnSpc>
+                <a:spcPct val="100000"/>
+              </a:lnSpc>
               <a:spcBef>
                 <a:spcPts val="1800"/>
               </a:spcBef>
-              <a:buClr>
-                <a:schemeClr val="accent5">
-                  <a:lumMod val="40000"/>
-                  <a:lumOff val="60000"/>
-                </a:schemeClr>
-              </a:buClr>
-              <a:buSzPct val="70000"/>
-              <a:buFont typeface="Wingdings 2" pitchFamily="18" charset="2"/>
-              <a:buChar char=""/>
-              <a:tabLst>
-                <a:tab pos="282575" algn="l"/>
-              </a:tabLst>
+              <a:spcAft>
+                <a:spcPts val="1800"/>
+              </a:spcAft>
             </a:pPr>
             <a:r>
-              <a:rPr lang="en-US" dirty="0" smtClean="0"/>
-              <a:t>Telerik Academy @ Facebook</a:t>
-            </a:r>
-          </a:p>
-          <a:p>
-            <a:pPr marL="574675" lvl="2" indent="-282575">
-              <a:buClr>
-                <a:schemeClr val="accent5">
-                  <a:lumMod val="40000"/>
-                  <a:lumOff val="60000"/>
-                </a:schemeClr>
-              </a:buClr>
-              <a:buSzPct val="70000"/>
-              <a:buFont typeface="Wingdings 2" pitchFamily="18" charset="2"/>
-              <a:buChar char=""/>
-              <a:tabLst>
-                <a:tab pos="282575" algn="l"/>
-              </a:tabLst>
-            </a:pPr>
-            <a:r>
-              <a:rPr lang="en-US" noProof="1" smtClean="0">
-                <a:hlinkClick r:id="rId4" tooltip="Telerik Softyware Academy @ Facebook"/>
-              </a:rPr>
-              <a:t>facebook.com/TelerikAcademy</a:t>
-            </a:r>
-            <a:endParaRPr lang="en-US" noProof="1" smtClean="0"/>
-          </a:p>
-          <a:p>
-            <a:pPr marL="282575" lvl="1" indent="-282575">
+              <a:rPr lang="en-US" sz="2800" dirty="0" smtClean="0"/>
+              <a:t>Single place to make changes to your data access</a:t>
+            </a:r>
+          </a:p>
+          <a:p>
+            <a:pPr>
+              <a:lnSpc>
+                <a:spcPct val="100000"/>
+              </a:lnSpc>
               <a:spcBef>
                 <a:spcPts val="1800"/>
               </a:spcBef>
-              <a:buClr>
-                <a:schemeClr val="accent5">
-                  <a:lumMod val="40000"/>
-                  <a:lumOff val="60000"/>
-                </a:schemeClr>
-              </a:buClr>
-              <a:buSzPct val="70000"/>
-              <a:buFont typeface="Wingdings 2" pitchFamily="18" charset="2"/>
-              <a:buChar char=""/>
-              <a:tabLst>
-                <a:tab pos="282575" algn="l"/>
-              </a:tabLst>
+              <a:spcAft>
+                <a:spcPts val="1800"/>
+              </a:spcAft>
             </a:pPr>
             <a:r>
-              <a:rPr lang="en-US" dirty="0" smtClean="0"/>
-              <a:t>Telerik Software Academy Forums</a:t>
-            </a:r>
-          </a:p>
-          <a:p>
-            <a:pPr marL="574675" lvl="2" indent="-282575">
-              <a:buClr>
-                <a:schemeClr val="accent5">
-                  <a:lumMod val="40000"/>
-                  <a:lumOff val="60000"/>
-                </a:schemeClr>
-              </a:buClr>
-              <a:buSzPct val="70000"/>
-              <a:buFont typeface="Wingdings 2" pitchFamily="18" charset="2"/>
-              <a:buChar char=""/>
-              <a:tabLst>
-                <a:tab pos="282575" algn="l"/>
-              </a:tabLst>
+              <a:rPr lang="en-US" sz="2800" dirty="0" smtClean="0"/>
+              <a:t>Single place responsible for a set of tables</a:t>
+            </a:r>
+          </a:p>
+          <a:p>
+            <a:pPr>
+              <a:lnSpc>
+                <a:spcPct val="100000"/>
+              </a:lnSpc>
+              <a:spcBef>
+                <a:spcPts val="1800"/>
+              </a:spcBef>
+              <a:spcAft>
+                <a:spcPts val="1800"/>
+              </a:spcAft>
             </a:pPr>
             <a:r>
-              <a:rPr lang="en-US" noProof="1" smtClean="0">
-                <a:hlinkClick r:id="rId5" tooltip="Telerik Software Academy Forums - Community for Programmers"/>
-              </a:rPr>
-              <a:t>forums.academy.telerik.com</a:t>
-            </a:r>
-            <a:endParaRPr lang="en-US" noProof="1"/>
-          </a:p>
-        </p:txBody>
-      </p:sp>
-      <p:pic>
-        <p:nvPicPr>
-          <p:cNvPr id="5" name="Picture 5">
-            <a:hlinkClick r:id="rId5" tooltip="Telerik Software Academy Forums - Discussion Board for Developers"/>
-          </p:cNvPr>
-          <p:cNvPicPr>
-            <a:picLocks noChangeAspect="1" noChangeArrowheads="1"/>
-          </p:cNvPicPr>
-          <p:nvPr/>
-        </p:nvPicPr>
-        <p:blipFill>
-          <a:blip r:embed="rId6" cstate="screen">
-            <a:extLst>
-              <a:ext uri="{28A0092B-C50C-407E-A947-70E740481C1C}">
-                <a14:useLocalDpi xmlns:a14="http://schemas.microsoft.com/office/drawing/2010/main"/>
-              </a:ext>
-            </a:extLst>
-          </a:blip>
-          <a:srcRect/>
-          <a:stretch>
-            <a:fillRect/>
-          </a:stretch>
-        </p:blipFill>
-        <p:spPr bwMode="auto">
-          <a:xfrm>
-            <a:off x="7523898" y="5218092"/>
-            <a:ext cx="1162902" cy="1268619"/>
-          </a:xfrm>
-          <a:prstGeom prst="rect">
-            <a:avLst/>
-          </a:prstGeom>
-          <a:noFill/>
-          <a:ln>
-            <a:noFill/>
-          </a:ln>
-          <a:effectLst/>
-          <a:extLst>
-            <a:ext uri="{909E8E84-426E-40DD-AFC4-6F175D3DCCD1}">
-              <a14:hiddenFill xmlns:a14="http://schemas.microsoft.com/office/drawing/2010/main">
-                <a:solidFill>
-                  <a:schemeClr val="accent1"/>
-                </a:solidFill>
-              </a14:hiddenFill>
-            </a:ext>
-            <a:ext uri="{91240B29-F687-4F45-9708-019B960494DF}">
-              <a14:hiddenLine xmlns:a14="http://schemas.microsoft.com/office/drawing/2010/main" w="9525">
-                <a:solidFill>
-                  <a:schemeClr val="tx1"/>
-                </a:solidFill>
-                <a:miter lim="800000"/>
-                <a:headEnd/>
-                <a:tailEnd/>
-              </a14:hiddenLine>
-            </a:ext>
-            <a:ext uri="{AF507438-7753-43E0-B8FC-AC1667EBCBE1}">
-              <a14:hiddenEffects xmlns:a14="http://schemas.microsoft.com/office/drawing/2010/main">
-                <a:effectLst>
-                  <a:outerShdw dist="35921" dir="2700000" algn="ctr" rotWithShape="0">
-                    <a:schemeClr val="bg2"/>
-                  </a:outerShdw>
-                </a:effectLst>
-              </a14:hiddenEffects>
-            </a:ext>
-          </a:extLst>
-        </p:spPr>
-      </p:pic>
-      <p:pic>
-        <p:nvPicPr>
-          <p:cNvPr id="1028" name="Picture 4">
-            <a:hlinkClick r:id="rId3" tooltip="Telerik Software Academy"/>
-          </p:cNvPr>
-          <p:cNvPicPr>
-            <a:picLocks noChangeAspect="1" noChangeArrowheads="1"/>
-          </p:cNvPicPr>
-          <p:nvPr/>
-        </p:nvPicPr>
-        <p:blipFill>
-          <a:blip r:embed="rId7">
-            <a:extLst>
-              <a:ext uri="{28A0092B-C50C-407E-A947-70E740481C1C}">
-                <a14:useLocalDpi xmlns:a14="http://schemas.microsoft.com/office/drawing/2010/main"/>
-              </a:ext>
-            </a:extLst>
-          </a:blip>
-          <a:srcRect/>
-          <a:stretch>
-            <a:fillRect/>
-          </a:stretch>
-        </p:blipFill>
-        <p:spPr bwMode="auto">
-          <a:xfrm>
-            <a:off x="5548941" y="2667000"/>
-            <a:ext cx="3137859" cy="918234"/>
-          </a:xfrm>
-          <a:prstGeom prst="rect">
-            <a:avLst/>
-          </a:prstGeom>
-          <a:noFill/>
-          <a:ln>
-            <a:solidFill>
-              <a:srgbClr val="9BCC00"/>
-            </a:solidFill>
-          </a:ln>
-          <a:extLst>
-            <a:ext uri="{909E8E84-426E-40DD-AFC4-6F175D3DCCD1}">
-              <a14:hiddenFill xmlns:a14="http://schemas.microsoft.com/office/drawing/2010/main">
-                <a:solidFill>
-                  <a:srgbClr val="FFFFFF"/>
-                </a:solidFill>
-              </a14:hiddenFill>
-            </a:ext>
-          </a:extLst>
-        </p:spPr>
-      </p:pic>
-      <p:pic>
-        <p:nvPicPr>
-          <p:cNvPr id="1037" name="Picture 13">
-            <a:hlinkClick r:id="rId8" tooltip="Telerik Academy @ Facebook"/>
-          </p:cNvPr>
-          <p:cNvPicPr>
-            <a:picLocks noChangeAspect="1" noChangeArrowheads="1"/>
-          </p:cNvPicPr>
-          <p:nvPr/>
-        </p:nvPicPr>
-        <p:blipFill>
-          <a:blip r:embed="rId9">
-            <a:extLst>
-              <a:ext uri="{28A0092B-C50C-407E-A947-70E740481C1C}">
-                <a14:useLocalDpi xmlns:a14="http://schemas.microsoft.com/office/drawing/2010/main"/>
-              </a:ext>
-            </a:extLst>
-          </a:blip>
-          <a:srcRect/>
-          <a:stretch>
-            <a:fillRect/>
-          </a:stretch>
-        </p:blipFill>
-        <p:spPr bwMode="auto">
-          <a:xfrm>
-            <a:off x="7748587" y="4003901"/>
-            <a:ext cx="938213" cy="938213"/>
-          </a:xfrm>
-          <a:prstGeom prst="rect">
-            <a:avLst/>
-          </a:prstGeom>
-          <a:noFill/>
-          <a:ln>
-            <a:noFill/>
-          </a:ln>
-          <a:effectLst/>
-          <a:extLst>
-            <a:ext uri="{909E8E84-426E-40DD-AFC4-6F175D3DCCD1}">
-              <a14:hiddenFill xmlns:a14="http://schemas.microsoft.com/office/drawing/2010/main">
-                <a:solidFill>
-                  <a:schemeClr val="accent1"/>
-                </a:solidFill>
-              </a14:hiddenFill>
-            </a:ext>
-            <a:ext uri="{91240B29-F687-4F45-9708-019B960494DF}">
-              <a14:hiddenLine xmlns:a14="http://schemas.microsoft.com/office/drawing/2010/main" w="9525">
-                <a:solidFill>
-                  <a:schemeClr val="tx1"/>
-                </a:solidFill>
-                <a:miter lim="800000"/>
-                <a:headEnd/>
-                <a:tailEnd/>
-              </a14:hiddenLine>
-            </a:ext>
-            <a:ext uri="{AF507438-7753-43E0-B8FC-AC1667EBCBE1}">
-              <a14:hiddenEffects xmlns:a14="http://schemas.microsoft.com/office/drawing/2010/main">
-                <a:effectLst>
-                  <a:outerShdw dist="35921" dir="2700000" algn="ctr" rotWithShape="0">
-                    <a:schemeClr val="bg2"/>
-                  </a:outerShdw>
-                </a:effectLst>
-              </a14:hiddenEffects>
-            </a:ext>
-          </a:extLst>
-        </p:spPr>
-      </p:pic>
-      <p:pic>
-        <p:nvPicPr>
-          <p:cNvPr id="2" name="Picture 1">
-            <a:hlinkClick r:id="rId2"/>
-          </p:cNvPr>
-          <p:cNvPicPr>
-            <a:picLocks noChangeAspect="1"/>
-          </p:cNvPicPr>
-          <p:nvPr/>
-        </p:nvPicPr>
-        <p:blipFill>
-          <a:blip r:embed="rId10" cstate="screen">
-            <a:extLst>
-              <a:ext uri="{28A0092B-C50C-407E-A947-70E740481C1C}">
-                <a14:useLocalDpi xmlns:a14="http://schemas.microsoft.com/office/drawing/2010/main"/>
-              </a:ext>
-            </a:extLst>
-          </a:blip>
-          <a:stretch>
-            <a:fillRect/>
-          </a:stretch>
-        </p:blipFill>
-        <p:spPr>
-          <a:xfrm>
-            <a:off x="7562025" y="1123558"/>
-            <a:ext cx="1124775" cy="1124775"/>
-          </a:xfrm>
-          <a:prstGeom prst="rect">
-            <a:avLst/>
-          </a:prstGeom>
-        </p:spPr>
-      </p:pic>
-      <p:sp>
-        <p:nvSpPr>
-          <p:cNvPr id="6" name="Slide Number Placeholder 5"/>
-          <p:cNvSpPr>
-            <a:spLocks noGrp="1"/>
-          </p:cNvSpPr>
-          <p:nvPr>
-            <p:ph type="sldNum" sz="quarter" idx="10"/>
-          </p:nvPr>
-        </p:nvSpPr>
-        <p:spPr/>
-        <p:txBody>
-          <a:bodyPr/>
-          <a:lstStyle/>
+              <a:rPr lang="en-US" sz="2800" dirty="0" smtClean="0"/>
+              <a:t>Easily replaceable by other implementations</a:t>
+            </a:r>
+          </a:p>
           <a:p>
             <a:pPr>
-              <a:defRPr/>
+              <a:lnSpc>
+                <a:spcPct val="100000"/>
+              </a:lnSpc>
+              <a:spcBef>
+                <a:spcPts val="1800"/>
+              </a:spcBef>
+              <a:spcAft>
+                <a:spcPts val="1800"/>
+              </a:spcAft>
             </a:pPr>
-            <a:fld id="{58452FF4-89E3-4D1B-9927-2DBDC00E58D7}" type="slidenum">
-              <a:rPr lang="en-US" smtClean="0"/>
-              <a:pPr>
-                <a:defRPr/>
-              </a:pPr>
-              <a:t>39</a:t>
-            </a:fld>
-            <a:endParaRPr lang="en-US" dirty="0"/>
+            <a:r>
+              <a:rPr lang="en-US" sz="2800" dirty="0" smtClean="0"/>
+              <a:t>Hides the details in accessing data</a:t>
+            </a:r>
+          </a:p>
+          <a:p>
+            <a:pPr>
+              <a:lnSpc>
+                <a:spcPct val="100000"/>
+              </a:lnSpc>
+              <a:spcBef>
+                <a:spcPts val="1800"/>
+              </a:spcBef>
+              <a:spcAft>
+                <a:spcPts val="1800"/>
+              </a:spcAft>
+            </a:pPr>
+            <a:r>
+              <a:rPr lang="en-US" sz="2800" dirty="0" smtClean="0"/>
+              <a:t>Can be implemented in various ways</a:t>
+            </a:r>
+          </a:p>
+          <a:p>
+            <a:pPr>
+              <a:lnSpc>
+                <a:spcPct val="100000"/>
+              </a:lnSpc>
+            </a:pPr>
+            <a:endParaRPr lang="en-US" sz="2800" dirty="0"/>
           </a:p>
         </p:txBody>
       </p:sp>
     </p:spTree>
     <p:extLst>
       <p:ext uri="{BB962C8B-B14F-4D97-AF65-F5344CB8AC3E}">
-        <p14:creationId xmlns:p14="http://schemas.microsoft.com/office/powerpoint/2010/main" val="495879396"/>
+        <p14:creationId xmlns:p14="http://schemas.microsoft.com/office/powerpoint/2010/main" val="467471497"/>
       </p:ext>
     </p:extLst>
   </p:cSld>
@@ -20355,6 +20878,1041 @@
       <p:bldP spid="9" grpId="0" animBg="1"/>
       <p:bldP spid="12" grpId="0" animBg="1"/>
     </p:bldLst>
+  </p:timing>
+</p:sld>
+</file>
+
+<file path=ppt/slides/slide40.xml><?xml version="1.0" encoding="utf-8"?>
+<p:sld xmlns:a="http://schemas.openxmlformats.org/drawingml/2006/main" xmlns:r="http://schemas.openxmlformats.org/officeDocument/2006/relationships" xmlns:p="http://schemas.openxmlformats.org/presentationml/2006/main">
+  <p:cSld>
+    <p:spTree>
+      <p:nvGrpSpPr>
+        <p:cNvPr id="1" name=""/>
+        <p:cNvGrpSpPr/>
+        <p:nvPr/>
+      </p:nvGrpSpPr>
+      <p:grpSpPr>
+        <a:xfrm>
+          <a:off x="0" y="0"/>
+          <a:ext cx="0" cy="0"/>
+          <a:chOff x="0" y="0"/>
+          <a:chExt cx="0" cy="0"/>
+        </a:xfrm>
+      </p:grpSpPr>
+      <p:sp>
+        <p:nvSpPr>
+          <p:cNvPr id="2" name="Title 1"/>
+          <p:cNvSpPr>
+            <a:spLocks noGrp="1"/>
+          </p:cNvSpPr>
+          <p:nvPr>
+            <p:ph type="ctrTitle"/>
+          </p:nvPr>
+        </p:nvSpPr>
+        <p:spPr>
+          <a:xfrm>
+            <a:off x="741952" y="1524001"/>
+            <a:ext cx="7317105" cy="1219201"/>
+          </a:xfrm>
+        </p:spPr>
+        <p:txBody>
+          <a:bodyPr>
+            <a:normAutofit fontScale="90000"/>
+          </a:bodyPr>
+          <a:lstStyle/>
+          <a:p>
+            <a:pPr>
+              <a:lnSpc>
+                <a:spcPts val="5400"/>
+              </a:lnSpc>
+            </a:pPr>
+            <a:r>
+              <a:rPr lang="en-US" b="1" dirty="0" smtClean="0"/>
+              <a:t>Demo: Repository Pattern</a:t>
+            </a:r>
+            <a:endParaRPr lang="en-US" b="1" dirty="0"/>
+          </a:p>
+        </p:txBody>
+      </p:sp>
+      <p:pic>
+        <p:nvPicPr>
+          <p:cNvPr id="2050" name="Picture 2" descr="http://cfile24.uf.tistory.com/image/203A0C3F4D9927241C80B5"/>
+          <p:cNvPicPr>
+            <a:picLocks noChangeAspect="1" noChangeArrowheads="1"/>
+          </p:cNvPicPr>
+          <p:nvPr/>
+        </p:nvPicPr>
+        <p:blipFill>
+          <a:blip r:embed="rId2">
+            <a:extLst>
+              <a:ext uri="{28A0092B-C50C-407E-A947-70E740481C1C}">
+                <a14:useLocalDpi xmlns:a14="http://schemas.microsoft.com/office/drawing/2010/main" val="0"/>
+              </a:ext>
+            </a:extLst>
+          </a:blip>
+          <a:srcRect/>
+          <a:stretch>
+            <a:fillRect/>
+          </a:stretch>
+        </p:blipFill>
+        <p:spPr bwMode="auto">
+          <a:xfrm>
+            <a:off x="5181600" y="3479845"/>
+            <a:ext cx="1600617" cy="2438400"/>
+          </a:xfrm>
+          <a:prstGeom prst="rect">
+            <a:avLst/>
+          </a:prstGeom>
+          <a:noFill/>
+          <a:extLst>
+            <a:ext uri="{909E8E84-426E-40DD-AFC4-6F175D3DCCD1}">
+              <a14:hiddenFill xmlns:a14="http://schemas.microsoft.com/office/drawing/2010/main">
+                <a:solidFill>
+                  <a:srgbClr val="FFFFFF"/>
+                </a:solidFill>
+              </a14:hiddenFill>
+            </a:ext>
+          </a:extLst>
+        </p:spPr>
+      </p:pic>
+      <p:pic>
+        <p:nvPicPr>
+          <p:cNvPr id="2052" name="Picture 4" descr="http://www.trainingindustry.com/media/16280165/knowledge_repository_img_2.jpg"/>
+          <p:cNvPicPr>
+            <a:picLocks noChangeAspect="1" noChangeArrowheads="1"/>
+          </p:cNvPicPr>
+          <p:nvPr/>
+        </p:nvPicPr>
+        <p:blipFill>
+          <a:blip r:embed="rId3">
+            <a:extLst>
+              <a:ext uri="{28A0092B-C50C-407E-A947-70E740481C1C}">
+                <a14:useLocalDpi xmlns:a14="http://schemas.microsoft.com/office/drawing/2010/main" val="0"/>
+              </a:ext>
+            </a:extLst>
+          </a:blip>
+          <a:srcRect/>
+          <a:stretch>
+            <a:fillRect/>
+          </a:stretch>
+        </p:blipFill>
+        <p:spPr bwMode="auto">
+          <a:xfrm>
+            <a:off x="1676400" y="3247883"/>
+            <a:ext cx="2172266" cy="2857500"/>
+          </a:xfrm>
+          <a:prstGeom prst="roundRect">
+            <a:avLst/>
+          </a:prstGeom>
+          <a:noFill/>
+          <a:scene3d>
+            <a:camera prst="perspectiveContrastingRightFacing"/>
+            <a:lightRig rig="threePt" dir="t"/>
+          </a:scene3d>
+          <a:extLst>
+            <a:ext uri="{909E8E84-426E-40DD-AFC4-6F175D3DCCD1}">
+              <a14:hiddenFill xmlns:a14="http://schemas.microsoft.com/office/drawing/2010/main">
+                <a:solidFill>
+                  <a:srgbClr val="FFFFFF"/>
+                </a:solidFill>
+              </a14:hiddenFill>
+            </a:ext>
+          </a:extLst>
+        </p:spPr>
+      </p:pic>
+    </p:spTree>
+    <p:extLst>
+      <p:ext uri="{BB962C8B-B14F-4D97-AF65-F5344CB8AC3E}">
+        <p14:creationId xmlns:p14="http://schemas.microsoft.com/office/powerpoint/2010/main" val="987423472"/>
+      </p:ext>
+    </p:extLst>
+  </p:cSld>
+  <p:clrMapOvr>
+    <a:masterClrMapping/>
+  </p:clrMapOvr>
+  <mc:AlternateContent xmlns:mc="http://schemas.openxmlformats.org/markup-compatibility/2006" xmlns:p14="http://schemas.microsoft.com/office/powerpoint/2010/main">
+    <mc:Choice Requires="p14">
+      <p:transition spd="med" p14:dur="700">
+        <p:fade/>
+      </p:transition>
+    </mc:Choice>
+    <mc:Fallback xmlns="">
+      <p:transition spd="med">
+        <p:fade/>
+      </p:transition>
+    </mc:Fallback>
+  </mc:AlternateContent>
+  <p:timing>
+    <p:tnLst>
+      <p:par>
+        <p:cTn id="1" dur="indefinite" restart="never" nodeType="tmRoot"/>
+      </p:par>
+    </p:tnLst>
+  </p:timing>
+</p:sld>
+</file>
+
+<file path=ppt/slides/slide41.xml><?xml version="1.0" encoding="utf-8"?>
+<p:sld xmlns:a="http://schemas.openxmlformats.org/drawingml/2006/main" xmlns:r="http://schemas.openxmlformats.org/officeDocument/2006/relationships" xmlns:p="http://schemas.openxmlformats.org/presentationml/2006/main">
+  <p:cSld>
+    <p:spTree>
+      <p:nvGrpSpPr>
+        <p:cNvPr id="1" name=""/>
+        <p:cNvGrpSpPr/>
+        <p:nvPr/>
+      </p:nvGrpSpPr>
+      <p:grpSpPr>
+        <a:xfrm>
+          <a:off x="0" y="0"/>
+          <a:ext cx="0" cy="0"/>
+          <a:chOff x="0" y="0"/>
+          <a:chExt cx="0" cy="0"/>
+        </a:xfrm>
+      </p:grpSpPr>
+      <p:sp>
+        <p:nvSpPr>
+          <p:cNvPr id="5" name="Title 4"/>
+          <p:cNvSpPr>
+            <a:spLocks noGrp="1"/>
+          </p:cNvSpPr>
+          <p:nvPr>
+            <p:ph type="title"/>
+          </p:nvPr>
+        </p:nvSpPr>
+        <p:spPr>
+          <a:xfrm>
+            <a:off x="2057400" y="76200"/>
+            <a:ext cx="6934200" cy="838200"/>
+          </a:xfrm>
+        </p:spPr>
+        <p:txBody>
+          <a:bodyPr/>
+          <a:lstStyle/>
+          <a:p>
+            <a:r>
+              <a:rPr lang="en-US" dirty="0"/>
+              <a:t>Entity Framework Code First</a:t>
+            </a:r>
+          </a:p>
+        </p:txBody>
+      </p:sp>
+      <p:sp>
+        <p:nvSpPr>
+          <p:cNvPr id="6" name="Text Placeholder 5"/>
+          <p:cNvSpPr>
+            <a:spLocks noGrp="1"/>
+          </p:cNvSpPr>
+          <p:nvPr>
+            <p:ph type="body" sz="quarter" idx="10"/>
+          </p:nvPr>
+        </p:nvSpPr>
+        <p:spPr>
+          <a:xfrm>
+            <a:off x="6115980" y="6400800"/>
+            <a:ext cx="2909707" cy="369332"/>
+          </a:xfrm>
+        </p:spPr>
+        <p:txBody>
+          <a:bodyPr/>
+          <a:lstStyle/>
+          <a:p>
+            <a:r>
+              <a:rPr lang="en-US" dirty="0" smtClean="0">
+                <a:hlinkClick r:id="rId2"/>
+              </a:rPr>
+              <a:t>http://academy.telerik.com</a:t>
+            </a:r>
+            <a:endParaRPr lang="en-US" dirty="0"/>
+          </a:p>
+        </p:txBody>
+      </p:sp>
+    </p:spTree>
+    <p:extLst>
+      <p:ext uri="{BB962C8B-B14F-4D97-AF65-F5344CB8AC3E}">
+        <p14:creationId xmlns:p14="http://schemas.microsoft.com/office/powerpoint/2010/main" val="155228080"/>
+      </p:ext>
+    </p:extLst>
+  </p:cSld>
+  <p:clrMapOvr>
+    <a:masterClrMapping/>
+  </p:clrMapOvr>
+  <p:timing>
+    <p:tnLst>
+      <p:par>
+        <p:cTn id="1" dur="indefinite" restart="never" nodeType="tmRoot"/>
+      </p:par>
+    </p:tnLst>
+  </p:timing>
+</p:sld>
+</file>
+
+<file path=ppt/slides/slide42.xml><?xml version="1.0" encoding="utf-8"?>
+<p:sld xmlns:a="http://schemas.openxmlformats.org/drawingml/2006/main" xmlns:r="http://schemas.openxmlformats.org/officeDocument/2006/relationships" xmlns:p="http://schemas.openxmlformats.org/presentationml/2006/main">
+  <p:cSld>
+    <p:spTree>
+      <p:nvGrpSpPr>
+        <p:cNvPr id="1" name=""/>
+        <p:cNvGrpSpPr/>
+        <p:nvPr/>
+      </p:nvGrpSpPr>
+      <p:grpSpPr>
+        <a:xfrm>
+          <a:off x="0" y="0"/>
+          <a:ext cx="0" cy="0"/>
+          <a:chOff x="0" y="0"/>
+          <a:chExt cx="0" cy="0"/>
+        </a:xfrm>
+      </p:grpSpPr>
+      <p:sp>
+        <p:nvSpPr>
+          <p:cNvPr id="4" name="Title 3"/>
+          <p:cNvSpPr>
+            <a:spLocks noGrp="1"/>
+          </p:cNvSpPr>
+          <p:nvPr>
+            <p:ph type="title"/>
+          </p:nvPr>
+        </p:nvSpPr>
+        <p:spPr/>
+        <p:txBody>
+          <a:bodyPr/>
+          <a:lstStyle/>
+          <a:p>
+            <a:r>
+              <a:rPr lang="en-US" dirty="0" smtClean="0"/>
+              <a:t>Homework</a:t>
+            </a:r>
+            <a:endParaRPr lang="en-US" dirty="0"/>
+          </a:p>
+        </p:txBody>
+      </p:sp>
+      <p:sp>
+        <p:nvSpPr>
+          <p:cNvPr id="5" name="Content Placeholder 4"/>
+          <p:cNvSpPr>
+            <a:spLocks noGrp="1"/>
+          </p:cNvSpPr>
+          <p:nvPr>
+            <p:ph idx="1"/>
+          </p:nvPr>
+        </p:nvSpPr>
+        <p:spPr>
+          <a:xfrm>
+            <a:off x="228600" y="762000"/>
+            <a:ext cx="8763000" cy="5867400"/>
+          </a:xfrm>
+        </p:spPr>
+        <p:txBody>
+          <a:bodyPr/>
+          <a:lstStyle/>
+          <a:p>
+            <a:pPr marL="514350" indent="-514350">
+              <a:spcBef>
+                <a:spcPts val="0"/>
+              </a:spcBef>
+              <a:spcAft>
+                <a:spcPts val="300"/>
+              </a:spcAft>
+              <a:buFont typeface="+mj-lt"/>
+              <a:buAutoNum type="arabicPeriod"/>
+            </a:pPr>
+            <a:r>
+              <a:rPr lang="en-US" dirty="0" smtClean="0"/>
+              <a:t>Using c0de first approach, create database for student system with the following tables:</a:t>
+            </a:r>
+          </a:p>
+          <a:p>
+            <a:pPr lvl="1">
+              <a:spcBef>
+                <a:spcPts val="0"/>
+              </a:spcBef>
+              <a:spcAft>
+                <a:spcPts val="300"/>
+              </a:spcAft>
+            </a:pPr>
+            <a:r>
+              <a:rPr lang="en-US" dirty="0">
+                <a:solidFill>
+                  <a:schemeClr val="accent5">
+                    <a:lumMod val="20000"/>
+                    <a:lumOff val="80000"/>
+                  </a:schemeClr>
+                </a:solidFill>
+              </a:rPr>
+              <a:t>Students</a:t>
+            </a:r>
+            <a:r>
+              <a:rPr lang="en-US" dirty="0" smtClean="0"/>
+              <a:t> (with Id, Name, Number, etc.)</a:t>
+            </a:r>
+          </a:p>
+          <a:p>
+            <a:pPr lvl="1">
+              <a:spcBef>
+                <a:spcPts val="0"/>
+              </a:spcBef>
+              <a:spcAft>
+                <a:spcPts val="300"/>
+              </a:spcAft>
+            </a:pPr>
+            <a:r>
+              <a:rPr lang="en-US" dirty="0">
+                <a:solidFill>
+                  <a:schemeClr val="accent5">
+                    <a:lumMod val="20000"/>
+                    <a:lumOff val="80000"/>
+                  </a:schemeClr>
+                </a:solidFill>
+              </a:rPr>
+              <a:t>Courses</a:t>
+            </a:r>
+            <a:r>
+              <a:rPr lang="en-US" dirty="0" smtClean="0"/>
+              <a:t> (Name, Description, Materials, etc.)</a:t>
+            </a:r>
+          </a:p>
+          <a:p>
+            <a:pPr lvl="1">
+              <a:spcBef>
+                <a:spcPts val="0"/>
+              </a:spcBef>
+              <a:spcAft>
+                <a:spcPts val="300"/>
+              </a:spcAft>
+            </a:pPr>
+            <a:r>
+              <a:rPr lang="en-US" dirty="0" err="1">
+                <a:solidFill>
+                  <a:schemeClr val="accent5">
+                    <a:lumMod val="20000"/>
+                    <a:lumOff val="80000"/>
+                  </a:schemeClr>
+                </a:solidFill>
+              </a:rPr>
+              <a:t>StudentsInCourses</a:t>
+            </a:r>
+            <a:r>
+              <a:rPr lang="en-US" dirty="0" smtClean="0"/>
+              <a:t> (many-to-many relationship)</a:t>
+            </a:r>
+          </a:p>
+          <a:p>
+            <a:pPr lvl="1">
+              <a:spcBef>
+                <a:spcPts val="0"/>
+              </a:spcBef>
+              <a:spcAft>
+                <a:spcPts val="300"/>
+              </a:spcAft>
+            </a:pPr>
+            <a:r>
+              <a:rPr lang="en-US" dirty="0">
+                <a:solidFill>
+                  <a:schemeClr val="accent5">
+                    <a:lumMod val="20000"/>
+                    <a:lumOff val="80000"/>
+                  </a:schemeClr>
+                </a:solidFill>
+              </a:rPr>
+              <a:t>Homework</a:t>
+            </a:r>
+            <a:r>
+              <a:rPr lang="en-US" dirty="0" smtClean="0"/>
+              <a:t> (one-to-many relationship with students and courses), fields: Content, </a:t>
+            </a:r>
+            <a:r>
+              <a:rPr lang="en-US" dirty="0" err="1" smtClean="0"/>
+              <a:t>TimeSent</a:t>
+            </a:r>
+            <a:endParaRPr lang="en-US" dirty="0" smtClean="0"/>
+          </a:p>
+          <a:p>
+            <a:pPr lvl="1">
+              <a:spcBef>
+                <a:spcPts val="0"/>
+              </a:spcBef>
+              <a:spcAft>
+                <a:spcPts val="300"/>
+              </a:spcAft>
+            </a:pPr>
+            <a:r>
+              <a:rPr lang="en-US" dirty="0" smtClean="0"/>
+              <a:t>Annotate the data models with the appropriate attributes and enable code first migrations</a:t>
+            </a:r>
+          </a:p>
+          <a:p>
+            <a:pPr marL="514350" indent="-514350">
+              <a:spcBef>
+                <a:spcPts val="0"/>
+              </a:spcBef>
+              <a:spcAft>
+                <a:spcPts val="300"/>
+              </a:spcAft>
+              <a:buFont typeface="+mj-lt"/>
+              <a:buAutoNum type="arabicPeriod"/>
+            </a:pPr>
+            <a:r>
+              <a:rPr lang="en-US" dirty="0" smtClean="0"/>
+              <a:t>Write a console application that uses the data</a:t>
+            </a:r>
+          </a:p>
+          <a:p>
+            <a:pPr marL="514350" indent="-514350">
+              <a:spcBef>
+                <a:spcPts val="0"/>
+              </a:spcBef>
+              <a:spcAft>
+                <a:spcPts val="300"/>
+              </a:spcAft>
+              <a:buFont typeface="+mj-lt"/>
+              <a:buAutoNum type="arabicPeriod"/>
+            </a:pPr>
+            <a:r>
+              <a:rPr lang="en-US" dirty="0"/>
+              <a:t>Seed the data with random </a:t>
+            </a:r>
+            <a:r>
+              <a:rPr lang="en-US" dirty="0" smtClean="0"/>
+              <a:t>values</a:t>
+            </a:r>
+            <a:endParaRPr lang="en-US" dirty="0"/>
+          </a:p>
+        </p:txBody>
+      </p:sp>
+      <p:sp>
+        <p:nvSpPr>
+          <p:cNvPr id="2" name="Slide Number Placeholder 1"/>
+          <p:cNvSpPr>
+            <a:spLocks noGrp="1"/>
+          </p:cNvSpPr>
+          <p:nvPr>
+            <p:ph type="sldNum" sz="quarter" idx="10"/>
+          </p:nvPr>
+        </p:nvSpPr>
+        <p:spPr/>
+        <p:txBody>
+          <a:bodyPr/>
+          <a:lstStyle/>
+          <a:p>
+            <a:pPr>
+              <a:defRPr/>
+            </a:pPr>
+            <a:fld id="{58452FF4-89E3-4D1B-9927-2DBDC00E58D7}" type="slidenum">
+              <a:rPr lang="en-US" smtClean="0"/>
+              <a:pPr>
+                <a:defRPr/>
+              </a:pPr>
+              <a:t>42</a:t>
+            </a:fld>
+            <a:endParaRPr lang="en-US" dirty="0"/>
+          </a:p>
+        </p:txBody>
+      </p:sp>
+    </p:spTree>
+    <p:extLst>
+      <p:ext uri="{BB962C8B-B14F-4D97-AF65-F5344CB8AC3E}">
+        <p14:creationId xmlns:p14="http://schemas.microsoft.com/office/powerpoint/2010/main" val="2320107476"/>
+      </p:ext>
+    </p:extLst>
+  </p:cSld>
+  <p:clrMapOvr>
+    <a:masterClrMapping/>
+  </p:clrMapOvr>
+  <p:timing>
+    <p:tnLst>
+      <p:par>
+        <p:cTn id="1" dur="indefinite" restart="never" nodeType="tmRoot"/>
+      </p:par>
+    </p:tnLst>
+  </p:timing>
+</p:sld>
+</file>
+
+<file path=ppt/slides/slide43.xml><?xml version="1.0" encoding="utf-8"?>
+<p:sld xmlns:a="http://schemas.openxmlformats.org/drawingml/2006/main" xmlns:r="http://schemas.openxmlformats.org/officeDocument/2006/relationships" xmlns:p="http://schemas.openxmlformats.org/presentationml/2006/main">
+  <p:cSld>
+    <p:spTree>
+      <p:nvGrpSpPr>
+        <p:cNvPr id="1" name=""/>
+        <p:cNvGrpSpPr/>
+        <p:nvPr/>
+      </p:nvGrpSpPr>
+      <p:grpSpPr>
+        <a:xfrm>
+          <a:off x="0" y="0"/>
+          <a:ext cx="0" cy="0"/>
+          <a:chOff x="0" y="0"/>
+          <a:chExt cx="0" cy="0"/>
+        </a:xfrm>
+      </p:grpSpPr>
+      <p:sp>
+        <p:nvSpPr>
+          <p:cNvPr id="3" name="Title 2"/>
+          <p:cNvSpPr>
+            <a:spLocks noGrp="1"/>
+          </p:cNvSpPr>
+          <p:nvPr>
+            <p:ph type="title"/>
+          </p:nvPr>
+        </p:nvSpPr>
+        <p:spPr/>
+        <p:txBody>
+          <a:bodyPr/>
+          <a:lstStyle/>
+          <a:p>
+            <a:r>
+              <a:rPr lang="en-US" sz="3600" dirty="0" smtClean="0"/>
+              <a:t>Free Trainings @ Telerik Academy</a:t>
+            </a:r>
+            <a:endParaRPr lang="en-US" sz="3600" dirty="0"/>
+          </a:p>
+        </p:txBody>
+      </p:sp>
+      <p:sp>
+        <p:nvSpPr>
+          <p:cNvPr id="4" name="Content Placeholder 3"/>
+          <p:cNvSpPr>
+            <a:spLocks noGrp="1"/>
+          </p:cNvSpPr>
+          <p:nvPr>
+            <p:ph idx="1"/>
+          </p:nvPr>
+        </p:nvSpPr>
+        <p:spPr>
+          <a:xfrm>
+            <a:off x="228600" y="1066800"/>
+            <a:ext cx="8686800" cy="5638800"/>
+          </a:xfrm>
+        </p:spPr>
+        <p:txBody>
+          <a:bodyPr/>
+          <a:lstStyle/>
+          <a:p>
+            <a:r>
+              <a:rPr lang="en-US" dirty="0" smtClean="0"/>
+              <a:t>C# Programming @ Telerik Academy</a:t>
+            </a:r>
+          </a:p>
+          <a:p>
+            <a:pPr marL="574675" lvl="2" indent="-282575">
+              <a:buClr>
+                <a:schemeClr val="accent5">
+                  <a:lumMod val="40000"/>
+                  <a:lumOff val="60000"/>
+                </a:schemeClr>
+              </a:buClr>
+              <a:buSzPct val="70000"/>
+              <a:buFont typeface="Wingdings 2" pitchFamily="18" charset="2"/>
+              <a:buChar char=""/>
+              <a:tabLst>
+                <a:tab pos="282575" algn="l"/>
+              </a:tabLst>
+            </a:pPr>
+            <a:r>
+              <a:rPr lang="en-US" noProof="1">
+                <a:hlinkClick r:id="rId2"/>
+              </a:rPr>
+              <a:t>csharpfundamentals.telerik.com</a:t>
+            </a:r>
+            <a:endParaRPr lang="en-US" noProof="1"/>
+          </a:p>
+          <a:p>
+            <a:pPr marL="282575" lvl="1" indent="-282575">
+              <a:spcBef>
+                <a:spcPts val="1800"/>
+              </a:spcBef>
+              <a:buClr>
+                <a:schemeClr val="accent5">
+                  <a:lumMod val="40000"/>
+                  <a:lumOff val="60000"/>
+                </a:schemeClr>
+              </a:buClr>
+              <a:buSzPct val="70000"/>
+              <a:buFont typeface="Wingdings 2" pitchFamily="18" charset="2"/>
+              <a:buChar char=""/>
+              <a:tabLst>
+                <a:tab pos="282575" algn="l"/>
+              </a:tabLst>
+            </a:pPr>
+            <a:r>
+              <a:rPr lang="en-US" dirty="0" smtClean="0"/>
+              <a:t>Telerik Software Academy</a:t>
+            </a:r>
+          </a:p>
+          <a:p>
+            <a:pPr marL="574675" lvl="2" indent="-282575">
+              <a:buClr>
+                <a:schemeClr val="accent5">
+                  <a:lumMod val="40000"/>
+                  <a:lumOff val="60000"/>
+                </a:schemeClr>
+              </a:buClr>
+              <a:buSzPct val="70000"/>
+              <a:buFont typeface="Wingdings 2" pitchFamily="18" charset="2"/>
+              <a:buChar char=""/>
+              <a:tabLst>
+                <a:tab pos="282575" algn="l"/>
+              </a:tabLst>
+            </a:pPr>
+            <a:r>
+              <a:rPr lang="en-US" noProof="1" smtClean="0">
+                <a:hlinkClick r:id="rId3" tooltip="Telerik Software Academy - Free Programming Courses"/>
+              </a:rPr>
+              <a:t>academy.telerik.com</a:t>
+            </a:r>
+            <a:endParaRPr lang="en-US" noProof="1" smtClean="0"/>
+          </a:p>
+          <a:p>
+            <a:pPr marL="282575" lvl="1" indent="-282575">
+              <a:spcBef>
+                <a:spcPts val="1800"/>
+              </a:spcBef>
+              <a:buClr>
+                <a:schemeClr val="accent5">
+                  <a:lumMod val="40000"/>
+                  <a:lumOff val="60000"/>
+                </a:schemeClr>
+              </a:buClr>
+              <a:buSzPct val="70000"/>
+              <a:buFont typeface="Wingdings 2" pitchFamily="18" charset="2"/>
+              <a:buChar char=""/>
+              <a:tabLst>
+                <a:tab pos="282575" algn="l"/>
+              </a:tabLst>
+            </a:pPr>
+            <a:r>
+              <a:rPr lang="en-US" dirty="0" smtClean="0"/>
+              <a:t>Telerik Academy @ Facebook</a:t>
+            </a:r>
+          </a:p>
+          <a:p>
+            <a:pPr marL="574675" lvl="2" indent="-282575">
+              <a:buClr>
+                <a:schemeClr val="accent5">
+                  <a:lumMod val="40000"/>
+                  <a:lumOff val="60000"/>
+                </a:schemeClr>
+              </a:buClr>
+              <a:buSzPct val="70000"/>
+              <a:buFont typeface="Wingdings 2" pitchFamily="18" charset="2"/>
+              <a:buChar char=""/>
+              <a:tabLst>
+                <a:tab pos="282575" algn="l"/>
+              </a:tabLst>
+            </a:pPr>
+            <a:r>
+              <a:rPr lang="en-US" noProof="1" smtClean="0">
+                <a:hlinkClick r:id="rId4" tooltip="Telerik Softyware Academy @ Facebook"/>
+              </a:rPr>
+              <a:t>facebook.com/TelerikAcademy</a:t>
+            </a:r>
+            <a:endParaRPr lang="en-US" noProof="1" smtClean="0"/>
+          </a:p>
+          <a:p>
+            <a:pPr marL="282575" lvl="1" indent="-282575">
+              <a:spcBef>
+                <a:spcPts val="1800"/>
+              </a:spcBef>
+              <a:buClr>
+                <a:schemeClr val="accent5">
+                  <a:lumMod val="40000"/>
+                  <a:lumOff val="60000"/>
+                </a:schemeClr>
+              </a:buClr>
+              <a:buSzPct val="70000"/>
+              <a:buFont typeface="Wingdings 2" pitchFamily="18" charset="2"/>
+              <a:buChar char=""/>
+              <a:tabLst>
+                <a:tab pos="282575" algn="l"/>
+              </a:tabLst>
+            </a:pPr>
+            <a:r>
+              <a:rPr lang="en-US" dirty="0" smtClean="0"/>
+              <a:t>Telerik Software Academy Forums</a:t>
+            </a:r>
+          </a:p>
+          <a:p>
+            <a:pPr marL="574675" lvl="2" indent="-282575">
+              <a:buClr>
+                <a:schemeClr val="accent5">
+                  <a:lumMod val="40000"/>
+                  <a:lumOff val="60000"/>
+                </a:schemeClr>
+              </a:buClr>
+              <a:buSzPct val="70000"/>
+              <a:buFont typeface="Wingdings 2" pitchFamily="18" charset="2"/>
+              <a:buChar char=""/>
+              <a:tabLst>
+                <a:tab pos="282575" algn="l"/>
+              </a:tabLst>
+            </a:pPr>
+            <a:r>
+              <a:rPr lang="en-US" noProof="1" smtClean="0">
+                <a:hlinkClick r:id="rId5" tooltip="Telerik Software Academy Forums - Community for Programmers"/>
+              </a:rPr>
+              <a:t>forums.academy.telerik.com</a:t>
+            </a:r>
+            <a:endParaRPr lang="en-US" noProof="1"/>
+          </a:p>
+        </p:txBody>
+      </p:sp>
+      <p:pic>
+        <p:nvPicPr>
+          <p:cNvPr id="5" name="Picture 5">
+            <a:hlinkClick r:id="rId5" tooltip="Telerik Software Academy Forums - Discussion Board for Developers"/>
+          </p:cNvPr>
+          <p:cNvPicPr>
+            <a:picLocks noChangeAspect="1" noChangeArrowheads="1"/>
+          </p:cNvPicPr>
+          <p:nvPr/>
+        </p:nvPicPr>
+        <p:blipFill>
+          <a:blip r:embed="rId6" cstate="screen">
+            <a:extLst>
+              <a:ext uri="{28A0092B-C50C-407E-A947-70E740481C1C}">
+                <a14:useLocalDpi xmlns:a14="http://schemas.microsoft.com/office/drawing/2010/main"/>
+              </a:ext>
+            </a:extLst>
+          </a:blip>
+          <a:srcRect/>
+          <a:stretch>
+            <a:fillRect/>
+          </a:stretch>
+        </p:blipFill>
+        <p:spPr bwMode="auto">
+          <a:xfrm>
+            <a:off x="7523898" y="5218092"/>
+            <a:ext cx="1162902" cy="1268619"/>
+          </a:xfrm>
+          <a:prstGeom prst="rect">
+            <a:avLst/>
+          </a:prstGeom>
+          <a:noFill/>
+          <a:ln>
+            <a:noFill/>
+          </a:ln>
+          <a:effectLst/>
+          <a:extLst>
+            <a:ext uri="{909E8E84-426E-40DD-AFC4-6F175D3DCCD1}">
+              <a14:hiddenFill xmlns:a14="http://schemas.microsoft.com/office/drawing/2010/main">
+                <a:solidFill>
+                  <a:schemeClr val="accent1"/>
+                </a:solidFill>
+              </a14:hiddenFill>
+            </a:ext>
+            <a:ext uri="{91240B29-F687-4F45-9708-019B960494DF}">
+              <a14:hiddenLine xmlns:a14="http://schemas.microsoft.com/office/drawing/2010/main" w="9525">
+                <a:solidFill>
+                  <a:schemeClr val="tx1"/>
+                </a:solidFill>
+                <a:miter lim="800000"/>
+                <a:headEnd/>
+                <a:tailEnd/>
+              </a14:hiddenLine>
+            </a:ext>
+            <a:ext uri="{AF507438-7753-43E0-B8FC-AC1667EBCBE1}">
+              <a14:hiddenEffects xmlns:a14="http://schemas.microsoft.com/office/drawing/2010/main">
+                <a:effectLst>
+                  <a:outerShdw dist="35921" dir="2700000" algn="ctr" rotWithShape="0">
+                    <a:schemeClr val="bg2"/>
+                  </a:outerShdw>
+                </a:effectLst>
+              </a14:hiddenEffects>
+            </a:ext>
+          </a:extLst>
+        </p:spPr>
+      </p:pic>
+      <p:pic>
+        <p:nvPicPr>
+          <p:cNvPr id="1028" name="Picture 4">
+            <a:hlinkClick r:id="rId3" tooltip="Telerik Software Academy"/>
+          </p:cNvPr>
+          <p:cNvPicPr>
+            <a:picLocks noChangeAspect="1" noChangeArrowheads="1"/>
+          </p:cNvPicPr>
+          <p:nvPr/>
+        </p:nvPicPr>
+        <p:blipFill>
+          <a:blip r:embed="rId7">
+            <a:extLst>
+              <a:ext uri="{28A0092B-C50C-407E-A947-70E740481C1C}">
+                <a14:useLocalDpi xmlns:a14="http://schemas.microsoft.com/office/drawing/2010/main"/>
+              </a:ext>
+            </a:extLst>
+          </a:blip>
+          <a:srcRect/>
+          <a:stretch>
+            <a:fillRect/>
+          </a:stretch>
+        </p:blipFill>
+        <p:spPr bwMode="auto">
+          <a:xfrm>
+            <a:off x="5548941" y="2667000"/>
+            <a:ext cx="3137859" cy="918234"/>
+          </a:xfrm>
+          <a:prstGeom prst="rect">
+            <a:avLst/>
+          </a:prstGeom>
+          <a:noFill/>
+          <a:ln>
+            <a:solidFill>
+              <a:srgbClr val="9BCC00"/>
+            </a:solidFill>
+          </a:ln>
+          <a:extLst>
+            <a:ext uri="{909E8E84-426E-40DD-AFC4-6F175D3DCCD1}">
+              <a14:hiddenFill xmlns:a14="http://schemas.microsoft.com/office/drawing/2010/main">
+                <a:solidFill>
+                  <a:srgbClr val="FFFFFF"/>
+                </a:solidFill>
+              </a14:hiddenFill>
+            </a:ext>
+          </a:extLst>
+        </p:spPr>
+      </p:pic>
+      <p:pic>
+        <p:nvPicPr>
+          <p:cNvPr id="1037" name="Picture 13">
+            <a:hlinkClick r:id="rId8" tooltip="Telerik Academy @ Facebook"/>
+          </p:cNvPr>
+          <p:cNvPicPr>
+            <a:picLocks noChangeAspect="1" noChangeArrowheads="1"/>
+          </p:cNvPicPr>
+          <p:nvPr/>
+        </p:nvPicPr>
+        <p:blipFill>
+          <a:blip r:embed="rId9">
+            <a:extLst>
+              <a:ext uri="{28A0092B-C50C-407E-A947-70E740481C1C}">
+                <a14:useLocalDpi xmlns:a14="http://schemas.microsoft.com/office/drawing/2010/main"/>
+              </a:ext>
+            </a:extLst>
+          </a:blip>
+          <a:srcRect/>
+          <a:stretch>
+            <a:fillRect/>
+          </a:stretch>
+        </p:blipFill>
+        <p:spPr bwMode="auto">
+          <a:xfrm>
+            <a:off x="7748587" y="4003901"/>
+            <a:ext cx="938213" cy="938213"/>
+          </a:xfrm>
+          <a:prstGeom prst="rect">
+            <a:avLst/>
+          </a:prstGeom>
+          <a:noFill/>
+          <a:ln>
+            <a:noFill/>
+          </a:ln>
+          <a:effectLst/>
+          <a:extLst>
+            <a:ext uri="{909E8E84-426E-40DD-AFC4-6F175D3DCCD1}">
+              <a14:hiddenFill xmlns:a14="http://schemas.microsoft.com/office/drawing/2010/main">
+                <a:solidFill>
+                  <a:schemeClr val="accent1"/>
+                </a:solidFill>
+              </a14:hiddenFill>
+            </a:ext>
+            <a:ext uri="{91240B29-F687-4F45-9708-019B960494DF}">
+              <a14:hiddenLine xmlns:a14="http://schemas.microsoft.com/office/drawing/2010/main" w="9525">
+                <a:solidFill>
+                  <a:schemeClr val="tx1"/>
+                </a:solidFill>
+                <a:miter lim="800000"/>
+                <a:headEnd/>
+                <a:tailEnd/>
+              </a14:hiddenLine>
+            </a:ext>
+            <a:ext uri="{AF507438-7753-43E0-B8FC-AC1667EBCBE1}">
+              <a14:hiddenEffects xmlns:a14="http://schemas.microsoft.com/office/drawing/2010/main">
+                <a:effectLst>
+                  <a:outerShdw dist="35921" dir="2700000" algn="ctr" rotWithShape="0">
+                    <a:schemeClr val="bg2"/>
+                  </a:outerShdw>
+                </a:effectLst>
+              </a14:hiddenEffects>
+            </a:ext>
+          </a:extLst>
+        </p:spPr>
+      </p:pic>
+      <p:pic>
+        <p:nvPicPr>
+          <p:cNvPr id="2" name="Picture 1">
+            <a:hlinkClick r:id="rId2"/>
+          </p:cNvPr>
+          <p:cNvPicPr>
+            <a:picLocks noChangeAspect="1"/>
+          </p:cNvPicPr>
+          <p:nvPr/>
+        </p:nvPicPr>
+        <p:blipFill>
+          <a:blip r:embed="rId10" cstate="screen">
+            <a:extLst>
+              <a:ext uri="{28A0092B-C50C-407E-A947-70E740481C1C}">
+                <a14:useLocalDpi xmlns:a14="http://schemas.microsoft.com/office/drawing/2010/main"/>
+              </a:ext>
+            </a:extLst>
+          </a:blip>
+          <a:stretch>
+            <a:fillRect/>
+          </a:stretch>
+        </p:blipFill>
+        <p:spPr>
+          <a:xfrm>
+            <a:off x="7562025" y="1123558"/>
+            <a:ext cx="1124775" cy="1124775"/>
+          </a:xfrm>
+          <a:prstGeom prst="rect">
+            <a:avLst/>
+          </a:prstGeom>
+        </p:spPr>
+      </p:pic>
+      <p:sp>
+        <p:nvSpPr>
+          <p:cNvPr id="6" name="Slide Number Placeholder 5"/>
+          <p:cNvSpPr>
+            <a:spLocks noGrp="1"/>
+          </p:cNvSpPr>
+          <p:nvPr>
+            <p:ph type="sldNum" sz="quarter" idx="10"/>
+          </p:nvPr>
+        </p:nvSpPr>
+        <p:spPr/>
+        <p:txBody>
+          <a:bodyPr/>
+          <a:lstStyle/>
+          <a:p>
+            <a:pPr>
+              <a:defRPr/>
+            </a:pPr>
+            <a:fld id="{58452FF4-89E3-4D1B-9927-2DBDC00E58D7}" type="slidenum">
+              <a:rPr lang="en-US" smtClean="0"/>
+              <a:pPr>
+                <a:defRPr/>
+              </a:pPr>
+              <a:t>43</a:t>
+            </a:fld>
+            <a:endParaRPr lang="en-US" dirty="0"/>
+          </a:p>
+        </p:txBody>
+      </p:sp>
+    </p:spTree>
+    <p:extLst>
+      <p:ext uri="{BB962C8B-B14F-4D97-AF65-F5344CB8AC3E}">
+        <p14:creationId xmlns:p14="http://schemas.microsoft.com/office/powerpoint/2010/main" val="495879396"/>
+      </p:ext>
+    </p:extLst>
+  </p:cSld>
+  <p:clrMapOvr>
+    <a:masterClrMapping/>
+  </p:clrMapOvr>
+  <p:timing>
+    <p:tnLst>
+      <p:par>
+        <p:cTn id="1" dur="indefinite" restart="never" nodeType="tmRoot"/>
+      </p:par>
+    </p:tnLst>
   </p:timing>
 </p:sld>
 </file>
